--- a/Исследование алгоритма вычисления ионосферной поправки для системы Galileo.pptx
+++ b/Исследование алгоритма вычисления ионосферной поправки для системы Galileo.pptx
@@ -6,14 +6,20 @@
   </p:sldMasterIdLst>
   <p:sldIdLst>
     <p:sldId id="256" r:id="rId2"/>
-    <p:sldId id="257" r:id="rId3"/>
-    <p:sldId id="258" r:id="rId4"/>
-    <p:sldId id="259" r:id="rId5"/>
-    <p:sldId id="260" r:id="rId6"/>
-    <p:sldId id="261" r:id="rId7"/>
-    <p:sldId id="262" r:id="rId8"/>
-    <p:sldId id="263" r:id="rId9"/>
-    <p:sldId id="264" r:id="rId10"/>
+    <p:sldId id="265" r:id="rId3"/>
+    <p:sldId id="266" r:id="rId4"/>
+    <p:sldId id="257" r:id="rId5"/>
+    <p:sldId id="258" r:id="rId6"/>
+    <p:sldId id="259" r:id="rId7"/>
+    <p:sldId id="260" r:id="rId8"/>
+    <p:sldId id="261" r:id="rId9"/>
+    <p:sldId id="262" r:id="rId10"/>
+    <p:sldId id="270" r:id="rId11"/>
+    <p:sldId id="269" r:id="rId12"/>
+    <p:sldId id="268" r:id="rId13"/>
+    <p:sldId id="267" r:id="rId14"/>
+    <p:sldId id="263" r:id="rId15"/>
+    <p:sldId id="264" r:id="rId16"/>
   </p:sldIdLst>
   <p:sldSz cx="12192000" cy="6858000"/>
   <p:notesSz cx="6858000" cy="9144000"/>
@@ -112,6 +118,11 @@
       </a:defRPr>
     </a:lvl9pPr>
   </p:defaultTextStyle>
+  <p:extLst>
+    <p:ext uri="{EFAFB233-063F-42B5-8137-9DF3F51BA10A}">
+      <p15:sldGuideLst xmlns:p15="http://schemas.microsoft.com/office/powerpoint/2012/main"/>
+    </p:ext>
+  </p:extLst>
 </p:presentation>
 </file>
 
@@ -262,7 +273,7 @@
           <a:p>
             <a:fld id="{B3F3D847-F5A2-4318-AFDA-B92EAB6C0036}" type="datetimeFigureOut">
               <a:rPr lang="ru-RU" smtClean="0"/>
-              <a:t>15.06.2022</a:t>
+              <a:t>16.06.2022</a:t>
             </a:fld>
             <a:endParaRPr lang="ru-RU"/>
           </a:p>
@@ -460,7 +471,7 @@
           <a:p>
             <a:fld id="{B3F3D847-F5A2-4318-AFDA-B92EAB6C0036}" type="datetimeFigureOut">
               <a:rPr lang="ru-RU" smtClean="0"/>
-              <a:t>15.06.2022</a:t>
+              <a:t>16.06.2022</a:t>
             </a:fld>
             <a:endParaRPr lang="ru-RU"/>
           </a:p>
@@ -668,7 +679,7 @@
           <a:p>
             <a:fld id="{B3F3D847-F5A2-4318-AFDA-B92EAB6C0036}" type="datetimeFigureOut">
               <a:rPr lang="ru-RU" smtClean="0"/>
-              <a:t>15.06.2022</a:t>
+              <a:t>16.06.2022</a:t>
             </a:fld>
             <a:endParaRPr lang="ru-RU"/>
           </a:p>
@@ -866,7 +877,7 @@
           <a:p>
             <a:fld id="{B3F3D847-F5A2-4318-AFDA-B92EAB6C0036}" type="datetimeFigureOut">
               <a:rPr lang="ru-RU" smtClean="0"/>
-              <a:t>15.06.2022</a:t>
+              <a:t>16.06.2022</a:t>
             </a:fld>
             <a:endParaRPr lang="ru-RU"/>
           </a:p>
@@ -1141,7 +1152,7 @@
           <a:p>
             <a:fld id="{B3F3D847-F5A2-4318-AFDA-B92EAB6C0036}" type="datetimeFigureOut">
               <a:rPr lang="ru-RU" smtClean="0"/>
-              <a:t>15.06.2022</a:t>
+              <a:t>16.06.2022</a:t>
             </a:fld>
             <a:endParaRPr lang="ru-RU"/>
           </a:p>
@@ -1406,7 +1417,7 @@
           <a:p>
             <a:fld id="{B3F3D847-F5A2-4318-AFDA-B92EAB6C0036}" type="datetimeFigureOut">
               <a:rPr lang="ru-RU" smtClean="0"/>
-              <a:t>15.06.2022</a:t>
+              <a:t>16.06.2022</a:t>
             </a:fld>
             <a:endParaRPr lang="ru-RU"/>
           </a:p>
@@ -1818,7 +1829,7 @@
           <a:p>
             <a:fld id="{B3F3D847-F5A2-4318-AFDA-B92EAB6C0036}" type="datetimeFigureOut">
               <a:rPr lang="ru-RU" smtClean="0"/>
-              <a:t>15.06.2022</a:t>
+              <a:t>16.06.2022</a:t>
             </a:fld>
             <a:endParaRPr lang="ru-RU"/>
           </a:p>
@@ -1959,7 +1970,7 @@
           <a:p>
             <a:fld id="{B3F3D847-F5A2-4318-AFDA-B92EAB6C0036}" type="datetimeFigureOut">
               <a:rPr lang="ru-RU" smtClean="0"/>
-              <a:t>15.06.2022</a:t>
+              <a:t>16.06.2022</a:t>
             </a:fld>
             <a:endParaRPr lang="ru-RU"/>
           </a:p>
@@ -2072,7 +2083,7 @@
           <a:p>
             <a:fld id="{B3F3D847-F5A2-4318-AFDA-B92EAB6C0036}" type="datetimeFigureOut">
               <a:rPr lang="ru-RU" smtClean="0"/>
-              <a:t>15.06.2022</a:t>
+              <a:t>16.06.2022</a:t>
             </a:fld>
             <a:endParaRPr lang="ru-RU"/>
           </a:p>
@@ -2383,7 +2394,7 @@
           <a:p>
             <a:fld id="{B3F3D847-F5A2-4318-AFDA-B92EAB6C0036}" type="datetimeFigureOut">
               <a:rPr lang="ru-RU" smtClean="0"/>
-              <a:t>15.06.2022</a:t>
+              <a:t>16.06.2022</a:t>
             </a:fld>
             <a:endParaRPr lang="ru-RU"/>
           </a:p>
@@ -2671,7 +2682,7 @@
           <a:p>
             <a:fld id="{B3F3D847-F5A2-4318-AFDA-B92EAB6C0036}" type="datetimeFigureOut">
               <a:rPr lang="ru-RU" smtClean="0"/>
-              <a:t>15.06.2022</a:t>
+              <a:t>16.06.2022</a:t>
             </a:fld>
             <a:endParaRPr lang="ru-RU"/>
           </a:p>
@@ -2912,7 +2923,7 @@
           <a:p>
             <a:fld id="{B3F3D847-F5A2-4318-AFDA-B92EAB6C0036}" type="datetimeFigureOut">
               <a:rPr lang="ru-RU" smtClean="0"/>
-              <a:t>15.06.2022</a:t>
+              <a:t>16.06.2022</a:t>
             </a:fld>
             <a:endParaRPr lang="ru-RU"/>
           </a:p>
@@ -3439,6 +3450,625 @@
 </p:sld>
 </file>
 
+<file path=ppt/slides/slide10.xml><?xml version="1.0" encoding="utf-8"?>
+<p:sld xmlns:a="http://schemas.openxmlformats.org/drawingml/2006/main" xmlns:r="http://schemas.openxmlformats.org/officeDocument/2006/relationships" xmlns:p="http://schemas.openxmlformats.org/presentationml/2006/main">
+  <p:cSld>
+    <p:spTree>
+      <p:nvGrpSpPr>
+        <p:cNvPr id="1" name=""/>
+        <p:cNvGrpSpPr/>
+        <p:nvPr/>
+      </p:nvGrpSpPr>
+      <p:grpSpPr>
+        <a:xfrm>
+          <a:off x="0" y="0"/>
+          <a:ext cx="0" cy="0"/>
+          <a:chOff x="0" y="0"/>
+          <a:chExt cx="0" cy="0"/>
+        </a:xfrm>
+      </p:grpSpPr>
+      <p:sp>
+        <p:nvSpPr>
+          <p:cNvPr id="2" name="Заголовок 1">
+            <a:extLst>
+              <a:ext uri="{FF2B5EF4-FFF2-40B4-BE49-F238E27FC236}">
+                <a16:creationId xmlns:a16="http://schemas.microsoft.com/office/drawing/2014/main" id="{11DF9275-626A-BE19-8E54-CA893075CCA0}"/>
+              </a:ext>
+            </a:extLst>
+          </p:cNvPr>
+          <p:cNvSpPr>
+            <a:spLocks noGrp="1"/>
+          </p:cNvSpPr>
+          <p:nvPr>
+            <p:ph type="title"/>
+          </p:nvPr>
+        </p:nvSpPr>
+        <p:spPr/>
+        <p:txBody>
+          <a:bodyPr/>
+          <a:lstStyle/>
+          <a:p>
+            <a:r>
+              <a:rPr lang="ru-RU" dirty="0"/>
+              <a:t>Входные данные</a:t>
+            </a:r>
+          </a:p>
+        </p:txBody>
+      </p:sp>
+      <p:pic>
+        <p:nvPicPr>
+          <p:cNvPr id="28" name="Рисунок 27">
+            <a:extLst>
+              <a:ext uri="{FF2B5EF4-FFF2-40B4-BE49-F238E27FC236}">
+                <a16:creationId xmlns:a16="http://schemas.microsoft.com/office/drawing/2014/main" id="{0D83D470-19D6-AF3B-4FD3-1C8BCDB5F40A}"/>
+              </a:ext>
+            </a:extLst>
+          </p:cNvPr>
+          <p:cNvPicPr>
+            <a:picLocks noChangeAspect="1"/>
+          </p:cNvPicPr>
+          <p:nvPr/>
+        </p:nvPicPr>
+        <p:blipFill>
+          <a:blip r:embed="rId2">
+            <a:extLst>
+              <a:ext uri="{28A0092B-C50C-407E-A947-70E740481C1C}">
+                <a14:useLocalDpi xmlns:a14="http://schemas.microsoft.com/office/drawing/2010/main" val="0"/>
+              </a:ext>
+            </a:extLst>
+          </a:blip>
+          <a:stretch>
+            <a:fillRect/>
+          </a:stretch>
+        </p:blipFill>
+        <p:spPr>
+          <a:xfrm>
+            <a:off x="838200" y="1690688"/>
+            <a:ext cx="5290854" cy="3961966"/>
+          </a:xfrm>
+          <a:prstGeom prst="rect">
+            <a:avLst/>
+          </a:prstGeom>
+        </p:spPr>
+      </p:pic>
+      <p:pic>
+        <p:nvPicPr>
+          <p:cNvPr id="30" name="Рисунок 29">
+            <a:extLst>
+              <a:ext uri="{FF2B5EF4-FFF2-40B4-BE49-F238E27FC236}">
+                <a16:creationId xmlns:a16="http://schemas.microsoft.com/office/drawing/2014/main" id="{9F8CE2D7-8435-DD50-D3BB-85D20F862DE2}"/>
+              </a:ext>
+            </a:extLst>
+          </p:cNvPr>
+          <p:cNvPicPr>
+            <a:picLocks noChangeAspect="1"/>
+          </p:cNvPicPr>
+          <p:nvPr/>
+        </p:nvPicPr>
+        <p:blipFill>
+          <a:blip r:embed="rId3">
+            <a:extLst>
+              <a:ext uri="{28A0092B-C50C-407E-A947-70E740481C1C}">
+                <a14:useLocalDpi xmlns:a14="http://schemas.microsoft.com/office/drawing/2010/main" val="0"/>
+              </a:ext>
+            </a:extLst>
+          </a:blip>
+          <a:stretch>
+            <a:fillRect/>
+          </a:stretch>
+        </p:blipFill>
+        <p:spPr>
+          <a:xfrm>
+            <a:off x="7327075" y="1690688"/>
+            <a:ext cx="4026724" cy="4575411"/>
+          </a:xfrm>
+          <a:prstGeom prst="rect">
+            <a:avLst/>
+          </a:prstGeom>
+        </p:spPr>
+      </p:pic>
+    </p:spTree>
+    <p:extLst>
+      <p:ext uri="{BB962C8B-B14F-4D97-AF65-F5344CB8AC3E}">
+        <p14:creationId xmlns:p14="http://schemas.microsoft.com/office/powerpoint/2010/main" val="2401117227"/>
+      </p:ext>
+    </p:extLst>
+  </p:cSld>
+  <p:clrMapOvr>
+    <a:masterClrMapping/>
+  </p:clrMapOvr>
+</p:sld>
+</file>
+
+<file path=ppt/slides/slide11.xml><?xml version="1.0" encoding="utf-8"?>
+<p:sld xmlns:a="http://schemas.openxmlformats.org/drawingml/2006/main" xmlns:r="http://schemas.openxmlformats.org/officeDocument/2006/relationships" xmlns:p="http://schemas.openxmlformats.org/presentationml/2006/main">
+  <p:cSld>
+    <p:spTree>
+      <p:nvGrpSpPr>
+        <p:cNvPr id="1" name=""/>
+        <p:cNvGrpSpPr/>
+        <p:nvPr/>
+      </p:nvGrpSpPr>
+      <p:grpSpPr>
+        <a:xfrm>
+          <a:off x="0" y="0"/>
+          <a:ext cx="0" cy="0"/>
+          <a:chOff x="0" y="0"/>
+          <a:chExt cx="0" cy="0"/>
+        </a:xfrm>
+      </p:grpSpPr>
+      <p:sp>
+        <p:nvSpPr>
+          <p:cNvPr id="2" name="Заголовок 1">
+            <a:extLst>
+              <a:ext uri="{FF2B5EF4-FFF2-40B4-BE49-F238E27FC236}">
+                <a16:creationId xmlns:a16="http://schemas.microsoft.com/office/drawing/2014/main" id="{3C588BB9-3738-DEE8-2160-D69FA2671E5B}"/>
+              </a:ext>
+            </a:extLst>
+          </p:cNvPr>
+          <p:cNvSpPr>
+            <a:spLocks noGrp="1"/>
+          </p:cNvSpPr>
+          <p:nvPr>
+            <p:ph type="title"/>
+          </p:nvPr>
+        </p:nvSpPr>
+        <p:spPr/>
+        <p:txBody>
+          <a:bodyPr/>
+          <a:lstStyle/>
+          <a:p>
+            <a:r>
+              <a:rPr lang="ru-RU" dirty="0"/>
+              <a:t>Входные данные</a:t>
+            </a:r>
+          </a:p>
+        </p:txBody>
+      </p:sp>
+      <p:pic>
+        <p:nvPicPr>
+          <p:cNvPr id="4" name="Объект 5">
+            <a:extLst>
+              <a:ext uri="{FF2B5EF4-FFF2-40B4-BE49-F238E27FC236}">
+                <a16:creationId xmlns:a16="http://schemas.microsoft.com/office/drawing/2014/main" id="{9F33648D-3695-1C2E-984D-BFCFE8325549}"/>
+              </a:ext>
+            </a:extLst>
+          </p:cNvPr>
+          <p:cNvPicPr>
+            <a:picLocks noChangeAspect="1"/>
+          </p:cNvPicPr>
+          <p:nvPr/>
+        </p:nvPicPr>
+        <p:blipFill>
+          <a:blip r:embed="rId2"/>
+          <a:stretch>
+            <a:fillRect/>
+          </a:stretch>
+        </p:blipFill>
+        <p:spPr>
+          <a:xfrm>
+            <a:off x="398136" y="1690688"/>
+            <a:ext cx="5697864" cy="4351338"/>
+          </a:xfrm>
+          <a:prstGeom prst="rect">
+            <a:avLst/>
+          </a:prstGeom>
+        </p:spPr>
+      </p:pic>
+      <p:pic>
+        <p:nvPicPr>
+          <p:cNvPr id="5" name="Рисунок 4">
+            <a:extLst>
+              <a:ext uri="{FF2B5EF4-FFF2-40B4-BE49-F238E27FC236}">
+                <a16:creationId xmlns:a16="http://schemas.microsoft.com/office/drawing/2014/main" id="{E86EE153-6573-9B9D-4DC4-70FE078F0CAA}"/>
+              </a:ext>
+            </a:extLst>
+          </p:cNvPr>
+          <p:cNvPicPr>
+            <a:picLocks noChangeAspect="1"/>
+          </p:cNvPicPr>
+          <p:nvPr/>
+        </p:nvPicPr>
+        <p:blipFill>
+          <a:blip r:embed="rId3"/>
+          <a:stretch>
+            <a:fillRect/>
+          </a:stretch>
+        </p:blipFill>
+        <p:spPr>
+          <a:xfrm>
+            <a:off x="6096000" y="1690688"/>
+            <a:ext cx="6001588" cy="2362530"/>
+          </a:xfrm>
+          <a:prstGeom prst="rect">
+            <a:avLst/>
+          </a:prstGeom>
+        </p:spPr>
+      </p:pic>
+    </p:spTree>
+    <p:extLst>
+      <p:ext uri="{BB962C8B-B14F-4D97-AF65-F5344CB8AC3E}">
+        <p14:creationId xmlns:p14="http://schemas.microsoft.com/office/powerpoint/2010/main" val="2295279297"/>
+      </p:ext>
+    </p:extLst>
+  </p:cSld>
+  <p:clrMapOvr>
+    <a:masterClrMapping/>
+  </p:clrMapOvr>
+</p:sld>
+</file>
+
+<file path=ppt/slides/slide12.xml><?xml version="1.0" encoding="utf-8"?>
+<p:sld xmlns:a="http://schemas.openxmlformats.org/drawingml/2006/main" xmlns:r="http://schemas.openxmlformats.org/officeDocument/2006/relationships" xmlns:p="http://schemas.openxmlformats.org/presentationml/2006/main">
+  <p:cSld>
+    <p:spTree>
+      <p:nvGrpSpPr>
+        <p:cNvPr id="1" name=""/>
+        <p:cNvGrpSpPr/>
+        <p:nvPr/>
+      </p:nvGrpSpPr>
+      <p:grpSpPr>
+        <a:xfrm>
+          <a:off x="0" y="0"/>
+          <a:ext cx="0" cy="0"/>
+          <a:chOff x="0" y="0"/>
+          <a:chExt cx="0" cy="0"/>
+        </a:xfrm>
+      </p:grpSpPr>
+      <p:sp>
+        <p:nvSpPr>
+          <p:cNvPr id="2" name="Заголовок 1">
+            <a:extLst>
+              <a:ext uri="{FF2B5EF4-FFF2-40B4-BE49-F238E27FC236}">
+                <a16:creationId xmlns:a16="http://schemas.microsoft.com/office/drawing/2014/main" id="{C8189EB5-B756-D5D0-64BE-037E3C5B8579}"/>
+              </a:ext>
+            </a:extLst>
+          </p:cNvPr>
+          <p:cNvSpPr>
+            <a:spLocks noGrp="1"/>
+          </p:cNvSpPr>
+          <p:nvPr>
+            <p:ph type="title"/>
+          </p:nvPr>
+        </p:nvSpPr>
+        <p:spPr/>
+        <p:txBody>
+          <a:bodyPr/>
+          <a:lstStyle/>
+          <a:p>
+            <a:r>
+              <a:rPr lang="ru-RU" dirty="0"/>
+              <a:t>Анализ результатов</a:t>
+            </a:r>
+          </a:p>
+        </p:txBody>
+      </p:sp>
+      <p:pic>
+        <p:nvPicPr>
+          <p:cNvPr id="7" name="Рисунок 6">
+            <a:extLst>
+              <a:ext uri="{FF2B5EF4-FFF2-40B4-BE49-F238E27FC236}">
+                <a16:creationId xmlns:a16="http://schemas.microsoft.com/office/drawing/2014/main" id="{BBEE0AA5-509B-5239-F35D-C9BB6C152CB4}"/>
+              </a:ext>
+            </a:extLst>
+          </p:cNvPr>
+          <p:cNvPicPr>
+            <a:picLocks noChangeAspect="1"/>
+          </p:cNvPicPr>
+          <p:nvPr/>
+        </p:nvPicPr>
+        <p:blipFill>
+          <a:blip r:embed="rId2"/>
+          <a:stretch>
+            <a:fillRect/>
+          </a:stretch>
+        </p:blipFill>
+        <p:spPr>
+          <a:xfrm>
+            <a:off x="838200" y="1690688"/>
+            <a:ext cx="10584960" cy="4244915"/>
+          </a:xfrm>
+          <a:prstGeom prst="rect">
+            <a:avLst/>
+          </a:prstGeom>
+        </p:spPr>
+      </p:pic>
+    </p:spTree>
+    <p:extLst>
+      <p:ext uri="{BB962C8B-B14F-4D97-AF65-F5344CB8AC3E}">
+        <p14:creationId xmlns:p14="http://schemas.microsoft.com/office/powerpoint/2010/main" val="1636102183"/>
+      </p:ext>
+    </p:extLst>
+  </p:cSld>
+  <p:clrMapOvr>
+    <a:masterClrMapping/>
+  </p:clrMapOvr>
+</p:sld>
+</file>
+
+<file path=ppt/slides/slide13.xml><?xml version="1.0" encoding="utf-8"?>
+<p:sld xmlns:a="http://schemas.openxmlformats.org/drawingml/2006/main" xmlns:r="http://schemas.openxmlformats.org/officeDocument/2006/relationships" xmlns:p="http://schemas.openxmlformats.org/presentationml/2006/main">
+  <p:cSld>
+    <p:spTree>
+      <p:nvGrpSpPr>
+        <p:cNvPr id="1" name=""/>
+        <p:cNvGrpSpPr/>
+        <p:nvPr/>
+      </p:nvGrpSpPr>
+      <p:grpSpPr>
+        <a:xfrm>
+          <a:off x="0" y="0"/>
+          <a:ext cx="0" cy="0"/>
+          <a:chOff x="0" y="0"/>
+          <a:chExt cx="0" cy="0"/>
+        </a:xfrm>
+      </p:grpSpPr>
+      <p:sp>
+        <p:nvSpPr>
+          <p:cNvPr id="2" name="Заголовок 1">
+            <a:extLst>
+              <a:ext uri="{FF2B5EF4-FFF2-40B4-BE49-F238E27FC236}">
+                <a16:creationId xmlns:a16="http://schemas.microsoft.com/office/drawing/2014/main" id="{671026CD-5492-C48B-2FFD-4DAE39D864AA}"/>
+              </a:ext>
+            </a:extLst>
+          </p:cNvPr>
+          <p:cNvSpPr>
+            <a:spLocks noGrp="1"/>
+          </p:cNvSpPr>
+          <p:nvPr>
+            <p:ph type="title"/>
+          </p:nvPr>
+        </p:nvSpPr>
+        <p:spPr/>
+        <p:txBody>
+          <a:bodyPr/>
+          <a:lstStyle/>
+          <a:p>
+            <a:r>
+              <a:rPr lang="ru-RU" dirty="0"/>
+              <a:t>Анализ результатов</a:t>
+            </a:r>
+          </a:p>
+        </p:txBody>
+      </p:sp>
+      <p:sp>
+        <p:nvSpPr>
+          <p:cNvPr id="3" name="Объект 2">
+            <a:extLst>
+              <a:ext uri="{FF2B5EF4-FFF2-40B4-BE49-F238E27FC236}">
+                <a16:creationId xmlns:a16="http://schemas.microsoft.com/office/drawing/2014/main" id="{DCF33D8C-6157-DA60-DEF3-A69B667477FC}"/>
+              </a:ext>
+            </a:extLst>
+          </p:cNvPr>
+          <p:cNvSpPr>
+            <a:spLocks noGrp="1"/>
+          </p:cNvSpPr>
+          <p:nvPr>
+            <p:ph idx="1"/>
+          </p:nvPr>
+        </p:nvSpPr>
+        <p:spPr/>
+        <p:txBody>
+          <a:bodyPr/>
+          <a:lstStyle/>
+          <a:p>
+            <a:endParaRPr lang="ru-RU"/>
+          </a:p>
+        </p:txBody>
+      </p:sp>
+    </p:spTree>
+    <p:extLst>
+      <p:ext uri="{BB962C8B-B14F-4D97-AF65-F5344CB8AC3E}">
+        <p14:creationId xmlns:p14="http://schemas.microsoft.com/office/powerpoint/2010/main" val="1641986736"/>
+      </p:ext>
+    </p:extLst>
+  </p:cSld>
+  <p:clrMapOvr>
+    <a:masterClrMapping/>
+  </p:clrMapOvr>
+</p:sld>
+</file>
+
+<file path=ppt/slides/slide14.xml><?xml version="1.0" encoding="utf-8"?>
+<p:sld xmlns:a="http://schemas.openxmlformats.org/drawingml/2006/main" xmlns:r="http://schemas.openxmlformats.org/officeDocument/2006/relationships" xmlns:p="http://schemas.openxmlformats.org/presentationml/2006/main">
+  <p:cSld>
+    <p:spTree>
+      <p:nvGrpSpPr>
+        <p:cNvPr id="1" name=""/>
+        <p:cNvGrpSpPr/>
+        <p:nvPr/>
+      </p:nvGrpSpPr>
+      <p:grpSpPr>
+        <a:xfrm>
+          <a:off x="0" y="0"/>
+          <a:ext cx="0" cy="0"/>
+          <a:chOff x="0" y="0"/>
+          <a:chExt cx="0" cy="0"/>
+        </a:xfrm>
+      </p:grpSpPr>
+      <p:sp>
+        <p:nvSpPr>
+          <p:cNvPr id="2" name="Заголовок 1">
+            <a:extLst>
+              <a:ext uri="{FF2B5EF4-FFF2-40B4-BE49-F238E27FC236}">
+                <a16:creationId xmlns:a16="http://schemas.microsoft.com/office/drawing/2014/main" id="{26FD2397-334B-3912-A838-243FC2C763E8}"/>
+              </a:ext>
+            </a:extLst>
+          </p:cNvPr>
+          <p:cNvSpPr>
+            <a:spLocks noGrp="1"/>
+          </p:cNvSpPr>
+          <p:nvPr>
+            <p:ph type="title"/>
+          </p:nvPr>
+        </p:nvSpPr>
+        <p:spPr/>
+        <p:txBody>
+          <a:bodyPr/>
+          <a:lstStyle/>
+          <a:p>
+            <a:r>
+              <a:rPr lang="ru-RU" dirty="0"/>
+              <a:t>Анализ результатов</a:t>
+            </a:r>
+          </a:p>
+        </p:txBody>
+      </p:sp>
+      <p:sp>
+        <p:nvSpPr>
+          <p:cNvPr id="3" name="Объект 2">
+            <a:extLst>
+              <a:ext uri="{FF2B5EF4-FFF2-40B4-BE49-F238E27FC236}">
+                <a16:creationId xmlns:a16="http://schemas.microsoft.com/office/drawing/2014/main" id="{A20DBE46-F85D-0C75-4404-ECD4B8335D53}"/>
+              </a:ext>
+            </a:extLst>
+          </p:cNvPr>
+          <p:cNvSpPr>
+            <a:spLocks noGrp="1"/>
+          </p:cNvSpPr>
+          <p:nvPr>
+            <p:ph idx="1"/>
+          </p:nvPr>
+        </p:nvSpPr>
+        <p:spPr/>
+        <p:txBody>
+          <a:bodyPr/>
+          <a:lstStyle/>
+          <a:p>
+            <a:r>
+              <a:rPr lang="ru-RU" dirty="0"/>
+              <a:t>Обработка выходных данных (графики и </a:t>
+            </a:r>
+            <a:r>
+              <a:rPr lang="ru-RU" dirty="0" err="1"/>
+              <a:t>тп</a:t>
+            </a:r>
+            <a:r>
+              <a:rPr lang="ru-RU" dirty="0"/>
+              <a:t>)</a:t>
+            </a:r>
+          </a:p>
+          <a:p>
+            <a:r>
+              <a:rPr lang="ru-RU" dirty="0"/>
+              <a:t>Подсчет задержки без </a:t>
+            </a:r>
+            <a:r>
+              <a:rPr lang="en-US" dirty="0" err="1"/>
+              <a:t>NeQuick</a:t>
+            </a:r>
+            <a:endParaRPr lang="ru-RU" dirty="0"/>
+          </a:p>
+          <a:p>
+            <a:r>
+              <a:rPr lang="ru-RU" dirty="0"/>
+              <a:t>Сравнение</a:t>
+            </a:r>
+          </a:p>
+          <a:p>
+            <a:r>
+              <a:rPr lang="ru-RU" dirty="0"/>
+              <a:t>Итоги</a:t>
+            </a:r>
+          </a:p>
+        </p:txBody>
+      </p:sp>
+    </p:spTree>
+    <p:extLst>
+      <p:ext uri="{BB962C8B-B14F-4D97-AF65-F5344CB8AC3E}">
+        <p14:creationId xmlns:p14="http://schemas.microsoft.com/office/powerpoint/2010/main" val="1832665835"/>
+      </p:ext>
+    </p:extLst>
+  </p:cSld>
+  <p:clrMapOvr>
+    <a:masterClrMapping/>
+  </p:clrMapOvr>
+</p:sld>
+</file>
+
+<file path=ppt/slides/slide15.xml><?xml version="1.0" encoding="utf-8"?>
+<p:sld xmlns:a="http://schemas.openxmlformats.org/drawingml/2006/main" xmlns:r="http://schemas.openxmlformats.org/officeDocument/2006/relationships" xmlns:p="http://schemas.openxmlformats.org/presentationml/2006/main">
+  <p:cSld>
+    <p:spTree>
+      <p:nvGrpSpPr>
+        <p:cNvPr id="1" name=""/>
+        <p:cNvGrpSpPr/>
+        <p:nvPr/>
+      </p:nvGrpSpPr>
+      <p:grpSpPr>
+        <a:xfrm>
+          <a:off x="0" y="0"/>
+          <a:ext cx="0" cy="0"/>
+          <a:chOff x="0" y="0"/>
+          <a:chExt cx="0" cy="0"/>
+        </a:xfrm>
+      </p:grpSpPr>
+      <p:sp>
+        <p:nvSpPr>
+          <p:cNvPr id="2" name="Заголовок 1">
+            <a:extLst>
+              <a:ext uri="{FF2B5EF4-FFF2-40B4-BE49-F238E27FC236}">
+                <a16:creationId xmlns:a16="http://schemas.microsoft.com/office/drawing/2014/main" id="{B22F2EAC-507F-84EE-7B08-EDD258EBC1D5}"/>
+              </a:ext>
+            </a:extLst>
+          </p:cNvPr>
+          <p:cNvSpPr>
+            <a:spLocks noGrp="1"/>
+          </p:cNvSpPr>
+          <p:nvPr>
+            <p:ph type="title"/>
+          </p:nvPr>
+        </p:nvSpPr>
+        <p:spPr/>
+        <p:txBody>
+          <a:bodyPr/>
+          <a:lstStyle/>
+          <a:p>
+            <a:r>
+              <a:rPr lang="ru-RU" dirty="0"/>
+              <a:t>Спасибо за внимание</a:t>
+            </a:r>
+          </a:p>
+        </p:txBody>
+      </p:sp>
+      <p:sp>
+        <p:nvSpPr>
+          <p:cNvPr id="3" name="Объект 2">
+            <a:extLst>
+              <a:ext uri="{FF2B5EF4-FFF2-40B4-BE49-F238E27FC236}">
+                <a16:creationId xmlns:a16="http://schemas.microsoft.com/office/drawing/2014/main" id="{EDD49BF3-238F-A4E1-B4CC-C05452A8063B}"/>
+              </a:ext>
+            </a:extLst>
+          </p:cNvPr>
+          <p:cNvSpPr>
+            <a:spLocks noGrp="1"/>
+          </p:cNvSpPr>
+          <p:nvPr>
+            <p:ph idx="1"/>
+          </p:nvPr>
+        </p:nvSpPr>
+        <p:spPr/>
+        <p:txBody>
+          <a:bodyPr/>
+          <a:lstStyle/>
+          <a:p>
+            <a:endParaRPr lang="ru-RU"/>
+          </a:p>
+        </p:txBody>
+      </p:sp>
+    </p:spTree>
+    <p:extLst>
+      <p:ext uri="{BB962C8B-B14F-4D97-AF65-F5344CB8AC3E}">
+        <p14:creationId xmlns:p14="http://schemas.microsoft.com/office/powerpoint/2010/main" val="2695260135"/>
+      </p:ext>
+    </p:extLst>
+  </p:cSld>
+  <p:clrMapOvr>
+    <a:masterClrMapping/>
+  </p:clrMapOvr>
+</p:sld>
+</file>
+
 <file path=ppt/slides/slide2.xml><?xml version="1.0" encoding="utf-8"?>
 <p:sld xmlns:a="http://schemas.openxmlformats.org/drawingml/2006/main" xmlns:r="http://schemas.openxmlformats.org/officeDocument/2006/relationships" xmlns:p="http://schemas.openxmlformats.org/presentationml/2006/main">
   <p:cSld>
@@ -3461,7 +4091,7 @@
           <p:cNvPr id="2" name="Заголовок 1">
             <a:extLst>
               <a:ext uri="{FF2B5EF4-FFF2-40B4-BE49-F238E27FC236}">
-                <a16:creationId xmlns:a16="http://schemas.microsoft.com/office/drawing/2014/main" id="{3CED2E00-D5FD-C257-0175-41260F54FCFF}"/>
+                <a16:creationId xmlns:a16="http://schemas.microsoft.com/office/drawing/2014/main" id="{1D31D0D2-E06E-C28F-5933-AEC8D0E5D080}"/>
               </a:ext>
             </a:extLst>
           </p:cNvPr>
@@ -3478,10 +4108,9 @@
           <a:lstStyle/>
           <a:p>
             <a:r>
-              <a:rPr lang="en-US" dirty="0"/>
-              <a:t>Galileo</a:t>
-            </a:r>
-            <a:endParaRPr lang="ru-RU" dirty="0"/>
+              <a:rPr lang="ru-RU" dirty="0"/>
+              <a:t>Актуальность</a:t>
+            </a:r>
           </a:p>
         </p:txBody>
       </p:sp>
@@ -3490,7 +4119,7 @@
           <p:cNvPr id="3" name="Объект 2">
             <a:extLst>
               <a:ext uri="{FF2B5EF4-FFF2-40B4-BE49-F238E27FC236}">
-                <a16:creationId xmlns:a16="http://schemas.microsoft.com/office/drawing/2014/main" id="{4AF93D9E-03A0-5EAD-298E-EE0EEC8BA1F3}"/>
+                <a16:creationId xmlns:a16="http://schemas.microsoft.com/office/drawing/2014/main" id="{7A63F2A0-01DE-422F-510F-652DC9B1D75A}"/>
               </a:ext>
             </a:extLst>
           </p:cNvPr>
@@ -3506,27 +4135,14 @@
           <a:bodyPr/>
           <a:lstStyle/>
           <a:p>
-            <a:r>
-              <a:rPr lang="ru-RU" dirty="0"/>
-              <a:t>Есть разные системы ГНСС</a:t>
-            </a:r>
-          </a:p>
-          <a:p>
-            <a:r>
-              <a:rPr lang="en-US" dirty="0"/>
-              <a:t>Galileo – </a:t>
-            </a:r>
-            <a:r>
-              <a:rPr lang="ru-RU" dirty="0"/>
-              <a:t>новая европейская ГНСС</a:t>
-            </a:r>
+            <a:endParaRPr lang="ru-RU"/>
           </a:p>
         </p:txBody>
       </p:sp>
     </p:spTree>
     <p:extLst>
       <p:ext uri="{BB962C8B-B14F-4D97-AF65-F5344CB8AC3E}">
-        <p14:creationId xmlns:p14="http://schemas.microsoft.com/office/powerpoint/2010/main" val="1172295032"/>
+        <p14:creationId xmlns:p14="http://schemas.microsoft.com/office/powerpoint/2010/main" val="4042108325"/>
       </p:ext>
     </p:extLst>
   </p:cSld>
@@ -3558,7 +4174,7 @@
           <p:cNvPr id="2" name="Заголовок 1">
             <a:extLst>
               <a:ext uri="{FF2B5EF4-FFF2-40B4-BE49-F238E27FC236}">
-                <a16:creationId xmlns:a16="http://schemas.microsoft.com/office/drawing/2014/main" id="{9D8FCC93-F9C6-071E-42E2-FF8357872D8A}"/>
+                <a16:creationId xmlns:a16="http://schemas.microsoft.com/office/drawing/2014/main" id="{49E7EB47-3F06-7A5E-0B73-9A8CEC8D88A0}"/>
               </a:ext>
             </a:extLst>
           </p:cNvPr>
@@ -3576,7 +4192,7 @@
           <a:p>
             <a:r>
               <a:rPr lang="ru-RU" dirty="0"/>
-              <a:t>Ионосфера</a:t>
+              <a:t>Цель</a:t>
             </a:r>
           </a:p>
         </p:txBody>
@@ -3586,7 +4202,7 @@
           <p:cNvPr id="3" name="Объект 2">
             <a:extLst>
               <a:ext uri="{FF2B5EF4-FFF2-40B4-BE49-F238E27FC236}">
-                <a16:creationId xmlns:a16="http://schemas.microsoft.com/office/drawing/2014/main" id="{EA5DA5A0-E611-2CB3-334B-AEA8A3DA6D73}"/>
+                <a16:creationId xmlns:a16="http://schemas.microsoft.com/office/drawing/2014/main" id="{E4379BAC-0C57-956D-1016-E6628C2EE48B}"/>
               </a:ext>
             </a:extLst>
           </p:cNvPr>
@@ -3602,46 +4218,14 @@
           <a:bodyPr/>
           <a:lstStyle/>
           <a:p>
-            <a:r>
-              <a:rPr lang="ru-RU" dirty="0"/>
-              <a:t>Что такое</a:t>
-            </a:r>
-          </a:p>
-          <a:p>
-            <a:r>
-              <a:rPr lang="ru-RU" dirty="0"/>
-              <a:t>Где находится</a:t>
-            </a:r>
-          </a:p>
-          <a:p>
-            <a:r>
-              <a:rPr lang="ru-RU" dirty="0"/>
-              <a:t>Ионные </a:t>
-            </a:r>
-            <a:r>
-              <a:rPr lang="ru-RU" dirty="0" err="1"/>
-              <a:t>газы</a:t>
-            </a:r>
-            <a:endParaRPr lang="ru-RU" dirty="0"/>
-          </a:p>
-          <a:p>
-            <a:r>
-              <a:rPr lang="ru-RU" dirty="0"/>
-              <a:t>Солнечная активность</a:t>
-            </a:r>
-          </a:p>
-          <a:p>
-            <a:pPr marL="0" indent="0">
-              <a:buNone/>
-            </a:pPr>
-            <a:endParaRPr lang="ru-RU" dirty="0"/>
+            <a:endParaRPr lang="ru-RU"/>
           </a:p>
         </p:txBody>
       </p:sp>
     </p:spTree>
     <p:extLst>
       <p:ext uri="{BB962C8B-B14F-4D97-AF65-F5344CB8AC3E}">
-        <p14:creationId xmlns:p14="http://schemas.microsoft.com/office/powerpoint/2010/main" val="1194330264"/>
+        <p14:creationId xmlns:p14="http://schemas.microsoft.com/office/powerpoint/2010/main" val="1064601681"/>
       </p:ext>
     </p:extLst>
   </p:cSld>
@@ -3673,7 +4257,7 @@
           <p:cNvPr id="2" name="Заголовок 1">
             <a:extLst>
               <a:ext uri="{FF2B5EF4-FFF2-40B4-BE49-F238E27FC236}">
-                <a16:creationId xmlns:a16="http://schemas.microsoft.com/office/drawing/2014/main" id="{112DC8A5-97BD-23BE-6D49-D877EBFE9AD9}"/>
+                <a16:creationId xmlns:a16="http://schemas.microsoft.com/office/drawing/2014/main" id="{3CED2E00-D5FD-C257-0175-41260F54FCFF}"/>
               </a:ext>
             </a:extLst>
           </p:cNvPr>
@@ -3690,53 +4274,55 @@
           <a:lstStyle/>
           <a:p>
             <a:r>
+              <a:rPr lang="en-US" dirty="0"/>
+              <a:t>Galileo</a:t>
+            </a:r>
+            <a:endParaRPr lang="ru-RU" dirty="0"/>
+          </a:p>
+        </p:txBody>
+      </p:sp>
+      <p:sp>
+        <p:nvSpPr>
+          <p:cNvPr id="3" name="Объект 2">
+            <a:extLst>
+              <a:ext uri="{FF2B5EF4-FFF2-40B4-BE49-F238E27FC236}">
+                <a16:creationId xmlns:a16="http://schemas.microsoft.com/office/drawing/2014/main" id="{4AF93D9E-03A0-5EAD-298E-EE0EEC8BA1F3}"/>
+              </a:ext>
+            </a:extLst>
+          </p:cNvPr>
+          <p:cNvSpPr>
+            <a:spLocks noGrp="1"/>
+          </p:cNvSpPr>
+          <p:nvPr>
+            <p:ph idx="1"/>
+          </p:nvPr>
+        </p:nvSpPr>
+        <p:spPr/>
+        <p:txBody>
+          <a:bodyPr/>
+          <a:lstStyle/>
+          <a:p>
+            <a:r>
               <a:rPr lang="ru-RU" dirty="0"/>
-              <a:t>Проблема ионосферной задержки</a:t>
-            </a:r>
-          </a:p>
-        </p:txBody>
-      </p:sp>
-      <p:sp>
-        <p:nvSpPr>
-          <p:cNvPr id="3" name="Объект 2">
-            <a:extLst>
-              <a:ext uri="{FF2B5EF4-FFF2-40B4-BE49-F238E27FC236}">
-                <a16:creationId xmlns:a16="http://schemas.microsoft.com/office/drawing/2014/main" id="{0E81E7C9-F91A-2BC1-017A-3E7CACCE47DA}"/>
-              </a:ext>
-            </a:extLst>
-          </p:cNvPr>
-          <p:cNvSpPr>
-            <a:spLocks noGrp="1"/>
-          </p:cNvSpPr>
-          <p:nvPr>
-            <p:ph idx="1"/>
-          </p:nvPr>
-        </p:nvSpPr>
-        <p:spPr/>
-        <p:txBody>
-          <a:bodyPr/>
-          <a:lstStyle/>
-          <a:p>
+              <a:t>Есть разные системы ГНСС</a:t>
+            </a:r>
+          </a:p>
+          <a:p>
+            <a:r>
+              <a:rPr lang="en-US" dirty="0"/>
+              <a:t>Galileo – </a:t>
+            </a:r>
             <a:r>
               <a:rPr lang="ru-RU" dirty="0"/>
-              <a:t>Рекомбинация и электроны в ионосфере</a:t>
-            </a:r>
-          </a:p>
-          <a:p>
-            <a:r>
-              <a:rPr lang="ru-RU" dirty="0"/>
-              <a:t>Влияние на сигнал</a:t>
-            </a:r>
-          </a:p>
-          <a:p>
-            <a:endParaRPr lang="ru-RU" dirty="0"/>
+              <a:t>новая европейская ГНСС</a:t>
+            </a:r>
           </a:p>
         </p:txBody>
       </p:sp>
     </p:spTree>
     <p:extLst>
       <p:ext uri="{BB962C8B-B14F-4D97-AF65-F5344CB8AC3E}">
-        <p14:creationId xmlns:p14="http://schemas.microsoft.com/office/powerpoint/2010/main" val="709186554"/>
+        <p14:creationId xmlns:p14="http://schemas.microsoft.com/office/powerpoint/2010/main" val="1172295032"/>
       </p:ext>
     </p:extLst>
   </p:cSld>
@@ -3768,7 +4354,7 @@
           <p:cNvPr id="2" name="Заголовок 1">
             <a:extLst>
               <a:ext uri="{FF2B5EF4-FFF2-40B4-BE49-F238E27FC236}">
-                <a16:creationId xmlns:a16="http://schemas.microsoft.com/office/drawing/2014/main" id="{D1D54833-88C0-ED91-B02F-B643B14711B9}"/>
+                <a16:creationId xmlns:a16="http://schemas.microsoft.com/office/drawing/2014/main" id="{9D8FCC93-F9C6-071E-42E2-FF8357872D8A}"/>
               </a:ext>
             </a:extLst>
           </p:cNvPr>
@@ -3785,10 +4371,9 @@
           <a:lstStyle/>
           <a:p>
             <a:r>
-              <a:rPr lang="en-US" dirty="0" err="1"/>
-              <a:t>NeQuick</a:t>
-            </a:r>
-            <a:endParaRPr lang="ru-RU" dirty="0"/>
+              <a:rPr lang="ru-RU" dirty="0"/>
+              <a:t>Ионосфера</a:t>
+            </a:r>
           </a:p>
         </p:txBody>
       </p:sp>
@@ -3797,7 +4382,7 @@
           <p:cNvPr id="3" name="Объект 2">
             <a:extLst>
               <a:ext uri="{FF2B5EF4-FFF2-40B4-BE49-F238E27FC236}">
-                <a16:creationId xmlns:a16="http://schemas.microsoft.com/office/drawing/2014/main" id="{CF0F8239-1FA8-CA85-27E1-FB68BB683D22}"/>
+                <a16:creationId xmlns:a16="http://schemas.microsoft.com/office/drawing/2014/main" id="{EA5DA5A0-E611-2CB3-334B-AEA8A3DA6D73}"/>
               </a:ext>
             </a:extLst>
           </p:cNvPr>
@@ -3821,24 +4406,74 @@
           <a:p>
             <a:r>
               <a:rPr lang="ru-RU" dirty="0"/>
-              <a:t>Зачем нужен</a:t>
+              <a:t>Где находится</a:t>
             </a:r>
           </a:p>
           <a:p>
             <a:r>
               <a:rPr lang="ru-RU" dirty="0"/>
-              <a:t>Где может быть использован</a:t>
-            </a:r>
-          </a:p>
-          <a:p>
+              <a:t>Ионные </a:t>
+            </a:r>
+            <a:r>
+              <a:rPr lang="ru-RU" dirty="0" err="1"/>
+              <a:t>газы</a:t>
+            </a:r>
             <a:endParaRPr lang="ru-RU" dirty="0"/>
           </a:p>
-        </p:txBody>
-      </p:sp>
+          <a:p>
+            <a:r>
+              <a:rPr lang="ru-RU" dirty="0"/>
+              <a:t>Солнечная активность</a:t>
+            </a:r>
+          </a:p>
+          <a:p>
+            <a:pPr marL="0" indent="0">
+              <a:buNone/>
+            </a:pPr>
+            <a:endParaRPr lang="ru-RU" dirty="0"/>
+          </a:p>
+        </p:txBody>
+      </p:sp>
+      <p:pic>
+        <p:nvPicPr>
+          <p:cNvPr id="5" name="Рисунок 4">
+            <a:extLst>
+              <a:ext uri="{FF2B5EF4-FFF2-40B4-BE49-F238E27FC236}">
+                <a16:creationId xmlns:a16="http://schemas.microsoft.com/office/drawing/2014/main" id="{9EFFEC55-7DAA-9061-5256-5AED5359405B}"/>
+              </a:ext>
+            </a:extLst>
+          </p:cNvPr>
+          <p:cNvPicPr>
+            <a:picLocks noChangeAspect="1"/>
+          </p:cNvPicPr>
+          <p:nvPr/>
+        </p:nvPicPr>
+        <p:blipFill>
+          <a:blip r:embed="rId2">
+            <a:extLst>
+              <a:ext uri="{28A0092B-C50C-407E-A947-70E740481C1C}">
+                <a14:useLocalDpi xmlns:a14="http://schemas.microsoft.com/office/drawing/2010/main" val="0"/>
+              </a:ext>
+            </a:extLst>
+          </a:blip>
+          <a:stretch>
+            <a:fillRect/>
+          </a:stretch>
+        </p:blipFill>
+        <p:spPr>
+          <a:xfrm>
+            <a:off x="209556" y="4172332"/>
+            <a:ext cx="11772888" cy="2320543"/>
+          </a:xfrm>
+          <a:prstGeom prst="rect">
+            <a:avLst/>
+          </a:prstGeom>
+        </p:spPr>
+      </p:pic>
     </p:spTree>
     <p:extLst>
       <p:ext uri="{BB962C8B-B14F-4D97-AF65-F5344CB8AC3E}">
-        <p14:creationId xmlns:p14="http://schemas.microsoft.com/office/powerpoint/2010/main" val="1651913881"/>
+        <p14:creationId xmlns:p14="http://schemas.microsoft.com/office/powerpoint/2010/main" val="1194330264"/>
       </p:ext>
     </p:extLst>
   </p:cSld>
@@ -3870,7 +4505,7 @@
           <p:cNvPr id="2" name="Заголовок 1">
             <a:extLst>
               <a:ext uri="{FF2B5EF4-FFF2-40B4-BE49-F238E27FC236}">
-                <a16:creationId xmlns:a16="http://schemas.microsoft.com/office/drawing/2014/main" id="{5648EE8D-DD65-250F-5633-D6DA654FA463}"/>
+                <a16:creationId xmlns:a16="http://schemas.microsoft.com/office/drawing/2014/main" id="{112DC8A5-97BD-23BE-6D49-D877EBFE9AD9}"/>
               </a:ext>
             </a:extLst>
           </p:cNvPr>
@@ -3888,7 +4523,7 @@
           <a:p>
             <a:r>
               <a:rPr lang="ru-RU" dirty="0"/>
-              <a:t>Установка</a:t>
+              <a:t>Проблема ионосферной задержки</a:t>
             </a:r>
           </a:p>
         </p:txBody>
@@ -3898,7 +4533,7 @@
           <p:cNvPr id="3" name="Объект 2">
             <a:extLst>
               <a:ext uri="{FF2B5EF4-FFF2-40B4-BE49-F238E27FC236}">
-                <a16:creationId xmlns:a16="http://schemas.microsoft.com/office/drawing/2014/main" id="{1790EB9C-AE87-B437-45B9-40AD6DF25F84}"/>
+                <a16:creationId xmlns:a16="http://schemas.microsoft.com/office/drawing/2014/main" id="{0E81E7C9-F91A-2BC1-017A-3E7CACCE47DA}"/>
               </a:ext>
             </a:extLst>
           </p:cNvPr>
@@ -3916,27 +4551,84 @@
           <a:p>
             <a:r>
               <a:rPr lang="ru-RU" dirty="0"/>
-              <a:t>Где скачать</a:t>
+              <a:t>Рекомбинация и электроны в ионосфере</a:t>
             </a:r>
           </a:p>
           <a:p>
             <a:r>
               <a:rPr lang="ru-RU" dirty="0"/>
-              <a:t>Что нужно</a:t>
-            </a:r>
-          </a:p>
-          <a:p>
-            <a:r>
-              <a:rPr lang="ru-RU" dirty="0"/>
-              <a:t>Как собрать и запустить</a:t>
-            </a:r>
-          </a:p>
-        </p:txBody>
-      </p:sp>
+              <a:t>Влияние на сигнал</a:t>
+            </a:r>
+          </a:p>
+          <a:p>
+            <a:endParaRPr lang="ru-RU" dirty="0"/>
+          </a:p>
+        </p:txBody>
+      </p:sp>
+      <p:pic>
+        <p:nvPicPr>
+          <p:cNvPr id="5" name="Рисунок 4">
+            <a:extLst>
+              <a:ext uri="{FF2B5EF4-FFF2-40B4-BE49-F238E27FC236}">
+                <a16:creationId xmlns:a16="http://schemas.microsoft.com/office/drawing/2014/main" id="{093521F4-03AA-7E12-4D46-766DB5A07928}"/>
+              </a:ext>
+            </a:extLst>
+          </p:cNvPr>
+          <p:cNvPicPr>
+            <a:picLocks noChangeAspect="1"/>
+          </p:cNvPicPr>
+          <p:nvPr/>
+        </p:nvPicPr>
+        <p:blipFill>
+          <a:blip r:embed="rId2"/>
+          <a:stretch>
+            <a:fillRect/>
+          </a:stretch>
+        </p:blipFill>
+        <p:spPr>
+          <a:xfrm>
+            <a:off x="838200" y="3362408"/>
+            <a:ext cx="3046200" cy="1319372"/>
+          </a:xfrm>
+          <a:prstGeom prst="rect">
+            <a:avLst/>
+          </a:prstGeom>
+        </p:spPr>
+      </p:pic>
+      <p:pic>
+        <p:nvPicPr>
+          <p:cNvPr id="7" name="Рисунок 6">
+            <a:extLst>
+              <a:ext uri="{FF2B5EF4-FFF2-40B4-BE49-F238E27FC236}">
+                <a16:creationId xmlns:a16="http://schemas.microsoft.com/office/drawing/2014/main" id="{391B4A6F-7973-C15E-5AFF-60A2EAB6A525}"/>
+              </a:ext>
+            </a:extLst>
+          </p:cNvPr>
+          <p:cNvPicPr>
+            <a:picLocks noChangeAspect="1"/>
+          </p:cNvPicPr>
+          <p:nvPr/>
+        </p:nvPicPr>
+        <p:blipFill>
+          <a:blip r:embed="rId3"/>
+          <a:stretch>
+            <a:fillRect/>
+          </a:stretch>
+        </p:blipFill>
+        <p:spPr>
+          <a:xfrm>
+            <a:off x="4918543" y="3107567"/>
+            <a:ext cx="6249272" cy="1829055"/>
+          </a:xfrm>
+          <a:prstGeom prst="rect">
+            <a:avLst/>
+          </a:prstGeom>
+        </p:spPr>
+      </p:pic>
     </p:spTree>
     <p:extLst>
       <p:ext uri="{BB962C8B-B14F-4D97-AF65-F5344CB8AC3E}">
-        <p14:creationId xmlns:p14="http://schemas.microsoft.com/office/powerpoint/2010/main" val="4023836096"/>
+        <p14:creationId xmlns:p14="http://schemas.microsoft.com/office/powerpoint/2010/main" val="709186554"/>
       </p:ext>
     </p:extLst>
   </p:cSld>
@@ -3968,7 +4660,7 @@
           <p:cNvPr id="2" name="Заголовок 1">
             <a:extLst>
               <a:ext uri="{FF2B5EF4-FFF2-40B4-BE49-F238E27FC236}">
-                <a16:creationId xmlns:a16="http://schemas.microsoft.com/office/drawing/2014/main" id="{6C147EBB-2A9B-9C5C-4C91-7B5F13CC1A64}"/>
+                <a16:creationId xmlns:a16="http://schemas.microsoft.com/office/drawing/2014/main" id="{D1D54833-88C0-ED91-B02F-B643B14711B9}"/>
               </a:ext>
             </a:extLst>
           </p:cNvPr>
@@ -3985,68 +4677,90 @@
           <a:lstStyle/>
           <a:p>
             <a:r>
+              <a:rPr lang="en-US" dirty="0" err="1"/>
+              <a:t>NeQuick</a:t>
+            </a:r>
+            <a:endParaRPr lang="ru-RU" dirty="0"/>
+          </a:p>
+        </p:txBody>
+      </p:sp>
+      <p:sp>
+        <p:nvSpPr>
+          <p:cNvPr id="3" name="Объект 2">
+            <a:extLst>
+              <a:ext uri="{FF2B5EF4-FFF2-40B4-BE49-F238E27FC236}">
+                <a16:creationId xmlns:a16="http://schemas.microsoft.com/office/drawing/2014/main" id="{CF0F8239-1FA8-CA85-27E1-FB68BB683D22}"/>
+              </a:ext>
+            </a:extLst>
+          </p:cNvPr>
+          <p:cNvSpPr>
+            <a:spLocks noGrp="1"/>
+          </p:cNvSpPr>
+          <p:nvPr>
+            <p:ph idx="1"/>
+          </p:nvPr>
+        </p:nvSpPr>
+        <p:spPr/>
+        <p:txBody>
+          <a:bodyPr/>
+          <a:lstStyle/>
+          <a:p>
+            <a:r>
               <a:rPr lang="ru-RU" dirty="0"/>
-              <a:t>Использование</a:t>
-            </a:r>
-          </a:p>
-        </p:txBody>
-      </p:sp>
-      <p:sp>
-        <p:nvSpPr>
-          <p:cNvPr id="3" name="Объект 2">
-            <a:extLst>
-              <a:ext uri="{FF2B5EF4-FFF2-40B4-BE49-F238E27FC236}">
-                <a16:creationId xmlns:a16="http://schemas.microsoft.com/office/drawing/2014/main" id="{F3ED66E7-592D-2FB6-E36A-7492621AE0BA}"/>
-              </a:ext>
-            </a:extLst>
-          </p:cNvPr>
-          <p:cNvSpPr>
-            <a:spLocks noGrp="1"/>
-          </p:cNvSpPr>
-          <p:nvPr>
-            <p:ph idx="1"/>
-          </p:nvPr>
-        </p:nvSpPr>
-        <p:spPr/>
-        <p:txBody>
-          <a:bodyPr/>
-          <a:lstStyle/>
+              <a:t>Что такое</a:t>
+            </a:r>
+          </a:p>
           <a:p>
             <a:r>
               <a:rPr lang="ru-RU" dirty="0"/>
-              <a:t>Какие данные нужны</a:t>
+              <a:t>Зачем нужен</a:t>
             </a:r>
           </a:p>
           <a:p>
             <a:r>
               <a:rPr lang="ru-RU" dirty="0"/>
-              <a:t>Откуда их достать</a:t>
-            </a:r>
-          </a:p>
-          <a:p>
-            <a:r>
-              <a:rPr lang="ru-RU" dirty="0"/>
-              <a:t>Что нужно для входных данных</a:t>
-            </a:r>
-          </a:p>
-          <a:p>
-            <a:r>
-              <a:rPr lang="ru-RU" dirty="0"/>
-              <a:t>Что нужно для подготовки входных данных</a:t>
-            </a:r>
-          </a:p>
-          <a:p>
-            <a:r>
-              <a:rPr lang="ru-RU" dirty="0"/>
-              <a:t>Что получается на выходе</a:t>
-            </a:r>
-          </a:p>
-        </p:txBody>
-      </p:sp>
+              <a:t>Где может быть использован</a:t>
+            </a:r>
+          </a:p>
+          <a:p>
+            <a:endParaRPr lang="ru-RU" dirty="0"/>
+          </a:p>
+        </p:txBody>
+      </p:sp>
+      <p:pic>
+        <p:nvPicPr>
+          <p:cNvPr id="5" name="Рисунок 4">
+            <a:extLst>
+              <a:ext uri="{FF2B5EF4-FFF2-40B4-BE49-F238E27FC236}">
+                <a16:creationId xmlns:a16="http://schemas.microsoft.com/office/drawing/2014/main" id="{AFAF70B3-43A7-A052-6E20-44B22D90DFEA}"/>
+              </a:ext>
+            </a:extLst>
+          </p:cNvPr>
+          <p:cNvPicPr>
+            <a:picLocks noChangeAspect="1"/>
+          </p:cNvPicPr>
+          <p:nvPr/>
+        </p:nvPicPr>
+        <p:blipFill>
+          <a:blip r:embed="rId2"/>
+          <a:stretch>
+            <a:fillRect/>
+          </a:stretch>
+        </p:blipFill>
+        <p:spPr>
+          <a:xfrm>
+            <a:off x="5917871" y="1275488"/>
+            <a:ext cx="4538848" cy="4307024"/>
+          </a:xfrm>
+          <a:prstGeom prst="rect">
+            <a:avLst/>
+          </a:prstGeom>
+        </p:spPr>
+      </p:pic>
     </p:spTree>
     <p:extLst>
       <p:ext uri="{BB962C8B-B14F-4D97-AF65-F5344CB8AC3E}">
-        <p14:creationId xmlns:p14="http://schemas.microsoft.com/office/powerpoint/2010/main" val="3606665906"/>
+        <p14:creationId xmlns:p14="http://schemas.microsoft.com/office/powerpoint/2010/main" val="1651913881"/>
       </p:ext>
     </p:extLst>
   </p:cSld>
@@ -4078,7 +4792,7 @@
           <p:cNvPr id="2" name="Заголовок 1">
             <a:extLst>
               <a:ext uri="{FF2B5EF4-FFF2-40B4-BE49-F238E27FC236}">
-                <a16:creationId xmlns:a16="http://schemas.microsoft.com/office/drawing/2014/main" id="{26FD2397-334B-3912-A838-243FC2C763E8}"/>
+                <a16:creationId xmlns:a16="http://schemas.microsoft.com/office/drawing/2014/main" id="{5648EE8D-DD65-250F-5633-D6DA654FA463}"/>
               </a:ext>
             </a:extLst>
           </p:cNvPr>
@@ -4096,7 +4810,7 @@
           <a:p>
             <a:r>
               <a:rPr lang="ru-RU" dirty="0"/>
-              <a:t>Анализ результатов</a:t>
+              <a:t>Установка</a:t>
             </a:r>
           </a:p>
         </p:txBody>
@@ -4106,7 +4820,7 @@
           <p:cNvPr id="3" name="Объект 2">
             <a:extLst>
               <a:ext uri="{FF2B5EF4-FFF2-40B4-BE49-F238E27FC236}">
-                <a16:creationId xmlns:a16="http://schemas.microsoft.com/office/drawing/2014/main" id="{A20DBE46-F85D-0C75-4404-ECD4B8335D53}"/>
+                <a16:creationId xmlns:a16="http://schemas.microsoft.com/office/drawing/2014/main" id="{1790EB9C-AE87-B437-45B9-40AD6DF25F84}"/>
               </a:ext>
             </a:extLst>
           </p:cNvPr>
@@ -4124,46 +4838,57 @@
           <a:p>
             <a:r>
               <a:rPr lang="ru-RU" dirty="0"/>
-              <a:t>Обработка выходных данных (графики и </a:t>
-            </a:r>
-            <a:r>
-              <a:rPr lang="ru-RU" dirty="0" err="1"/>
-              <a:t>тп</a:t>
-            </a:r>
+              <a:t>Где скачать</a:t>
+            </a:r>
+          </a:p>
+          <a:p>
             <a:r>
               <a:rPr lang="ru-RU" dirty="0"/>
-              <a:t>)</a:t>
+              <a:t>Что нужно</a:t>
             </a:r>
           </a:p>
           <a:p>
             <a:r>
               <a:rPr lang="ru-RU" dirty="0"/>
-              <a:t>Подсчет задержки без </a:t>
-            </a:r>
-            <a:r>
-              <a:rPr lang="en-US" dirty="0" err="1"/>
-              <a:t>NeQuick</a:t>
-            </a:r>
-            <a:endParaRPr lang="ru-RU" dirty="0"/>
-          </a:p>
-          <a:p>
-            <a:r>
-              <a:rPr lang="ru-RU" dirty="0"/>
-              <a:t>Сравнение</a:t>
-            </a:r>
-          </a:p>
-          <a:p>
-            <a:r>
-              <a:rPr lang="ru-RU" dirty="0"/>
-              <a:t>Итоги</a:t>
-            </a:r>
-          </a:p>
-        </p:txBody>
-      </p:sp>
+              <a:t>Как собрать и запустить</a:t>
+            </a:r>
+          </a:p>
+        </p:txBody>
+      </p:sp>
+      <p:pic>
+        <p:nvPicPr>
+          <p:cNvPr id="5" name="Рисунок 4">
+            <a:extLst>
+              <a:ext uri="{FF2B5EF4-FFF2-40B4-BE49-F238E27FC236}">
+                <a16:creationId xmlns:a16="http://schemas.microsoft.com/office/drawing/2014/main" id="{4E419DA9-541E-30A9-9ED9-13662EF08FF3}"/>
+              </a:ext>
+            </a:extLst>
+          </p:cNvPr>
+          <p:cNvPicPr>
+            <a:picLocks noChangeAspect="1"/>
+          </p:cNvPicPr>
+          <p:nvPr/>
+        </p:nvPicPr>
+        <p:blipFill>
+          <a:blip r:embed="rId2"/>
+          <a:stretch>
+            <a:fillRect/>
+          </a:stretch>
+        </p:blipFill>
+        <p:spPr>
+          <a:xfrm>
+            <a:off x="2513515" y="1538738"/>
+            <a:ext cx="9326277" cy="4925112"/>
+          </a:xfrm>
+          <a:prstGeom prst="rect">
+            <a:avLst/>
+          </a:prstGeom>
+        </p:spPr>
+      </p:pic>
     </p:spTree>
     <p:extLst>
       <p:ext uri="{BB962C8B-B14F-4D97-AF65-F5344CB8AC3E}">
-        <p14:creationId xmlns:p14="http://schemas.microsoft.com/office/powerpoint/2010/main" val="1832665835"/>
+        <p14:creationId xmlns:p14="http://schemas.microsoft.com/office/powerpoint/2010/main" val="4023836096"/>
       </p:ext>
     </p:extLst>
   </p:cSld>
@@ -4195,7 +4920,7 @@
           <p:cNvPr id="2" name="Заголовок 1">
             <a:extLst>
               <a:ext uri="{FF2B5EF4-FFF2-40B4-BE49-F238E27FC236}">
-                <a16:creationId xmlns:a16="http://schemas.microsoft.com/office/drawing/2014/main" id="{B22F2EAC-507F-84EE-7B08-EDD258EBC1D5}"/>
+                <a16:creationId xmlns:a16="http://schemas.microsoft.com/office/drawing/2014/main" id="{6C147EBB-2A9B-9C5C-4C91-7B5F13CC1A64}"/>
               </a:ext>
             </a:extLst>
           </p:cNvPr>
@@ -4213,7 +4938,7 @@
           <a:p>
             <a:r>
               <a:rPr lang="ru-RU" dirty="0"/>
-              <a:t>Спасибо за внимание</a:t>
+              <a:t>Использование</a:t>
             </a:r>
           </a:p>
         </p:txBody>
@@ -4223,7 +4948,7 @@
           <p:cNvPr id="3" name="Объект 2">
             <a:extLst>
               <a:ext uri="{FF2B5EF4-FFF2-40B4-BE49-F238E27FC236}">
-                <a16:creationId xmlns:a16="http://schemas.microsoft.com/office/drawing/2014/main" id="{EDD49BF3-238F-A4E1-B4CC-C05452A8063B}"/>
+                <a16:creationId xmlns:a16="http://schemas.microsoft.com/office/drawing/2014/main" id="{F3ED66E7-592D-2FB6-E36A-7492621AE0BA}"/>
               </a:ext>
             </a:extLst>
           </p:cNvPr>
@@ -4239,14 +4964,71 @@
           <a:bodyPr/>
           <a:lstStyle/>
           <a:p>
-            <a:endParaRPr lang="ru-RU"/>
-          </a:p>
-        </p:txBody>
-      </p:sp>
+            <a:r>
+              <a:rPr lang="ru-RU" dirty="0"/>
+              <a:t>Какие данные нужны</a:t>
+            </a:r>
+          </a:p>
+          <a:p>
+            <a:r>
+              <a:rPr lang="ru-RU" dirty="0"/>
+              <a:t>Откуда их достать</a:t>
+            </a:r>
+          </a:p>
+          <a:p>
+            <a:r>
+              <a:rPr lang="ru-RU" dirty="0"/>
+              <a:t>Что нужно для входных данных</a:t>
+            </a:r>
+          </a:p>
+          <a:p>
+            <a:r>
+              <a:rPr lang="ru-RU" dirty="0"/>
+              <a:t>Что нужно для подготовки входных данных</a:t>
+            </a:r>
+          </a:p>
+          <a:p>
+            <a:r>
+              <a:rPr lang="ru-RU" dirty="0"/>
+              <a:t>Что получается на выходе</a:t>
+            </a:r>
+          </a:p>
+        </p:txBody>
+      </p:sp>
+      <p:pic>
+        <p:nvPicPr>
+          <p:cNvPr id="6" name="Рисунок 5">
+            <a:extLst>
+              <a:ext uri="{FF2B5EF4-FFF2-40B4-BE49-F238E27FC236}">
+                <a16:creationId xmlns:a16="http://schemas.microsoft.com/office/drawing/2014/main" id="{AEE323C6-8EC2-6E4A-0C03-C35AFD1B6AF5}"/>
+              </a:ext>
+            </a:extLst>
+          </p:cNvPr>
+          <p:cNvPicPr>
+            <a:picLocks noChangeAspect="1"/>
+          </p:cNvPicPr>
+          <p:nvPr/>
+        </p:nvPicPr>
+        <p:blipFill>
+          <a:blip r:embed="rId2"/>
+          <a:stretch>
+            <a:fillRect/>
+          </a:stretch>
+        </p:blipFill>
+        <p:spPr>
+          <a:xfrm>
+            <a:off x="1687780" y="2110031"/>
+            <a:ext cx="8816439" cy="3782525"/>
+          </a:xfrm>
+          <a:prstGeom prst="rect">
+            <a:avLst/>
+          </a:prstGeom>
+        </p:spPr>
+      </p:pic>
     </p:spTree>
     <p:extLst>
       <p:ext uri="{BB962C8B-B14F-4D97-AF65-F5344CB8AC3E}">
-        <p14:creationId xmlns:p14="http://schemas.microsoft.com/office/powerpoint/2010/main" val="2695260135"/>
+        <p14:creationId xmlns:p14="http://schemas.microsoft.com/office/powerpoint/2010/main" val="3606665906"/>
       </p:ext>
     </p:extLst>
   </p:cSld>

--- a/Исследование алгоритма вычисления ионосферной поправки для системы Galileo.pptx
+++ b/Исследование алгоритма вычисления ионосферной поправки для системы Galileo.pptx
@@ -17,9 +17,10 @@
     <p:sldId id="270" r:id="rId11"/>
     <p:sldId id="269" r:id="rId12"/>
     <p:sldId id="268" r:id="rId13"/>
-    <p:sldId id="267" r:id="rId14"/>
-    <p:sldId id="263" r:id="rId15"/>
-    <p:sldId id="264" r:id="rId16"/>
+    <p:sldId id="263" r:id="rId14"/>
+    <p:sldId id="267" r:id="rId15"/>
+    <p:sldId id="271" r:id="rId16"/>
+    <p:sldId id="264" r:id="rId17"/>
   </p:sldIdLst>
   <p:sldSz cx="12192000" cy="6858000"/>
   <p:notesSz cx="6858000" cy="9144000"/>
@@ -3808,7 +3809,7 @@
           <p:cNvPr id="2" name="Заголовок 1">
             <a:extLst>
               <a:ext uri="{FF2B5EF4-FFF2-40B4-BE49-F238E27FC236}">
-                <a16:creationId xmlns:a16="http://schemas.microsoft.com/office/drawing/2014/main" id="{671026CD-5492-C48B-2FFD-4DAE39D864AA}"/>
+                <a16:creationId xmlns:a16="http://schemas.microsoft.com/office/drawing/2014/main" id="{26FD2397-334B-3912-A838-243FC2C763E8}"/>
               </a:ext>
             </a:extLst>
           </p:cNvPr>
@@ -3831,35 +3832,40 @@
           </a:p>
         </p:txBody>
       </p:sp>
-      <p:sp>
-        <p:nvSpPr>
-          <p:cNvPr id="3" name="Объект 2">
-            <a:extLst>
-              <a:ext uri="{FF2B5EF4-FFF2-40B4-BE49-F238E27FC236}">
-                <a16:creationId xmlns:a16="http://schemas.microsoft.com/office/drawing/2014/main" id="{DCF33D8C-6157-DA60-DEF3-A69B667477FC}"/>
-              </a:ext>
-            </a:extLst>
-          </p:cNvPr>
-          <p:cNvSpPr>
-            <a:spLocks noGrp="1"/>
-          </p:cNvSpPr>
-          <p:nvPr>
-            <p:ph idx="1"/>
-          </p:nvPr>
-        </p:nvSpPr>
-        <p:spPr/>
-        <p:txBody>
-          <a:bodyPr/>
-          <a:lstStyle/>
-          <a:p>
-            <a:endParaRPr lang="ru-RU"/>
-          </a:p>
-        </p:txBody>
-      </p:sp>
+      <p:pic>
+        <p:nvPicPr>
+          <p:cNvPr id="5" name="Рисунок 4">
+            <a:extLst>
+              <a:ext uri="{FF2B5EF4-FFF2-40B4-BE49-F238E27FC236}">
+                <a16:creationId xmlns:a16="http://schemas.microsoft.com/office/drawing/2014/main" id="{BB0C930D-585F-7284-F74A-D5F9A8C76C44}"/>
+              </a:ext>
+            </a:extLst>
+          </p:cNvPr>
+          <p:cNvPicPr>
+            <a:picLocks noChangeAspect="1"/>
+          </p:cNvPicPr>
+          <p:nvPr/>
+        </p:nvPicPr>
+        <p:blipFill>
+          <a:blip r:embed="rId2"/>
+          <a:stretch>
+            <a:fillRect/>
+          </a:stretch>
+        </p:blipFill>
+        <p:spPr>
+          <a:xfrm>
+            <a:off x="1525979" y="1690688"/>
+            <a:ext cx="9140042" cy="4675637"/>
+          </a:xfrm>
+          <a:prstGeom prst="rect">
+            <a:avLst/>
+          </a:prstGeom>
+        </p:spPr>
+      </p:pic>
     </p:spTree>
     <p:extLst>
       <p:ext uri="{BB962C8B-B14F-4D97-AF65-F5344CB8AC3E}">
-        <p14:creationId xmlns:p14="http://schemas.microsoft.com/office/powerpoint/2010/main" val="1641986736"/>
+        <p14:creationId xmlns:p14="http://schemas.microsoft.com/office/powerpoint/2010/main" val="1832665835"/>
       </p:ext>
     </p:extLst>
   </p:cSld>
@@ -3891,7 +3897,7 @@
           <p:cNvPr id="2" name="Заголовок 1">
             <a:extLst>
               <a:ext uri="{FF2B5EF4-FFF2-40B4-BE49-F238E27FC236}">
-                <a16:creationId xmlns:a16="http://schemas.microsoft.com/office/drawing/2014/main" id="{26FD2397-334B-3912-A838-243FC2C763E8}"/>
+                <a16:creationId xmlns:a16="http://schemas.microsoft.com/office/drawing/2014/main" id="{671026CD-5492-C48B-2FFD-4DAE39D864AA}"/>
               </a:ext>
             </a:extLst>
           </p:cNvPr>
@@ -3914,69 +3920,81 @@
           </a:p>
         </p:txBody>
       </p:sp>
-      <p:sp>
-        <p:nvSpPr>
-          <p:cNvPr id="3" name="Объект 2">
-            <a:extLst>
-              <a:ext uri="{FF2B5EF4-FFF2-40B4-BE49-F238E27FC236}">
-                <a16:creationId xmlns:a16="http://schemas.microsoft.com/office/drawing/2014/main" id="{A20DBE46-F85D-0C75-4404-ECD4B8335D53}"/>
-              </a:ext>
-            </a:extLst>
-          </p:cNvPr>
-          <p:cNvSpPr>
-            <a:spLocks noGrp="1"/>
-          </p:cNvSpPr>
+      <p:pic>
+        <p:nvPicPr>
+          <p:cNvPr id="9" name="Объект 8">
+            <a:extLst>
+              <a:ext uri="{FF2B5EF4-FFF2-40B4-BE49-F238E27FC236}">
+                <a16:creationId xmlns:a16="http://schemas.microsoft.com/office/drawing/2014/main" id="{4F10C67E-F109-4C47-8926-80B1E78C9B4A}"/>
+              </a:ext>
+            </a:extLst>
+          </p:cNvPr>
+          <p:cNvPicPr>
+            <a:picLocks noGrp="1" noChangeAspect="1"/>
+          </p:cNvPicPr>
           <p:nvPr>
             <p:ph idx="1"/>
           </p:nvPr>
-        </p:nvSpPr>
-        <p:spPr/>
-        <p:txBody>
-          <a:bodyPr/>
-          <a:lstStyle/>
-          <a:p>
-            <a:r>
-              <a:rPr lang="ru-RU" dirty="0"/>
-              <a:t>Обработка выходных данных (графики и </a:t>
-            </a:r>
-            <a:r>
-              <a:rPr lang="ru-RU" dirty="0" err="1"/>
-              <a:t>тп</a:t>
-            </a:r>
-            <a:r>
-              <a:rPr lang="ru-RU" dirty="0"/>
-              <a:t>)</a:t>
-            </a:r>
-          </a:p>
-          <a:p>
-            <a:r>
-              <a:rPr lang="ru-RU" dirty="0"/>
-              <a:t>Подсчет задержки без </a:t>
-            </a:r>
-            <a:r>
-              <a:rPr lang="en-US" dirty="0" err="1"/>
-              <a:t>NeQuick</a:t>
-            </a:r>
-            <a:endParaRPr lang="ru-RU" dirty="0"/>
-          </a:p>
-          <a:p>
-            <a:r>
-              <a:rPr lang="ru-RU" dirty="0"/>
-              <a:t>Сравнение</a:t>
-            </a:r>
-          </a:p>
-          <a:p>
-            <a:r>
-              <a:rPr lang="ru-RU" dirty="0"/>
-              <a:t>Итоги</a:t>
-            </a:r>
-          </a:p>
-        </p:txBody>
-      </p:sp>
+        </p:nvPicPr>
+        <p:blipFill>
+          <a:blip r:embed="rId2">
+            <a:extLst>
+              <a:ext uri="{28A0092B-C50C-407E-A947-70E740481C1C}">
+                <a14:useLocalDpi xmlns:a14="http://schemas.microsoft.com/office/drawing/2010/main" val="0"/>
+              </a:ext>
+            </a:extLst>
+          </a:blip>
+          <a:stretch>
+            <a:fillRect/>
+          </a:stretch>
+        </p:blipFill>
+        <p:spPr>
+          <a:xfrm>
+            <a:off x="700572" y="1592421"/>
+            <a:ext cx="5395428" cy="3673158"/>
+          </a:xfrm>
+        </p:spPr>
+      </p:pic>
+      <p:pic>
+        <p:nvPicPr>
+          <p:cNvPr id="13" name="Рисунок 12">
+            <a:extLst>
+              <a:ext uri="{FF2B5EF4-FFF2-40B4-BE49-F238E27FC236}">
+                <a16:creationId xmlns:a16="http://schemas.microsoft.com/office/drawing/2014/main" id="{9B7A1E1E-B2AA-F0F8-C6D4-CABFD2720D57}"/>
+              </a:ext>
+            </a:extLst>
+          </p:cNvPr>
+          <p:cNvPicPr>
+            <a:picLocks noChangeAspect="1"/>
+          </p:cNvPicPr>
+          <p:nvPr/>
+        </p:nvPicPr>
+        <p:blipFill>
+          <a:blip r:embed="rId3">
+            <a:extLst>
+              <a:ext uri="{28A0092B-C50C-407E-A947-70E740481C1C}">
+                <a14:useLocalDpi xmlns:a14="http://schemas.microsoft.com/office/drawing/2010/main" val="0"/>
+              </a:ext>
+            </a:extLst>
+          </a:blip>
+          <a:stretch>
+            <a:fillRect/>
+          </a:stretch>
+        </p:blipFill>
+        <p:spPr>
+          <a:xfrm>
+            <a:off x="6096000" y="2259386"/>
+            <a:ext cx="5993914" cy="2339228"/>
+          </a:xfrm>
+          <a:prstGeom prst="rect">
+            <a:avLst/>
+          </a:prstGeom>
+        </p:spPr>
+      </p:pic>
     </p:spTree>
     <p:extLst>
       <p:ext uri="{BB962C8B-B14F-4D97-AF65-F5344CB8AC3E}">
-        <p14:creationId xmlns:p14="http://schemas.microsoft.com/office/powerpoint/2010/main" val="1832665835"/>
+        <p14:creationId xmlns:p14="http://schemas.microsoft.com/office/powerpoint/2010/main" val="1641986736"/>
       </p:ext>
     </p:extLst>
   </p:cSld>
@@ -4008,6 +4026,203 @@
           <p:cNvPr id="2" name="Заголовок 1">
             <a:extLst>
               <a:ext uri="{FF2B5EF4-FFF2-40B4-BE49-F238E27FC236}">
+                <a16:creationId xmlns:a16="http://schemas.microsoft.com/office/drawing/2014/main" id="{BC2B1F72-7EA4-68E6-3042-1E868C47D93E}"/>
+              </a:ext>
+            </a:extLst>
+          </p:cNvPr>
+          <p:cNvSpPr>
+            <a:spLocks noGrp="1"/>
+          </p:cNvSpPr>
+          <p:nvPr>
+            <p:ph type="title"/>
+          </p:nvPr>
+        </p:nvSpPr>
+        <p:spPr/>
+        <p:txBody>
+          <a:bodyPr/>
+          <a:lstStyle/>
+          <a:p>
+            <a:r>
+              <a:rPr lang="ru-RU" dirty="0"/>
+              <a:t>Анализ результатов</a:t>
+            </a:r>
+          </a:p>
+        </p:txBody>
+      </p:sp>
+      <p:pic>
+        <p:nvPicPr>
+          <p:cNvPr id="4" name="Объект 4">
+            <a:extLst>
+              <a:ext uri="{FF2B5EF4-FFF2-40B4-BE49-F238E27FC236}">
+                <a16:creationId xmlns:a16="http://schemas.microsoft.com/office/drawing/2014/main" id="{D2DF7A3F-6B4E-945F-A9CE-58F71302FDC9}"/>
+              </a:ext>
+            </a:extLst>
+          </p:cNvPr>
+          <p:cNvPicPr>
+            <a:picLocks noGrp="1" noChangeAspect="1"/>
+          </p:cNvPicPr>
+          <p:nvPr>
+            <p:ph idx="1"/>
+          </p:nvPr>
+        </p:nvPicPr>
+        <p:blipFill rotWithShape="1">
+          <a:blip r:embed="rId2">
+            <a:extLst>
+              <a:ext uri="{28A0092B-C50C-407E-A947-70E740481C1C}">
+                <a14:useLocalDpi xmlns:a14="http://schemas.microsoft.com/office/drawing/2010/main" val="0"/>
+              </a:ext>
+            </a:extLst>
+          </a:blip>
+          <a:srcRect l="8922" t="8843" r="8783" b="2860"/>
+          <a:stretch/>
+        </p:blipFill>
+        <p:spPr>
+          <a:xfrm>
+            <a:off x="838200" y="1690688"/>
+            <a:ext cx="4258088" cy="2296246"/>
+          </a:xfrm>
+        </p:spPr>
+      </p:pic>
+      <p:pic>
+        <p:nvPicPr>
+          <p:cNvPr id="6" name="Рисунок 5">
+            <a:extLst>
+              <a:ext uri="{FF2B5EF4-FFF2-40B4-BE49-F238E27FC236}">
+                <a16:creationId xmlns:a16="http://schemas.microsoft.com/office/drawing/2014/main" id="{C2534A14-7A02-9352-79B3-E6B303D3B219}"/>
+              </a:ext>
+            </a:extLst>
+          </p:cNvPr>
+          <p:cNvPicPr>
+            <a:picLocks noChangeAspect="1"/>
+          </p:cNvPicPr>
+          <p:nvPr/>
+        </p:nvPicPr>
+        <p:blipFill rotWithShape="1">
+          <a:blip r:embed="rId3">
+            <a:extLst>
+              <a:ext uri="{28A0092B-C50C-407E-A947-70E740481C1C}">
+                <a14:useLocalDpi xmlns:a14="http://schemas.microsoft.com/office/drawing/2010/main" val="0"/>
+              </a:ext>
+            </a:extLst>
+          </a:blip>
+          <a:srcRect l="7514" t="8579" r="7797" b="3772"/>
+          <a:stretch/>
+        </p:blipFill>
+        <p:spPr>
+          <a:xfrm>
+            <a:off x="6864654" y="1699594"/>
+            <a:ext cx="4414489" cy="2296246"/>
+          </a:xfrm>
+          <a:prstGeom prst="rect">
+            <a:avLst/>
+          </a:prstGeom>
+        </p:spPr>
+      </p:pic>
+      <p:pic>
+        <p:nvPicPr>
+          <p:cNvPr id="8" name="Рисунок 7">
+            <a:extLst>
+              <a:ext uri="{FF2B5EF4-FFF2-40B4-BE49-F238E27FC236}">
+                <a16:creationId xmlns:a16="http://schemas.microsoft.com/office/drawing/2014/main" id="{59E23D72-39D4-822C-D68B-F2A062CD9A95}"/>
+              </a:ext>
+            </a:extLst>
+          </p:cNvPr>
+          <p:cNvPicPr>
+            <a:picLocks noChangeAspect="1"/>
+          </p:cNvPicPr>
+          <p:nvPr/>
+        </p:nvPicPr>
+        <p:blipFill rotWithShape="1">
+          <a:blip r:embed="rId4">
+            <a:extLst>
+              <a:ext uri="{28A0092B-C50C-407E-A947-70E740481C1C}">
+                <a14:useLocalDpi xmlns:a14="http://schemas.microsoft.com/office/drawing/2010/main" val="0"/>
+              </a:ext>
+            </a:extLst>
+          </a:blip>
+          <a:srcRect l="9058" t="10708" r="9611" b="4797"/>
+          <a:stretch/>
+        </p:blipFill>
+        <p:spPr>
+          <a:xfrm>
+            <a:off x="838200" y="4186576"/>
+            <a:ext cx="4397627" cy="2296246"/>
+          </a:xfrm>
+          <a:prstGeom prst="rect">
+            <a:avLst/>
+          </a:prstGeom>
+        </p:spPr>
+      </p:pic>
+      <p:pic>
+        <p:nvPicPr>
+          <p:cNvPr id="10" name="Рисунок 9">
+            <a:extLst>
+              <a:ext uri="{FF2B5EF4-FFF2-40B4-BE49-F238E27FC236}">
+                <a16:creationId xmlns:a16="http://schemas.microsoft.com/office/drawing/2014/main" id="{BC3F6882-A2B6-509A-EADA-7C58BA5FA3DE}"/>
+              </a:ext>
+            </a:extLst>
+          </p:cNvPr>
+          <p:cNvPicPr>
+            <a:picLocks noChangeAspect="1"/>
+          </p:cNvPicPr>
+          <p:nvPr/>
+        </p:nvPicPr>
+        <p:blipFill rotWithShape="1">
+          <a:blip r:embed="rId5">
+            <a:extLst>
+              <a:ext uri="{28A0092B-C50C-407E-A947-70E740481C1C}">
+                <a14:useLocalDpi xmlns:a14="http://schemas.microsoft.com/office/drawing/2010/main" val="0"/>
+              </a:ext>
+            </a:extLst>
+          </a:blip>
+          <a:srcRect l="8962" t="11095" r="9610" b="4797"/>
+          <a:stretch/>
+        </p:blipFill>
+        <p:spPr>
+          <a:xfrm>
+            <a:off x="6836594" y="4186576"/>
+            <a:ext cx="4442549" cy="2306299"/>
+          </a:xfrm>
+          <a:prstGeom prst="rect">
+            <a:avLst/>
+          </a:prstGeom>
+        </p:spPr>
+      </p:pic>
+    </p:spTree>
+    <p:extLst>
+      <p:ext uri="{BB962C8B-B14F-4D97-AF65-F5344CB8AC3E}">
+        <p14:creationId xmlns:p14="http://schemas.microsoft.com/office/powerpoint/2010/main" val="1770701558"/>
+      </p:ext>
+    </p:extLst>
+  </p:cSld>
+  <p:clrMapOvr>
+    <a:masterClrMapping/>
+  </p:clrMapOvr>
+</p:sld>
+</file>
+
+<file path=ppt/slides/slide16.xml><?xml version="1.0" encoding="utf-8"?>
+<p:sld xmlns:a="http://schemas.openxmlformats.org/drawingml/2006/main" xmlns:r="http://schemas.openxmlformats.org/officeDocument/2006/relationships" xmlns:p="http://schemas.openxmlformats.org/presentationml/2006/main">
+  <p:cSld>
+    <p:spTree>
+      <p:nvGrpSpPr>
+        <p:cNvPr id="1" name=""/>
+        <p:cNvGrpSpPr/>
+        <p:nvPr/>
+      </p:nvGrpSpPr>
+      <p:grpSpPr>
+        <a:xfrm>
+          <a:off x="0" y="0"/>
+          <a:ext cx="0" cy="0"/>
+          <a:chOff x="0" y="0"/>
+          <a:chExt cx="0" cy="0"/>
+        </a:xfrm>
+      </p:grpSpPr>
+      <p:sp>
+        <p:nvSpPr>
+          <p:cNvPr id="2" name="Заголовок 1">
+            <a:extLst>
+              <a:ext uri="{FF2B5EF4-FFF2-40B4-BE49-F238E27FC236}">
                 <a16:creationId xmlns:a16="http://schemas.microsoft.com/office/drawing/2014/main" id="{B22F2EAC-507F-84EE-7B08-EDD258EBC1D5}"/>
               </a:ext>
             </a:extLst>
@@ -4028,31 +4243,6 @@
               <a:rPr lang="ru-RU" dirty="0"/>
               <a:t>Спасибо за внимание</a:t>
             </a:r>
-          </a:p>
-        </p:txBody>
-      </p:sp>
-      <p:sp>
-        <p:nvSpPr>
-          <p:cNvPr id="3" name="Объект 2">
-            <a:extLst>
-              <a:ext uri="{FF2B5EF4-FFF2-40B4-BE49-F238E27FC236}">
-                <a16:creationId xmlns:a16="http://schemas.microsoft.com/office/drawing/2014/main" id="{EDD49BF3-238F-A4E1-B4CC-C05452A8063B}"/>
-              </a:ext>
-            </a:extLst>
-          </p:cNvPr>
-          <p:cNvSpPr>
-            <a:spLocks noGrp="1"/>
-          </p:cNvSpPr>
-          <p:nvPr>
-            <p:ph idx="1"/>
-          </p:nvPr>
-        </p:nvSpPr>
-        <p:spPr/>
-        <p:txBody>
-          <a:bodyPr/>
-          <a:lstStyle/>
-          <a:p>
-            <a:endParaRPr lang="ru-RU"/>
           </a:p>
         </p:txBody>
       </p:sp>

--- a/Исследование алгоритма вычисления ионосферной поправки для системы Galileo.pptx
+++ b/Исследование алгоритма вычисления ионосферной поправки для системы Galileo.pptx
@@ -8,19 +8,17 @@
     <p:sldId id="256" r:id="rId2"/>
     <p:sldId id="265" r:id="rId3"/>
     <p:sldId id="266" r:id="rId4"/>
-    <p:sldId id="257" r:id="rId5"/>
-    <p:sldId id="258" r:id="rId6"/>
-    <p:sldId id="259" r:id="rId7"/>
-    <p:sldId id="260" r:id="rId8"/>
-    <p:sldId id="261" r:id="rId9"/>
-    <p:sldId id="262" r:id="rId10"/>
-    <p:sldId id="270" r:id="rId11"/>
-    <p:sldId id="269" r:id="rId12"/>
-    <p:sldId id="268" r:id="rId13"/>
-    <p:sldId id="263" r:id="rId14"/>
-    <p:sldId id="267" r:id="rId15"/>
-    <p:sldId id="271" r:id="rId16"/>
-    <p:sldId id="264" r:id="rId17"/>
+    <p:sldId id="259" r:id="rId5"/>
+    <p:sldId id="262" r:id="rId6"/>
+    <p:sldId id="270" r:id="rId7"/>
+    <p:sldId id="268" r:id="rId8"/>
+    <p:sldId id="263" r:id="rId9"/>
+    <p:sldId id="267" r:id="rId10"/>
+    <p:sldId id="271" r:id="rId11"/>
+    <p:sldId id="274" r:id="rId12"/>
+    <p:sldId id="273" r:id="rId13"/>
+    <p:sldId id="272" r:id="rId14"/>
+    <p:sldId id="264" r:id="rId15"/>
   </p:sldIdLst>
   <p:sldSz cx="12192000" cy="6858000"/>
   <p:notesSz cx="6858000" cy="9144000"/>
@@ -3357,11 +3355,34 @@
             <p:ph type="ctrTitle"/>
           </p:nvPr>
         </p:nvSpPr>
-        <p:spPr/>
-        <p:txBody>
-          <a:bodyPr/>
-          <a:lstStyle/>
-          <a:p>
+        <p:spPr>
+          <a:xfrm>
+            <a:off x="1524000" y="2092569"/>
+            <a:ext cx="9144000" cy="1417394"/>
+          </a:xfrm>
+        </p:spPr>
+        <p:txBody>
+          <a:bodyPr>
+            <a:normAutofit fontScale="90000"/>
+          </a:bodyPr>
+          <a:lstStyle/>
+          <a:p>
+            <a:br>
+              <a:rPr lang="en-US" sz="2800" dirty="0">
+                <a:effectLst/>
+                <a:latin typeface="Times New Roman" panose="02020603050405020304" pitchFamily="18" charset="0"/>
+                <a:ea typeface="Calibri" panose="020F0502020204030204" pitchFamily="34" charset="0"/>
+                <a:cs typeface="Times New Roman" panose="02020603050405020304" pitchFamily="18" charset="0"/>
+              </a:rPr>
+            </a:br>
+            <a:br>
+              <a:rPr lang="en-US" sz="2800" dirty="0">
+                <a:effectLst/>
+                <a:latin typeface="Times New Roman" panose="02020603050405020304" pitchFamily="18" charset="0"/>
+                <a:ea typeface="Calibri" panose="020F0502020204030204" pitchFamily="34" charset="0"/>
+                <a:cs typeface="Times New Roman" panose="02020603050405020304" pitchFamily="18" charset="0"/>
+              </a:rPr>
+            </a:br>
             <a:r>
               <a:rPr lang="ru-RU" sz="2800" dirty="0">
                 <a:effectLst/>
@@ -3369,34 +3390,24 @@
                 <a:ea typeface="Calibri" panose="020F0502020204030204" pitchFamily="34" charset="0"/>
                 <a:cs typeface="Times New Roman" panose="02020603050405020304" pitchFamily="18" charset="0"/>
               </a:rPr>
-              <a:t>Исследование алгоритма вычисления ионосферной поправки для системы </a:t>
-            </a:r>
-            <a:r>
-              <a:rPr lang="ru-RU" sz="2800" dirty="0" err="1">
-                <a:effectLst/>
-                <a:latin typeface="Times New Roman" panose="02020603050405020304" pitchFamily="18" charset="0"/>
-                <a:ea typeface="Calibri" panose="020F0502020204030204" pitchFamily="34" charset="0"/>
-                <a:cs typeface="Times New Roman" panose="02020603050405020304" pitchFamily="18" charset="0"/>
-              </a:rPr>
-              <a:t>Galileo</a:t>
-            </a:r>
-            <a:r>
+              <a:t>ДИПЛОМНАЯ РАБОТА</a:t>
+            </a:r>
+            <a:br>
               <a:rPr lang="ru-RU" sz="2800" dirty="0">
                 <a:effectLst/>
                 <a:latin typeface="Times New Roman" panose="02020603050405020304" pitchFamily="18" charset="0"/>
                 <a:ea typeface="Calibri" panose="020F0502020204030204" pitchFamily="34" charset="0"/>
                 <a:cs typeface="Times New Roman" panose="02020603050405020304" pitchFamily="18" charset="0"/>
               </a:rPr>
-              <a:t>.</a:t>
-            </a:r>
-            <a:r>
-              <a:rPr lang="ru-RU" sz="1800" dirty="0">
+            </a:br>
+            <a:r>
+              <a:rPr lang="ru-RU" sz="2800" dirty="0">
                 <a:effectLst/>
                 <a:latin typeface="Times New Roman" panose="02020603050405020304" pitchFamily="18" charset="0"/>
                 <a:ea typeface="Calibri" panose="020F0502020204030204" pitchFamily="34" charset="0"/>
                 <a:cs typeface="Times New Roman" panose="02020603050405020304" pitchFamily="18" charset="0"/>
               </a:rPr>
-              <a:t> </a:t>
+              <a:t>Исследование алгоритма вычисления ионосферной поправки для системы Galileo</a:t>
             </a:r>
             <a:br>
               <a:rPr lang="ru-RU" sz="1800" dirty="0">
@@ -3426,15 +3437,85 @@
             <p:ph type="subTitle" idx="1"/>
           </p:nvPr>
         </p:nvSpPr>
-        <p:spPr/>
-        <p:txBody>
-          <a:bodyPr/>
-          <a:lstStyle/>
-          <a:p>
-            <a:r>
-              <a:rPr lang="ru-RU" dirty="0"/>
-              <a:t>Сюлин Н. Г. РФ18-32Б</a:t>
-            </a:r>
+        <p:spPr>
+          <a:xfrm>
+            <a:off x="1524000" y="3602038"/>
+            <a:ext cx="9144000" cy="2904270"/>
+          </a:xfrm>
+        </p:spPr>
+        <p:txBody>
+          <a:bodyPr/>
+          <a:lstStyle/>
+          <a:p>
+            <a:pPr algn="just"/>
+            <a:r>
+              <a:rPr lang="ru-RU" dirty="0">
+                <a:latin typeface="Times New Roman" panose="02020603050405020304" pitchFamily="18" charset="0"/>
+                <a:cs typeface="Times New Roman" panose="02020603050405020304" pitchFamily="18" charset="0"/>
+              </a:rPr>
+              <a:t>Выполнил: Сюлин Никита Геннадьевич</a:t>
+            </a:r>
+          </a:p>
+          <a:p>
+            <a:pPr algn="just"/>
+            <a:endParaRPr lang="ru-RU" dirty="0">
+              <a:latin typeface="Times New Roman" panose="02020603050405020304" pitchFamily="18" charset="0"/>
+              <a:cs typeface="Times New Roman" panose="02020603050405020304" pitchFamily="18" charset="0"/>
+            </a:endParaRPr>
+          </a:p>
+          <a:p>
+            <a:pPr algn="just"/>
+            <a:r>
+              <a:rPr lang="ru-RU" dirty="0">
+                <a:latin typeface="Times New Roman" panose="02020603050405020304" pitchFamily="18" charset="0"/>
+                <a:cs typeface="Times New Roman" panose="02020603050405020304" pitchFamily="18" charset="0"/>
+              </a:rPr>
+              <a:t>Проверил: Валиханов Марат Музагитович</a:t>
+            </a:r>
+          </a:p>
+          <a:p>
+            <a:pPr algn="just"/>
+            <a:endParaRPr lang="ru-RU" dirty="0">
+              <a:latin typeface="Times New Roman" panose="02020603050405020304" pitchFamily="18" charset="0"/>
+              <a:cs typeface="Times New Roman" panose="02020603050405020304" pitchFamily="18" charset="0"/>
+            </a:endParaRPr>
+          </a:p>
+          <a:p>
+            <a:pPr algn="just"/>
+            <a:endParaRPr lang="ru-RU" dirty="0">
+              <a:latin typeface="Times New Roman" panose="02020603050405020304" pitchFamily="18" charset="0"/>
+              <a:cs typeface="Times New Roman" panose="02020603050405020304" pitchFamily="18" charset="0"/>
+            </a:endParaRPr>
+          </a:p>
+          <a:p>
+            <a:r>
+              <a:rPr lang="ru-RU" dirty="0">
+                <a:latin typeface="Times New Roman" panose="02020603050405020304" pitchFamily="18" charset="0"/>
+                <a:cs typeface="Times New Roman" panose="02020603050405020304" pitchFamily="18" charset="0"/>
+              </a:rPr>
+              <a:t>Красноярск 2022</a:t>
+            </a:r>
+          </a:p>
+          <a:p>
+            <a:pPr algn="just"/>
+            <a:endParaRPr lang="ru-RU" dirty="0">
+              <a:latin typeface="Times New Roman" panose="02020603050405020304" pitchFamily="18" charset="0"/>
+              <a:cs typeface="Times New Roman" panose="02020603050405020304" pitchFamily="18" charset="0"/>
+            </a:endParaRPr>
+          </a:p>
+          <a:p>
+            <a:pPr algn="just"/>
+            <a:endParaRPr lang="ru-RU" dirty="0">
+              <a:latin typeface="Times New Roman" panose="02020603050405020304" pitchFamily="18" charset="0"/>
+              <a:cs typeface="Times New Roman" panose="02020603050405020304" pitchFamily="18" charset="0"/>
+            </a:endParaRPr>
+          </a:p>
+          <a:p>
+            <a:pPr algn="just"/>
+            <a:endParaRPr lang="ru-RU" dirty="0">
+              <a:latin typeface="Times New Roman" panose="02020603050405020304" pitchFamily="18" charset="0"/>
+              <a:cs typeface="Times New Roman" panose="02020603050405020304" pitchFamily="18" charset="0"/>
+            </a:endParaRPr>
           </a:p>
         </p:txBody>
       </p:sp>
@@ -3468,6 +3549,1035 @@
           <a:chExt cx="0" cy="0"/>
         </a:xfrm>
       </p:grpSpPr>
+      <p:pic>
+        <p:nvPicPr>
+          <p:cNvPr id="10" name="Рисунок 9">
+            <a:extLst>
+              <a:ext uri="{FF2B5EF4-FFF2-40B4-BE49-F238E27FC236}">
+                <a16:creationId xmlns:a16="http://schemas.microsoft.com/office/drawing/2014/main" id="{BC3F6882-A2B6-509A-EADA-7C58BA5FA3DE}"/>
+              </a:ext>
+            </a:extLst>
+          </p:cNvPr>
+          <p:cNvPicPr>
+            <a:picLocks noChangeAspect="1"/>
+          </p:cNvPicPr>
+          <p:nvPr/>
+        </p:nvPicPr>
+        <p:blipFill rotWithShape="1">
+          <a:blip r:embed="rId2">
+            <a:extLst>
+              <a:ext uri="{28A0092B-C50C-407E-A947-70E740481C1C}">
+                <a14:useLocalDpi xmlns:a14="http://schemas.microsoft.com/office/drawing/2010/main" val="0"/>
+              </a:ext>
+            </a:extLst>
+          </a:blip>
+          <a:srcRect l="8962" t="11095" r="9610" b="4797"/>
+          <a:stretch/>
+        </p:blipFill>
+        <p:spPr>
+          <a:xfrm>
+            <a:off x="1472711" y="1690688"/>
+            <a:ext cx="9246577" cy="4800256"/>
+          </a:xfrm>
+          <a:prstGeom prst="rect">
+            <a:avLst/>
+          </a:prstGeom>
+        </p:spPr>
+      </p:pic>
+      <p:sp>
+        <p:nvSpPr>
+          <p:cNvPr id="11" name="Заголовок 10">
+            <a:extLst>
+              <a:ext uri="{FF2B5EF4-FFF2-40B4-BE49-F238E27FC236}">
+                <a16:creationId xmlns:a16="http://schemas.microsoft.com/office/drawing/2014/main" id="{362C2344-CDCA-AB75-EAD7-E0B6F2E0D482}"/>
+              </a:ext>
+            </a:extLst>
+          </p:cNvPr>
+          <p:cNvSpPr>
+            <a:spLocks noGrp="1"/>
+          </p:cNvSpPr>
+          <p:nvPr>
+            <p:ph type="title"/>
+          </p:nvPr>
+        </p:nvSpPr>
+        <p:spPr/>
+        <p:txBody>
+          <a:bodyPr/>
+          <a:lstStyle/>
+          <a:p>
+            <a:r>
+              <a:rPr lang="ru-RU" dirty="0"/>
+              <a:t>Анализ результатов</a:t>
+            </a:r>
+          </a:p>
+        </p:txBody>
+      </p:sp>
+    </p:spTree>
+    <p:extLst>
+      <p:ext uri="{BB962C8B-B14F-4D97-AF65-F5344CB8AC3E}">
+        <p14:creationId xmlns:p14="http://schemas.microsoft.com/office/powerpoint/2010/main" val="1770701558"/>
+      </p:ext>
+    </p:extLst>
+  </p:cSld>
+  <p:clrMapOvr>
+    <a:masterClrMapping/>
+  </p:clrMapOvr>
+</p:sld>
+</file>
+
+<file path=ppt/slides/slide11.xml><?xml version="1.0" encoding="utf-8"?>
+<p:sld xmlns:a="http://schemas.openxmlformats.org/drawingml/2006/main" xmlns:r="http://schemas.openxmlformats.org/officeDocument/2006/relationships" xmlns:p="http://schemas.openxmlformats.org/presentationml/2006/main">
+  <p:cSld>
+    <p:spTree>
+      <p:nvGrpSpPr>
+        <p:cNvPr id="1" name=""/>
+        <p:cNvGrpSpPr/>
+        <p:nvPr/>
+      </p:nvGrpSpPr>
+      <p:grpSpPr>
+        <a:xfrm>
+          <a:off x="0" y="0"/>
+          <a:ext cx="0" cy="0"/>
+          <a:chOff x="0" y="0"/>
+          <a:chExt cx="0" cy="0"/>
+        </a:xfrm>
+      </p:grpSpPr>
+      <p:sp>
+        <p:nvSpPr>
+          <p:cNvPr id="2" name="Заголовок 1">
+            <a:extLst>
+              <a:ext uri="{FF2B5EF4-FFF2-40B4-BE49-F238E27FC236}">
+                <a16:creationId xmlns:a16="http://schemas.microsoft.com/office/drawing/2014/main" id="{6CB49176-F9B2-0458-5749-B852FD4DB2A6}"/>
+              </a:ext>
+            </a:extLst>
+          </p:cNvPr>
+          <p:cNvSpPr>
+            <a:spLocks noGrp="1"/>
+          </p:cNvSpPr>
+          <p:nvPr>
+            <p:ph type="title"/>
+          </p:nvPr>
+        </p:nvSpPr>
+        <p:spPr/>
+        <p:txBody>
+          <a:bodyPr/>
+          <a:lstStyle/>
+          <a:p>
+            <a:r>
+              <a:rPr lang="ru-RU" dirty="0"/>
+              <a:t>Анализ результатов</a:t>
+            </a:r>
+          </a:p>
+        </p:txBody>
+      </p:sp>
+      <p:pic>
+        <p:nvPicPr>
+          <p:cNvPr id="4" name="Рисунок 3">
+            <a:extLst>
+              <a:ext uri="{FF2B5EF4-FFF2-40B4-BE49-F238E27FC236}">
+                <a16:creationId xmlns:a16="http://schemas.microsoft.com/office/drawing/2014/main" id="{12E91519-C22D-8CD7-76E5-E3A8297FC018}"/>
+              </a:ext>
+            </a:extLst>
+          </p:cNvPr>
+          <p:cNvPicPr>
+            <a:picLocks noChangeAspect="1"/>
+          </p:cNvPicPr>
+          <p:nvPr/>
+        </p:nvPicPr>
+        <p:blipFill rotWithShape="1">
+          <a:blip r:embed="rId2">
+            <a:extLst>
+              <a:ext uri="{28A0092B-C50C-407E-A947-70E740481C1C}">
+                <a14:useLocalDpi xmlns:a14="http://schemas.microsoft.com/office/drawing/2010/main" val="0"/>
+              </a:ext>
+            </a:extLst>
+          </a:blip>
+          <a:srcRect l="7514" t="8579" r="7797" b="3772"/>
+          <a:stretch/>
+        </p:blipFill>
+        <p:spPr>
+          <a:xfrm>
+            <a:off x="1495353" y="1690688"/>
+            <a:ext cx="9201294" cy="4786157"/>
+          </a:xfrm>
+          <a:prstGeom prst="rect">
+            <a:avLst/>
+          </a:prstGeom>
+        </p:spPr>
+      </p:pic>
+    </p:spTree>
+    <p:extLst>
+      <p:ext uri="{BB962C8B-B14F-4D97-AF65-F5344CB8AC3E}">
+        <p14:creationId xmlns:p14="http://schemas.microsoft.com/office/powerpoint/2010/main" val="2679187164"/>
+      </p:ext>
+    </p:extLst>
+  </p:cSld>
+  <p:clrMapOvr>
+    <a:masterClrMapping/>
+  </p:clrMapOvr>
+</p:sld>
+</file>
+
+<file path=ppt/slides/slide12.xml><?xml version="1.0" encoding="utf-8"?>
+<p:sld xmlns:a="http://schemas.openxmlformats.org/drawingml/2006/main" xmlns:r="http://schemas.openxmlformats.org/officeDocument/2006/relationships" xmlns:p="http://schemas.openxmlformats.org/presentationml/2006/main">
+  <p:cSld>
+    <p:spTree>
+      <p:nvGrpSpPr>
+        <p:cNvPr id="1" name=""/>
+        <p:cNvGrpSpPr/>
+        <p:nvPr/>
+      </p:nvGrpSpPr>
+      <p:grpSpPr>
+        <a:xfrm>
+          <a:off x="0" y="0"/>
+          <a:ext cx="0" cy="0"/>
+          <a:chOff x="0" y="0"/>
+          <a:chExt cx="0" cy="0"/>
+        </a:xfrm>
+      </p:grpSpPr>
+      <p:sp>
+        <p:nvSpPr>
+          <p:cNvPr id="2" name="Заголовок 1">
+            <a:extLst>
+              <a:ext uri="{FF2B5EF4-FFF2-40B4-BE49-F238E27FC236}">
+                <a16:creationId xmlns:a16="http://schemas.microsoft.com/office/drawing/2014/main" id="{564182AC-499B-0B4C-E0A8-0493F76EFC25}"/>
+              </a:ext>
+            </a:extLst>
+          </p:cNvPr>
+          <p:cNvSpPr>
+            <a:spLocks noGrp="1"/>
+          </p:cNvSpPr>
+          <p:nvPr>
+            <p:ph type="title"/>
+          </p:nvPr>
+        </p:nvSpPr>
+        <p:spPr/>
+        <p:txBody>
+          <a:bodyPr/>
+          <a:lstStyle/>
+          <a:p>
+            <a:r>
+              <a:rPr lang="ru-RU" dirty="0"/>
+              <a:t>Анализ результатов</a:t>
+            </a:r>
+          </a:p>
+        </p:txBody>
+      </p:sp>
+      <p:pic>
+        <p:nvPicPr>
+          <p:cNvPr id="4" name="Объект 4">
+            <a:extLst>
+              <a:ext uri="{FF2B5EF4-FFF2-40B4-BE49-F238E27FC236}">
+                <a16:creationId xmlns:a16="http://schemas.microsoft.com/office/drawing/2014/main" id="{D0DDF642-1BC6-DF52-C62D-AA295F75669B}"/>
+              </a:ext>
+            </a:extLst>
+          </p:cNvPr>
+          <p:cNvPicPr>
+            <a:picLocks noGrp="1" noChangeAspect="1"/>
+          </p:cNvPicPr>
+          <p:nvPr>
+            <p:ph idx="1"/>
+          </p:nvPr>
+        </p:nvPicPr>
+        <p:blipFill rotWithShape="1">
+          <a:blip r:embed="rId2">
+            <a:extLst>
+              <a:ext uri="{28A0092B-C50C-407E-A947-70E740481C1C}">
+                <a14:useLocalDpi xmlns:a14="http://schemas.microsoft.com/office/drawing/2010/main" val="0"/>
+              </a:ext>
+            </a:extLst>
+          </a:blip>
+          <a:srcRect l="8922" t="8843" r="8783" b="2860"/>
+          <a:stretch/>
+        </p:blipFill>
+        <p:spPr>
+          <a:xfrm>
+            <a:off x="1551842" y="1690688"/>
+            <a:ext cx="9088315" cy="4901027"/>
+          </a:xfrm>
+        </p:spPr>
+      </p:pic>
+    </p:spTree>
+    <p:extLst>
+      <p:ext uri="{BB962C8B-B14F-4D97-AF65-F5344CB8AC3E}">
+        <p14:creationId xmlns:p14="http://schemas.microsoft.com/office/powerpoint/2010/main" val="452733803"/>
+      </p:ext>
+    </p:extLst>
+  </p:cSld>
+  <p:clrMapOvr>
+    <a:masterClrMapping/>
+  </p:clrMapOvr>
+</p:sld>
+</file>
+
+<file path=ppt/slides/slide13.xml><?xml version="1.0" encoding="utf-8"?>
+<p:sld xmlns:a="http://schemas.openxmlformats.org/drawingml/2006/main" xmlns:r="http://schemas.openxmlformats.org/officeDocument/2006/relationships" xmlns:p="http://schemas.openxmlformats.org/presentationml/2006/main">
+  <p:cSld>
+    <p:spTree>
+      <p:nvGrpSpPr>
+        <p:cNvPr id="1" name=""/>
+        <p:cNvGrpSpPr/>
+        <p:nvPr/>
+      </p:nvGrpSpPr>
+      <p:grpSpPr>
+        <a:xfrm>
+          <a:off x="0" y="0"/>
+          <a:ext cx="0" cy="0"/>
+          <a:chOff x="0" y="0"/>
+          <a:chExt cx="0" cy="0"/>
+        </a:xfrm>
+      </p:grpSpPr>
+      <p:sp>
+        <p:nvSpPr>
+          <p:cNvPr id="2" name="Заголовок 1">
+            <a:extLst>
+              <a:ext uri="{FF2B5EF4-FFF2-40B4-BE49-F238E27FC236}">
+                <a16:creationId xmlns:a16="http://schemas.microsoft.com/office/drawing/2014/main" id="{487B5E6D-720A-04ED-82C1-0BA8F356495A}"/>
+              </a:ext>
+            </a:extLst>
+          </p:cNvPr>
+          <p:cNvSpPr>
+            <a:spLocks noGrp="1"/>
+          </p:cNvSpPr>
+          <p:nvPr>
+            <p:ph type="title"/>
+          </p:nvPr>
+        </p:nvSpPr>
+        <p:spPr/>
+        <p:txBody>
+          <a:bodyPr/>
+          <a:lstStyle/>
+          <a:p>
+            <a:r>
+              <a:rPr lang="ru-RU" dirty="0"/>
+              <a:t>Анализ результатов</a:t>
+            </a:r>
+          </a:p>
+        </p:txBody>
+      </p:sp>
+      <p:pic>
+        <p:nvPicPr>
+          <p:cNvPr id="4" name="Рисунок 3">
+            <a:extLst>
+              <a:ext uri="{FF2B5EF4-FFF2-40B4-BE49-F238E27FC236}">
+                <a16:creationId xmlns:a16="http://schemas.microsoft.com/office/drawing/2014/main" id="{528ABEDB-3DB6-337A-D23D-2782D0BF233A}"/>
+              </a:ext>
+            </a:extLst>
+          </p:cNvPr>
+          <p:cNvPicPr>
+            <a:picLocks noChangeAspect="1"/>
+          </p:cNvPicPr>
+          <p:nvPr/>
+        </p:nvPicPr>
+        <p:blipFill rotWithShape="1">
+          <a:blip r:embed="rId2">
+            <a:extLst>
+              <a:ext uri="{28A0092B-C50C-407E-A947-70E740481C1C}">
+                <a14:useLocalDpi xmlns:a14="http://schemas.microsoft.com/office/drawing/2010/main" val="0"/>
+              </a:ext>
+            </a:extLst>
+          </a:blip>
+          <a:srcRect l="9058" t="10708" r="9611" b="4797"/>
+          <a:stretch/>
+        </p:blipFill>
+        <p:spPr>
+          <a:xfrm>
+            <a:off x="1736481" y="1940179"/>
+            <a:ext cx="8719038" cy="4552696"/>
+          </a:xfrm>
+          <a:prstGeom prst="rect">
+            <a:avLst/>
+          </a:prstGeom>
+        </p:spPr>
+      </p:pic>
+    </p:spTree>
+    <p:extLst>
+      <p:ext uri="{BB962C8B-B14F-4D97-AF65-F5344CB8AC3E}">
+        <p14:creationId xmlns:p14="http://schemas.microsoft.com/office/powerpoint/2010/main" val="715348722"/>
+      </p:ext>
+    </p:extLst>
+  </p:cSld>
+  <p:clrMapOvr>
+    <a:masterClrMapping/>
+  </p:clrMapOvr>
+</p:sld>
+</file>
+
+<file path=ppt/slides/slide14.xml><?xml version="1.0" encoding="utf-8"?>
+<p:sld xmlns:a="http://schemas.openxmlformats.org/drawingml/2006/main" xmlns:r="http://schemas.openxmlformats.org/officeDocument/2006/relationships" xmlns:p="http://schemas.openxmlformats.org/presentationml/2006/main">
+  <p:cSld>
+    <p:spTree>
+      <p:nvGrpSpPr>
+        <p:cNvPr id="1" name=""/>
+        <p:cNvGrpSpPr/>
+        <p:nvPr/>
+      </p:nvGrpSpPr>
+      <p:grpSpPr>
+        <a:xfrm>
+          <a:off x="0" y="0"/>
+          <a:ext cx="0" cy="0"/>
+          <a:chOff x="0" y="0"/>
+          <a:chExt cx="0" cy="0"/>
+        </a:xfrm>
+      </p:grpSpPr>
+      <p:sp>
+        <p:nvSpPr>
+          <p:cNvPr id="2" name="Заголовок 1">
+            <a:extLst>
+              <a:ext uri="{FF2B5EF4-FFF2-40B4-BE49-F238E27FC236}">
+                <a16:creationId xmlns:a16="http://schemas.microsoft.com/office/drawing/2014/main" id="{B22F2EAC-507F-84EE-7B08-EDD258EBC1D5}"/>
+              </a:ext>
+            </a:extLst>
+          </p:cNvPr>
+          <p:cNvSpPr>
+            <a:spLocks noGrp="1"/>
+          </p:cNvSpPr>
+          <p:nvPr>
+            <p:ph type="title"/>
+          </p:nvPr>
+        </p:nvSpPr>
+        <p:spPr>
+          <a:xfrm>
+            <a:off x="838200" y="2766218"/>
+            <a:ext cx="10515600" cy="1325563"/>
+          </a:xfrm>
+        </p:spPr>
+        <p:txBody>
+          <a:bodyPr/>
+          <a:lstStyle/>
+          <a:p>
+            <a:pPr algn="ctr"/>
+            <a:r>
+              <a:rPr lang="ru-RU" dirty="0"/>
+              <a:t>Спасибо за внимание</a:t>
+            </a:r>
+          </a:p>
+        </p:txBody>
+      </p:sp>
+    </p:spTree>
+    <p:extLst>
+      <p:ext uri="{BB962C8B-B14F-4D97-AF65-F5344CB8AC3E}">
+        <p14:creationId xmlns:p14="http://schemas.microsoft.com/office/powerpoint/2010/main" val="2695260135"/>
+      </p:ext>
+    </p:extLst>
+  </p:cSld>
+  <p:clrMapOvr>
+    <a:masterClrMapping/>
+  </p:clrMapOvr>
+</p:sld>
+</file>
+
+<file path=ppt/slides/slide2.xml><?xml version="1.0" encoding="utf-8"?>
+<p:sld xmlns:a="http://schemas.openxmlformats.org/drawingml/2006/main" xmlns:r="http://schemas.openxmlformats.org/officeDocument/2006/relationships" xmlns:p="http://schemas.openxmlformats.org/presentationml/2006/main">
+  <p:cSld>
+    <p:spTree>
+      <p:nvGrpSpPr>
+        <p:cNvPr id="1" name=""/>
+        <p:cNvGrpSpPr/>
+        <p:nvPr/>
+      </p:nvGrpSpPr>
+      <p:grpSpPr>
+        <a:xfrm>
+          <a:off x="0" y="0"/>
+          <a:ext cx="0" cy="0"/>
+          <a:chOff x="0" y="0"/>
+          <a:chExt cx="0" cy="0"/>
+        </a:xfrm>
+      </p:grpSpPr>
+      <p:sp>
+        <p:nvSpPr>
+          <p:cNvPr id="2" name="Заголовок 1">
+            <a:extLst>
+              <a:ext uri="{FF2B5EF4-FFF2-40B4-BE49-F238E27FC236}">
+                <a16:creationId xmlns:a16="http://schemas.microsoft.com/office/drawing/2014/main" id="{1D31D0D2-E06E-C28F-5933-AEC8D0E5D080}"/>
+              </a:ext>
+            </a:extLst>
+          </p:cNvPr>
+          <p:cNvSpPr>
+            <a:spLocks noGrp="1"/>
+          </p:cNvSpPr>
+          <p:nvPr>
+            <p:ph type="title"/>
+          </p:nvPr>
+        </p:nvSpPr>
+        <p:spPr/>
+        <p:txBody>
+          <a:bodyPr/>
+          <a:lstStyle/>
+          <a:p>
+            <a:r>
+              <a:rPr lang="ru-RU" dirty="0"/>
+              <a:t>Актуальность</a:t>
+            </a:r>
+          </a:p>
+        </p:txBody>
+      </p:sp>
+      <p:pic>
+        <p:nvPicPr>
+          <p:cNvPr id="5" name="Рисунок 4">
+            <a:extLst>
+              <a:ext uri="{FF2B5EF4-FFF2-40B4-BE49-F238E27FC236}">
+                <a16:creationId xmlns:a16="http://schemas.microsoft.com/office/drawing/2014/main" id="{6357902A-7508-C6C0-4F5D-FFA62238FFB0}"/>
+              </a:ext>
+            </a:extLst>
+          </p:cNvPr>
+          <p:cNvPicPr>
+            <a:picLocks noChangeAspect="1"/>
+          </p:cNvPicPr>
+          <p:nvPr/>
+        </p:nvPicPr>
+        <p:blipFill>
+          <a:blip r:embed="rId2">
+            <a:extLst>
+              <a:ext uri="{28A0092B-C50C-407E-A947-70E740481C1C}">
+                <a14:useLocalDpi xmlns:a14="http://schemas.microsoft.com/office/drawing/2010/main" val="0"/>
+              </a:ext>
+            </a:extLst>
+          </a:blip>
+          <a:stretch>
+            <a:fillRect/>
+          </a:stretch>
+        </p:blipFill>
+        <p:spPr>
+          <a:xfrm>
+            <a:off x="2504342" y="1425411"/>
+            <a:ext cx="7183315" cy="5067464"/>
+          </a:xfrm>
+          <a:prstGeom prst="rect">
+            <a:avLst/>
+          </a:prstGeom>
+        </p:spPr>
+      </p:pic>
+    </p:spTree>
+    <p:extLst>
+      <p:ext uri="{BB962C8B-B14F-4D97-AF65-F5344CB8AC3E}">
+        <p14:creationId xmlns:p14="http://schemas.microsoft.com/office/powerpoint/2010/main" val="4042108325"/>
+      </p:ext>
+    </p:extLst>
+  </p:cSld>
+  <p:clrMapOvr>
+    <a:masterClrMapping/>
+  </p:clrMapOvr>
+</p:sld>
+</file>
+
+<file path=ppt/slides/slide3.xml><?xml version="1.0" encoding="utf-8"?>
+<p:sld xmlns:a="http://schemas.openxmlformats.org/drawingml/2006/main" xmlns:r="http://schemas.openxmlformats.org/officeDocument/2006/relationships" xmlns:p="http://schemas.openxmlformats.org/presentationml/2006/main">
+  <p:cSld>
+    <p:spTree>
+      <p:nvGrpSpPr>
+        <p:cNvPr id="1" name=""/>
+        <p:cNvGrpSpPr/>
+        <p:nvPr/>
+      </p:nvGrpSpPr>
+      <p:grpSpPr>
+        <a:xfrm>
+          <a:off x="0" y="0"/>
+          <a:ext cx="0" cy="0"/>
+          <a:chOff x="0" y="0"/>
+          <a:chExt cx="0" cy="0"/>
+        </a:xfrm>
+      </p:grpSpPr>
+      <p:sp>
+        <p:nvSpPr>
+          <p:cNvPr id="2" name="Заголовок 1">
+            <a:extLst>
+              <a:ext uri="{FF2B5EF4-FFF2-40B4-BE49-F238E27FC236}">
+                <a16:creationId xmlns:a16="http://schemas.microsoft.com/office/drawing/2014/main" id="{49E7EB47-3F06-7A5E-0B73-9A8CEC8D88A0}"/>
+              </a:ext>
+            </a:extLst>
+          </p:cNvPr>
+          <p:cNvSpPr>
+            <a:spLocks noGrp="1"/>
+          </p:cNvSpPr>
+          <p:nvPr>
+            <p:ph type="title"/>
+          </p:nvPr>
+        </p:nvSpPr>
+        <p:spPr/>
+        <p:txBody>
+          <a:bodyPr/>
+          <a:lstStyle/>
+          <a:p>
+            <a:r>
+              <a:rPr lang="ru-RU" dirty="0"/>
+              <a:t>Цель – Исследование модели </a:t>
+            </a:r>
+            <a:r>
+              <a:rPr lang="en-US" dirty="0" err="1"/>
+              <a:t>NeQuick</a:t>
+            </a:r>
+            <a:endParaRPr lang="ru-RU" dirty="0"/>
+          </a:p>
+        </p:txBody>
+      </p:sp>
+      <p:sp>
+        <p:nvSpPr>
+          <p:cNvPr id="3" name="Объект 2">
+            <a:extLst>
+              <a:ext uri="{FF2B5EF4-FFF2-40B4-BE49-F238E27FC236}">
+                <a16:creationId xmlns:a16="http://schemas.microsoft.com/office/drawing/2014/main" id="{E4379BAC-0C57-956D-1016-E6628C2EE48B}"/>
+              </a:ext>
+            </a:extLst>
+          </p:cNvPr>
+          <p:cNvSpPr>
+            <a:spLocks noGrp="1"/>
+          </p:cNvSpPr>
+          <p:nvPr>
+            <p:ph idx="1"/>
+          </p:nvPr>
+        </p:nvSpPr>
+        <p:spPr>
+          <a:xfrm>
+            <a:off x="838200" y="1555140"/>
+            <a:ext cx="10515600" cy="4858117"/>
+          </a:xfrm>
+        </p:spPr>
+        <p:txBody>
+          <a:bodyPr/>
+          <a:lstStyle/>
+          <a:p>
+            <a:pPr marL="0" indent="0">
+              <a:buNone/>
+            </a:pPr>
+            <a:r>
+              <a:rPr lang="ru-RU" dirty="0">
+                <a:latin typeface="Times New Roman" panose="02020603050405020304" pitchFamily="18" charset="0"/>
+                <a:cs typeface="Times New Roman" panose="02020603050405020304" pitchFamily="18" charset="0"/>
+              </a:rPr>
+              <a:t>Задачи:</a:t>
+            </a:r>
+          </a:p>
+          <a:p>
+            <a:r>
+              <a:rPr lang="ru-RU" dirty="0">
+                <a:latin typeface="Times New Roman" panose="02020603050405020304" pitchFamily="18" charset="0"/>
+                <a:cs typeface="Times New Roman" panose="02020603050405020304" pitchFamily="18" charset="0"/>
+              </a:rPr>
+              <a:t>С помощью алгоритма вычисления </a:t>
+            </a:r>
+          </a:p>
+          <a:p>
+            <a:pPr marL="0" indent="0">
+              <a:buNone/>
+            </a:pPr>
+            <a:r>
+              <a:rPr lang="ru-RU" dirty="0">
+                <a:latin typeface="Times New Roman" panose="02020603050405020304" pitchFamily="18" charset="0"/>
+                <a:cs typeface="Times New Roman" panose="02020603050405020304" pitchFamily="18" charset="0"/>
+              </a:rPr>
+              <a:t>ионосферной поправки получить </a:t>
+            </a:r>
+          </a:p>
+          <a:p>
+            <a:pPr marL="0" indent="0">
+              <a:buNone/>
+            </a:pPr>
+            <a:r>
+              <a:rPr lang="ru-RU" dirty="0">
+                <a:latin typeface="Times New Roman" panose="02020603050405020304" pitchFamily="18" charset="0"/>
+                <a:cs typeface="Times New Roman" panose="02020603050405020304" pitchFamily="18" charset="0"/>
+              </a:rPr>
+              <a:t>соответствующие зависимости от </a:t>
+            </a:r>
+          </a:p>
+          <a:p>
+            <a:pPr marL="0" indent="0">
+              <a:buNone/>
+            </a:pPr>
+            <a:r>
+              <a:rPr lang="ru-RU" dirty="0">
+                <a:latin typeface="Times New Roman" panose="02020603050405020304" pitchFamily="18" charset="0"/>
+                <a:cs typeface="Times New Roman" panose="02020603050405020304" pitchFamily="18" charset="0"/>
+              </a:rPr>
+              <a:t>времени суток</a:t>
+            </a:r>
+          </a:p>
+          <a:p>
+            <a:r>
+              <a:rPr lang="ru-RU" dirty="0">
+                <a:latin typeface="Times New Roman" panose="02020603050405020304" pitchFamily="18" charset="0"/>
+                <a:cs typeface="Times New Roman" panose="02020603050405020304" pitchFamily="18" charset="0"/>
+              </a:rPr>
+              <a:t>Получить аналогичные зависимости с </a:t>
+            </a:r>
+          </a:p>
+          <a:p>
+            <a:pPr marL="0" indent="0">
+              <a:buNone/>
+            </a:pPr>
+            <a:r>
+              <a:rPr lang="ru-RU" dirty="0">
+                <a:latin typeface="Times New Roman" panose="02020603050405020304" pitchFamily="18" charset="0"/>
+                <a:cs typeface="Times New Roman" panose="02020603050405020304" pitchFamily="18" charset="0"/>
+              </a:rPr>
+              <a:t>помощью измерений </a:t>
+            </a:r>
+            <a:r>
+              <a:rPr lang="ru-RU" dirty="0" err="1">
+                <a:latin typeface="Times New Roman" panose="02020603050405020304" pitchFamily="18" charset="0"/>
+                <a:cs typeface="Times New Roman" panose="02020603050405020304" pitchFamily="18" charset="0"/>
+              </a:rPr>
+              <a:t>псевдодальности</a:t>
+            </a:r>
+            <a:endParaRPr lang="ru-RU" dirty="0">
+              <a:latin typeface="Times New Roman" panose="02020603050405020304" pitchFamily="18" charset="0"/>
+              <a:cs typeface="Times New Roman" panose="02020603050405020304" pitchFamily="18" charset="0"/>
+            </a:endParaRPr>
+          </a:p>
+          <a:p>
+            <a:r>
+              <a:rPr lang="ru-RU" dirty="0">
+                <a:latin typeface="Times New Roman" panose="02020603050405020304" pitchFamily="18" charset="0"/>
+                <a:cs typeface="Times New Roman" panose="02020603050405020304" pitchFamily="18" charset="0"/>
+              </a:rPr>
+              <a:t>Проанализировать и сравнить </a:t>
+            </a:r>
+          </a:p>
+          <a:p>
+            <a:pPr marL="0" indent="0">
+              <a:buNone/>
+            </a:pPr>
+            <a:r>
+              <a:rPr lang="ru-RU" dirty="0">
+                <a:latin typeface="Times New Roman" panose="02020603050405020304" pitchFamily="18" charset="0"/>
+                <a:cs typeface="Times New Roman" panose="02020603050405020304" pitchFamily="18" charset="0"/>
+              </a:rPr>
+              <a:t>полученные результаты</a:t>
+            </a:r>
+          </a:p>
+          <a:p>
+            <a:endParaRPr lang="ru-RU" dirty="0"/>
+          </a:p>
+        </p:txBody>
+      </p:sp>
+      <p:pic>
+        <p:nvPicPr>
+          <p:cNvPr id="4" name="Рисунок 3">
+            <a:extLst>
+              <a:ext uri="{FF2B5EF4-FFF2-40B4-BE49-F238E27FC236}">
+                <a16:creationId xmlns:a16="http://schemas.microsoft.com/office/drawing/2014/main" id="{E547F539-35EA-2959-D6A3-4A755A79DC47}"/>
+              </a:ext>
+            </a:extLst>
+          </p:cNvPr>
+          <p:cNvPicPr>
+            <a:picLocks noChangeAspect="1"/>
+          </p:cNvPicPr>
+          <p:nvPr/>
+        </p:nvPicPr>
+        <p:blipFill>
+          <a:blip r:embed="rId2"/>
+          <a:stretch>
+            <a:fillRect/>
+          </a:stretch>
+        </p:blipFill>
+        <p:spPr>
+          <a:xfrm>
+            <a:off x="6955362" y="1594392"/>
+            <a:ext cx="4935394" cy="4683316"/>
+          </a:xfrm>
+          <a:prstGeom prst="rect">
+            <a:avLst/>
+          </a:prstGeom>
+        </p:spPr>
+      </p:pic>
+    </p:spTree>
+    <p:extLst>
+      <p:ext uri="{BB962C8B-B14F-4D97-AF65-F5344CB8AC3E}">
+        <p14:creationId xmlns:p14="http://schemas.microsoft.com/office/powerpoint/2010/main" val="1064601681"/>
+      </p:ext>
+    </p:extLst>
+  </p:cSld>
+  <p:clrMapOvr>
+    <a:masterClrMapping/>
+  </p:clrMapOvr>
+</p:sld>
+</file>
+
+<file path=ppt/slides/slide4.xml><?xml version="1.0" encoding="utf-8"?>
+<p:sld xmlns:a="http://schemas.openxmlformats.org/drawingml/2006/main" xmlns:r="http://schemas.openxmlformats.org/officeDocument/2006/relationships" xmlns:p="http://schemas.openxmlformats.org/presentationml/2006/main">
+  <p:cSld>
+    <p:spTree>
+      <p:nvGrpSpPr>
+        <p:cNvPr id="1" name=""/>
+        <p:cNvGrpSpPr/>
+        <p:nvPr/>
+      </p:nvGrpSpPr>
+      <p:grpSpPr>
+        <a:xfrm>
+          <a:off x="0" y="0"/>
+          <a:ext cx="0" cy="0"/>
+          <a:chOff x="0" y="0"/>
+          <a:chExt cx="0" cy="0"/>
+        </a:xfrm>
+      </p:grpSpPr>
+      <p:sp>
+        <p:nvSpPr>
+          <p:cNvPr id="2" name="Заголовок 1">
+            <a:extLst>
+              <a:ext uri="{FF2B5EF4-FFF2-40B4-BE49-F238E27FC236}">
+                <a16:creationId xmlns:a16="http://schemas.microsoft.com/office/drawing/2014/main" id="{112DC8A5-97BD-23BE-6D49-D877EBFE9AD9}"/>
+              </a:ext>
+            </a:extLst>
+          </p:cNvPr>
+          <p:cNvSpPr>
+            <a:spLocks noGrp="1"/>
+          </p:cNvSpPr>
+          <p:nvPr>
+            <p:ph type="title"/>
+          </p:nvPr>
+        </p:nvSpPr>
+        <p:spPr/>
+        <p:txBody>
+          <a:bodyPr/>
+          <a:lstStyle/>
+          <a:p>
+            <a:r>
+              <a:rPr lang="ru-RU" dirty="0"/>
+              <a:t>Входные данные</a:t>
+            </a:r>
+          </a:p>
+        </p:txBody>
+      </p:sp>
+      <p:sp>
+        <p:nvSpPr>
+          <p:cNvPr id="3" name="Объект 2">
+            <a:extLst>
+              <a:ext uri="{FF2B5EF4-FFF2-40B4-BE49-F238E27FC236}">
+                <a16:creationId xmlns:a16="http://schemas.microsoft.com/office/drawing/2014/main" id="{0E81E7C9-F91A-2BC1-017A-3E7CACCE47DA}"/>
+              </a:ext>
+            </a:extLst>
+          </p:cNvPr>
+          <p:cNvSpPr>
+            <a:spLocks noGrp="1"/>
+          </p:cNvSpPr>
+          <p:nvPr>
+            <p:ph idx="1"/>
+          </p:nvPr>
+        </p:nvSpPr>
+        <p:spPr/>
+        <p:txBody>
+          <a:bodyPr/>
+          <a:lstStyle/>
+          <a:p>
+            <a:endParaRPr lang="ru-RU" dirty="0"/>
+          </a:p>
+          <a:p>
+            <a:endParaRPr lang="ru-RU" dirty="0"/>
+          </a:p>
+          <a:p>
+            <a:endParaRPr lang="ru-RU" dirty="0"/>
+          </a:p>
+        </p:txBody>
+      </p:sp>
+      <p:pic>
+        <p:nvPicPr>
+          <p:cNvPr id="5" name="Рисунок 4">
+            <a:extLst>
+              <a:ext uri="{FF2B5EF4-FFF2-40B4-BE49-F238E27FC236}">
+                <a16:creationId xmlns:a16="http://schemas.microsoft.com/office/drawing/2014/main" id="{093521F4-03AA-7E12-4D46-766DB5A07928}"/>
+              </a:ext>
+            </a:extLst>
+          </p:cNvPr>
+          <p:cNvPicPr>
+            <a:picLocks noChangeAspect="1"/>
+          </p:cNvPicPr>
+          <p:nvPr/>
+        </p:nvPicPr>
+        <p:blipFill>
+          <a:blip r:embed="rId2"/>
+          <a:stretch>
+            <a:fillRect/>
+          </a:stretch>
+        </p:blipFill>
+        <p:spPr>
+          <a:xfrm>
+            <a:off x="838200" y="1690688"/>
+            <a:ext cx="3046200" cy="1319372"/>
+          </a:xfrm>
+          <a:prstGeom prst="rect">
+            <a:avLst/>
+          </a:prstGeom>
+        </p:spPr>
+      </p:pic>
+      <p:pic>
+        <p:nvPicPr>
+          <p:cNvPr id="7" name="Рисунок 6">
+            <a:extLst>
+              <a:ext uri="{FF2B5EF4-FFF2-40B4-BE49-F238E27FC236}">
+                <a16:creationId xmlns:a16="http://schemas.microsoft.com/office/drawing/2014/main" id="{391B4A6F-7973-C15E-5AFF-60A2EAB6A525}"/>
+              </a:ext>
+            </a:extLst>
+          </p:cNvPr>
+          <p:cNvPicPr>
+            <a:picLocks noChangeAspect="1"/>
+          </p:cNvPicPr>
+          <p:nvPr/>
+        </p:nvPicPr>
+        <p:blipFill>
+          <a:blip r:embed="rId3"/>
+          <a:stretch>
+            <a:fillRect/>
+          </a:stretch>
+        </p:blipFill>
+        <p:spPr>
+          <a:xfrm>
+            <a:off x="2106309" y="2941753"/>
+            <a:ext cx="7979381" cy="2335428"/>
+          </a:xfrm>
+          <a:prstGeom prst="rect">
+            <a:avLst/>
+          </a:prstGeom>
+        </p:spPr>
+      </p:pic>
+      <p:pic>
+        <p:nvPicPr>
+          <p:cNvPr id="6" name="Рисунок 5">
+            <a:extLst>
+              <a:ext uri="{FF2B5EF4-FFF2-40B4-BE49-F238E27FC236}">
+                <a16:creationId xmlns:a16="http://schemas.microsoft.com/office/drawing/2014/main" id="{D3E2CC07-D972-5043-F5C3-4DA8E60EAB56}"/>
+              </a:ext>
+            </a:extLst>
+          </p:cNvPr>
+          <p:cNvPicPr>
+            <a:picLocks noChangeAspect="1"/>
+          </p:cNvPicPr>
+          <p:nvPr/>
+        </p:nvPicPr>
+        <p:blipFill>
+          <a:blip r:embed="rId4"/>
+          <a:stretch>
+            <a:fillRect/>
+          </a:stretch>
+        </p:blipFill>
+        <p:spPr>
+          <a:xfrm>
+            <a:off x="5884984" y="1758995"/>
+            <a:ext cx="5083040" cy="1182758"/>
+          </a:xfrm>
+          <a:prstGeom prst="rect">
+            <a:avLst/>
+          </a:prstGeom>
+        </p:spPr>
+      </p:pic>
+    </p:spTree>
+    <p:extLst>
+      <p:ext uri="{BB962C8B-B14F-4D97-AF65-F5344CB8AC3E}">
+        <p14:creationId xmlns:p14="http://schemas.microsoft.com/office/powerpoint/2010/main" val="709186554"/>
+      </p:ext>
+    </p:extLst>
+  </p:cSld>
+  <p:clrMapOvr>
+    <a:masterClrMapping/>
+  </p:clrMapOvr>
+</p:sld>
+</file>
+
+<file path=ppt/slides/slide5.xml><?xml version="1.0" encoding="utf-8"?>
+<p:sld xmlns:a="http://schemas.openxmlformats.org/drawingml/2006/main" xmlns:r="http://schemas.openxmlformats.org/officeDocument/2006/relationships" xmlns:p="http://schemas.openxmlformats.org/presentationml/2006/main">
+  <p:cSld>
+    <p:spTree>
+      <p:nvGrpSpPr>
+        <p:cNvPr id="1" name=""/>
+        <p:cNvGrpSpPr/>
+        <p:nvPr/>
+      </p:nvGrpSpPr>
+      <p:grpSpPr>
+        <a:xfrm>
+          <a:off x="0" y="0"/>
+          <a:ext cx="0" cy="0"/>
+          <a:chOff x="0" y="0"/>
+          <a:chExt cx="0" cy="0"/>
+        </a:xfrm>
+      </p:grpSpPr>
+      <p:sp>
+        <p:nvSpPr>
+          <p:cNvPr id="2" name="Заголовок 1">
+            <a:extLst>
+              <a:ext uri="{FF2B5EF4-FFF2-40B4-BE49-F238E27FC236}">
+                <a16:creationId xmlns:a16="http://schemas.microsoft.com/office/drawing/2014/main" id="{6C147EBB-2A9B-9C5C-4C91-7B5F13CC1A64}"/>
+              </a:ext>
+            </a:extLst>
+          </p:cNvPr>
+          <p:cNvSpPr>
+            <a:spLocks noGrp="1"/>
+          </p:cNvSpPr>
+          <p:nvPr>
+            <p:ph type="title"/>
+          </p:nvPr>
+        </p:nvSpPr>
+        <p:spPr/>
+        <p:txBody>
+          <a:bodyPr/>
+          <a:lstStyle/>
+          <a:p>
+            <a:r>
+              <a:rPr lang="ru-RU" dirty="0"/>
+              <a:t>Использование</a:t>
+            </a:r>
+          </a:p>
+        </p:txBody>
+      </p:sp>
+      <p:pic>
+        <p:nvPicPr>
+          <p:cNvPr id="6" name="Рисунок 5">
+            <a:extLst>
+              <a:ext uri="{FF2B5EF4-FFF2-40B4-BE49-F238E27FC236}">
+                <a16:creationId xmlns:a16="http://schemas.microsoft.com/office/drawing/2014/main" id="{AEE323C6-8EC2-6E4A-0C03-C35AFD1B6AF5}"/>
+              </a:ext>
+            </a:extLst>
+          </p:cNvPr>
+          <p:cNvPicPr>
+            <a:picLocks noChangeAspect="1"/>
+          </p:cNvPicPr>
+          <p:nvPr/>
+        </p:nvPicPr>
+        <p:blipFill>
+          <a:blip r:embed="rId2"/>
+          <a:stretch>
+            <a:fillRect/>
+          </a:stretch>
+        </p:blipFill>
+        <p:spPr>
+          <a:xfrm>
+            <a:off x="1024876" y="1690688"/>
+            <a:ext cx="10142248" cy="4351338"/>
+          </a:xfrm>
+          <a:prstGeom prst="rect">
+            <a:avLst/>
+          </a:prstGeom>
+        </p:spPr>
+      </p:pic>
+    </p:spTree>
+    <p:extLst>
+      <p:ext uri="{BB962C8B-B14F-4D97-AF65-F5344CB8AC3E}">
+        <p14:creationId xmlns:p14="http://schemas.microsoft.com/office/powerpoint/2010/main" val="3606665906"/>
+      </p:ext>
+    </p:extLst>
+  </p:cSld>
+  <p:clrMapOvr>
+    <a:masterClrMapping/>
+  </p:clrMapOvr>
+</p:sld>
+</file>
+
+<file path=ppt/slides/slide6.xml><?xml version="1.0" encoding="utf-8"?>
+<p:sld xmlns:a="http://schemas.openxmlformats.org/drawingml/2006/main" xmlns:r="http://schemas.openxmlformats.org/officeDocument/2006/relationships" xmlns:p="http://schemas.openxmlformats.org/presentationml/2006/main">
+  <p:cSld>
+    <p:spTree>
+      <p:nvGrpSpPr>
+        <p:cNvPr id="1" name=""/>
+        <p:cNvGrpSpPr/>
+        <p:nvPr/>
+      </p:nvGrpSpPr>
+      <p:grpSpPr>
+        <a:xfrm>
+          <a:off x="0" y="0"/>
+          <a:ext cx="0" cy="0"/>
+          <a:chOff x="0" y="0"/>
+          <a:chExt cx="0" cy="0"/>
+        </a:xfrm>
+      </p:grpSpPr>
       <p:sp>
         <p:nvSpPr>
           <p:cNvPr id="2" name="Заголовок 1">
@@ -3581,125 +4691,7 @@
 </p:sld>
 </file>
 
-<file path=ppt/slides/slide11.xml><?xml version="1.0" encoding="utf-8"?>
-<p:sld xmlns:a="http://schemas.openxmlformats.org/drawingml/2006/main" xmlns:r="http://schemas.openxmlformats.org/officeDocument/2006/relationships" xmlns:p="http://schemas.openxmlformats.org/presentationml/2006/main">
-  <p:cSld>
-    <p:spTree>
-      <p:nvGrpSpPr>
-        <p:cNvPr id="1" name=""/>
-        <p:cNvGrpSpPr/>
-        <p:nvPr/>
-      </p:nvGrpSpPr>
-      <p:grpSpPr>
-        <a:xfrm>
-          <a:off x="0" y="0"/>
-          <a:ext cx="0" cy="0"/>
-          <a:chOff x="0" y="0"/>
-          <a:chExt cx="0" cy="0"/>
-        </a:xfrm>
-      </p:grpSpPr>
-      <p:sp>
-        <p:nvSpPr>
-          <p:cNvPr id="2" name="Заголовок 1">
-            <a:extLst>
-              <a:ext uri="{FF2B5EF4-FFF2-40B4-BE49-F238E27FC236}">
-                <a16:creationId xmlns:a16="http://schemas.microsoft.com/office/drawing/2014/main" id="{3C588BB9-3738-DEE8-2160-D69FA2671E5B}"/>
-              </a:ext>
-            </a:extLst>
-          </p:cNvPr>
-          <p:cNvSpPr>
-            <a:spLocks noGrp="1"/>
-          </p:cNvSpPr>
-          <p:nvPr>
-            <p:ph type="title"/>
-          </p:nvPr>
-        </p:nvSpPr>
-        <p:spPr/>
-        <p:txBody>
-          <a:bodyPr/>
-          <a:lstStyle/>
-          <a:p>
-            <a:r>
-              <a:rPr lang="ru-RU" dirty="0"/>
-              <a:t>Входные данные</a:t>
-            </a:r>
-          </a:p>
-        </p:txBody>
-      </p:sp>
-      <p:pic>
-        <p:nvPicPr>
-          <p:cNvPr id="4" name="Объект 5">
-            <a:extLst>
-              <a:ext uri="{FF2B5EF4-FFF2-40B4-BE49-F238E27FC236}">
-                <a16:creationId xmlns:a16="http://schemas.microsoft.com/office/drawing/2014/main" id="{9F33648D-3695-1C2E-984D-BFCFE8325549}"/>
-              </a:ext>
-            </a:extLst>
-          </p:cNvPr>
-          <p:cNvPicPr>
-            <a:picLocks noChangeAspect="1"/>
-          </p:cNvPicPr>
-          <p:nvPr/>
-        </p:nvPicPr>
-        <p:blipFill>
-          <a:blip r:embed="rId2"/>
-          <a:stretch>
-            <a:fillRect/>
-          </a:stretch>
-        </p:blipFill>
-        <p:spPr>
-          <a:xfrm>
-            <a:off x="398136" y="1690688"/>
-            <a:ext cx="5697864" cy="4351338"/>
-          </a:xfrm>
-          <a:prstGeom prst="rect">
-            <a:avLst/>
-          </a:prstGeom>
-        </p:spPr>
-      </p:pic>
-      <p:pic>
-        <p:nvPicPr>
-          <p:cNvPr id="5" name="Рисунок 4">
-            <a:extLst>
-              <a:ext uri="{FF2B5EF4-FFF2-40B4-BE49-F238E27FC236}">
-                <a16:creationId xmlns:a16="http://schemas.microsoft.com/office/drawing/2014/main" id="{E86EE153-6573-9B9D-4DC4-70FE078F0CAA}"/>
-              </a:ext>
-            </a:extLst>
-          </p:cNvPr>
-          <p:cNvPicPr>
-            <a:picLocks noChangeAspect="1"/>
-          </p:cNvPicPr>
-          <p:nvPr/>
-        </p:nvPicPr>
-        <p:blipFill>
-          <a:blip r:embed="rId3"/>
-          <a:stretch>
-            <a:fillRect/>
-          </a:stretch>
-        </p:blipFill>
-        <p:spPr>
-          <a:xfrm>
-            <a:off x="6096000" y="1690688"/>
-            <a:ext cx="6001588" cy="2362530"/>
-          </a:xfrm>
-          <a:prstGeom prst="rect">
-            <a:avLst/>
-          </a:prstGeom>
-        </p:spPr>
-      </p:pic>
-    </p:spTree>
-    <p:extLst>
-      <p:ext uri="{BB962C8B-B14F-4D97-AF65-F5344CB8AC3E}">
-        <p14:creationId xmlns:p14="http://schemas.microsoft.com/office/powerpoint/2010/main" val="2295279297"/>
-      </p:ext>
-    </p:extLst>
-  </p:cSld>
-  <p:clrMapOvr>
-    <a:masterClrMapping/>
-  </p:clrMapOvr>
-</p:sld>
-</file>
-
-<file path=ppt/slides/slide12.xml><?xml version="1.0" encoding="utf-8"?>
+<file path=ppt/slides/slide7.xml><?xml version="1.0" encoding="utf-8"?>
 <p:sld xmlns:a="http://schemas.openxmlformats.org/drawingml/2006/main" xmlns:r="http://schemas.openxmlformats.org/officeDocument/2006/relationships" xmlns:p="http://schemas.openxmlformats.org/presentationml/2006/main">
   <p:cSld>
     <p:spTree>
@@ -3787,1179 +4779,6 @@
 </p:sld>
 </file>
 
-<file path=ppt/slides/slide13.xml><?xml version="1.0" encoding="utf-8"?>
-<p:sld xmlns:a="http://schemas.openxmlformats.org/drawingml/2006/main" xmlns:r="http://schemas.openxmlformats.org/officeDocument/2006/relationships" xmlns:p="http://schemas.openxmlformats.org/presentationml/2006/main">
-  <p:cSld>
-    <p:spTree>
-      <p:nvGrpSpPr>
-        <p:cNvPr id="1" name=""/>
-        <p:cNvGrpSpPr/>
-        <p:nvPr/>
-      </p:nvGrpSpPr>
-      <p:grpSpPr>
-        <a:xfrm>
-          <a:off x="0" y="0"/>
-          <a:ext cx="0" cy="0"/>
-          <a:chOff x="0" y="0"/>
-          <a:chExt cx="0" cy="0"/>
-        </a:xfrm>
-      </p:grpSpPr>
-      <p:sp>
-        <p:nvSpPr>
-          <p:cNvPr id="2" name="Заголовок 1">
-            <a:extLst>
-              <a:ext uri="{FF2B5EF4-FFF2-40B4-BE49-F238E27FC236}">
-                <a16:creationId xmlns:a16="http://schemas.microsoft.com/office/drawing/2014/main" id="{26FD2397-334B-3912-A838-243FC2C763E8}"/>
-              </a:ext>
-            </a:extLst>
-          </p:cNvPr>
-          <p:cNvSpPr>
-            <a:spLocks noGrp="1"/>
-          </p:cNvSpPr>
-          <p:nvPr>
-            <p:ph type="title"/>
-          </p:nvPr>
-        </p:nvSpPr>
-        <p:spPr/>
-        <p:txBody>
-          <a:bodyPr/>
-          <a:lstStyle/>
-          <a:p>
-            <a:r>
-              <a:rPr lang="ru-RU" dirty="0"/>
-              <a:t>Анализ результатов</a:t>
-            </a:r>
-          </a:p>
-        </p:txBody>
-      </p:sp>
-      <p:pic>
-        <p:nvPicPr>
-          <p:cNvPr id="5" name="Рисунок 4">
-            <a:extLst>
-              <a:ext uri="{FF2B5EF4-FFF2-40B4-BE49-F238E27FC236}">
-                <a16:creationId xmlns:a16="http://schemas.microsoft.com/office/drawing/2014/main" id="{BB0C930D-585F-7284-F74A-D5F9A8C76C44}"/>
-              </a:ext>
-            </a:extLst>
-          </p:cNvPr>
-          <p:cNvPicPr>
-            <a:picLocks noChangeAspect="1"/>
-          </p:cNvPicPr>
-          <p:nvPr/>
-        </p:nvPicPr>
-        <p:blipFill>
-          <a:blip r:embed="rId2"/>
-          <a:stretch>
-            <a:fillRect/>
-          </a:stretch>
-        </p:blipFill>
-        <p:spPr>
-          <a:xfrm>
-            <a:off x="1525979" y="1690688"/>
-            <a:ext cx="9140042" cy="4675637"/>
-          </a:xfrm>
-          <a:prstGeom prst="rect">
-            <a:avLst/>
-          </a:prstGeom>
-        </p:spPr>
-      </p:pic>
-    </p:spTree>
-    <p:extLst>
-      <p:ext uri="{BB962C8B-B14F-4D97-AF65-F5344CB8AC3E}">
-        <p14:creationId xmlns:p14="http://schemas.microsoft.com/office/powerpoint/2010/main" val="1832665835"/>
-      </p:ext>
-    </p:extLst>
-  </p:cSld>
-  <p:clrMapOvr>
-    <a:masterClrMapping/>
-  </p:clrMapOvr>
-</p:sld>
-</file>
-
-<file path=ppt/slides/slide14.xml><?xml version="1.0" encoding="utf-8"?>
-<p:sld xmlns:a="http://schemas.openxmlformats.org/drawingml/2006/main" xmlns:r="http://schemas.openxmlformats.org/officeDocument/2006/relationships" xmlns:p="http://schemas.openxmlformats.org/presentationml/2006/main">
-  <p:cSld>
-    <p:spTree>
-      <p:nvGrpSpPr>
-        <p:cNvPr id="1" name=""/>
-        <p:cNvGrpSpPr/>
-        <p:nvPr/>
-      </p:nvGrpSpPr>
-      <p:grpSpPr>
-        <a:xfrm>
-          <a:off x="0" y="0"/>
-          <a:ext cx="0" cy="0"/>
-          <a:chOff x="0" y="0"/>
-          <a:chExt cx="0" cy="0"/>
-        </a:xfrm>
-      </p:grpSpPr>
-      <p:sp>
-        <p:nvSpPr>
-          <p:cNvPr id="2" name="Заголовок 1">
-            <a:extLst>
-              <a:ext uri="{FF2B5EF4-FFF2-40B4-BE49-F238E27FC236}">
-                <a16:creationId xmlns:a16="http://schemas.microsoft.com/office/drawing/2014/main" id="{671026CD-5492-C48B-2FFD-4DAE39D864AA}"/>
-              </a:ext>
-            </a:extLst>
-          </p:cNvPr>
-          <p:cNvSpPr>
-            <a:spLocks noGrp="1"/>
-          </p:cNvSpPr>
-          <p:nvPr>
-            <p:ph type="title"/>
-          </p:nvPr>
-        </p:nvSpPr>
-        <p:spPr/>
-        <p:txBody>
-          <a:bodyPr/>
-          <a:lstStyle/>
-          <a:p>
-            <a:r>
-              <a:rPr lang="ru-RU" dirty="0"/>
-              <a:t>Анализ результатов</a:t>
-            </a:r>
-          </a:p>
-        </p:txBody>
-      </p:sp>
-      <p:pic>
-        <p:nvPicPr>
-          <p:cNvPr id="9" name="Объект 8">
-            <a:extLst>
-              <a:ext uri="{FF2B5EF4-FFF2-40B4-BE49-F238E27FC236}">
-                <a16:creationId xmlns:a16="http://schemas.microsoft.com/office/drawing/2014/main" id="{4F10C67E-F109-4C47-8926-80B1E78C9B4A}"/>
-              </a:ext>
-            </a:extLst>
-          </p:cNvPr>
-          <p:cNvPicPr>
-            <a:picLocks noGrp="1" noChangeAspect="1"/>
-          </p:cNvPicPr>
-          <p:nvPr>
-            <p:ph idx="1"/>
-          </p:nvPr>
-        </p:nvPicPr>
-        <p:blipFill>
-          <a:blip r:embed="rId2">
-            <a:extLst>
-              <a:ext uri="{28A0092B-C50C-407E-A947-70E740481C1C}">
-                <a14:useLocalDpi xmlns:a14="http://schemas.microsoft.com/office/drawing/2010/main" val="0"/>
-              </a:ext>
-            </a:extLst>
-          </a:blip>
-          <a:stretch>
-            <a:fillRect/>
-          </a:stretch>
-        </p:blipFill>
-        <p:spPr>
-          <a:xfrm>
-            <a:off x="700572" y="1592421"/>
-            <a:ext cx="5395428" cy="3673158"/>
-          </a:xfrm>
-        </p:spPr>
-      </p:pic>
-      <p:pic>
-        <p:nvPicPr>
-          <p:cNvPr id="13" name="Рисунок 12">
-            <a:extLst>
-              <a:ext uri="{FF2B5EF4-FFF2-40B4-BE49-F238E27FC236}">
-                <a16:creationId xmlns:a16="http://schemas.microsoft.com/office/drawing/2014/main" id="{9B7A1E1E-B2AA-F0F8-C6D4-CABFD2720D57}"/>
-              </a:ext>
-            </a:extLst>
-          </p:cNvPr>
-          <p:cNvPicPr>
-            <a:picLocks noChangeAspect="1"/>
-          </p:cNvPicPr>
-          <p:nvPr/>
-        </p:nvPicPr>
-        <p:blipFill>
-          <a:blip r:embed="rId3">
-            <a:extLst>
-              <a:ext uri="{28A0092B-C50C-407E-A947-70E740481C1C}">
-                <a14:useLocalDpi xmlns:a14="http://schemas.microsoft.com/office/drawing/2010/main" val="0"/>
-              </a:ext>
-            </a:extLst>
-          </a:blip>
-          <a:stretch>
-            <a:fillRect/>
-          </a:stretch>
-        </p:blipFill>
-        <p:spPr>
-          <a:xfrm>
-            <a:off x="6096000" y="2259386"/>
-            <a:ext cx="5993914" cy="2339228"/>
-          </a:xfrm>
-          <a:prstGeom prst="rect">
-            <a:avLst/>
-          </a:prstGeom>
-        </p:spPr>
-      </p:pic>
-    </p:spTree>
-    <p:extLst>
-      <p:ext uri="{BB962C8B-B14F-4D97-AF65-F5344CB8AC3E}">
-        <p14:creationId xmlns:p14="http://schemas.microsoft.com/office/powerpoint/2010/main" val="1641986736"/>
-      </p:ext>
-    </p:extLst>
-  </p:cSld>
-  <p:clrMapOvr>
-    <a:masterClrMapping/>
-  </p:clrMapOvr>
-</p:sld>
-</file>
-
-<file path=ppt/slides/slide15.xml><?xml version="1.0" encoding="utf-8"?>
-<p:sld xmlns:a="http://schemas.openxmlformats.org/drawingml/2006/main" xmlns:r="http://schemas.openxmlformats.org/officeDocument/2006/relationships" xmlns:p="http://schemas.openxmlformats.org/presentationml/2006/main">
-  <p:cSld>
-    <p:spTree>
-      <p:nvGrpSpPr>
-        <p:cNvPr id="1" name=""/>
-        <p:cNvGrpSpPr/>
-        <p:nvPr/>
-      </p:nvGrpSpPr>
-      <p:grpSpPr>
-        <a:xfrm>
-          <a:off x="0" y="0"/>
-          <a:ext cx="0" cy="0"/>
-          <a:chOff x="0" y="0"/>
-          <a:chExt cx="0" cy="0"/>
-        </a:xfrm>
-      </p:grpSpPr>
-      <p:sp>
-        <p:nvSpPr>
-          <p:cNvPr id="2" name="Заголовок 1">
-            <a:extLst>
-              <a:ext uri="{FF2B5EF4-FFF2-40B4-BE49-F238E27FC236}">
-                <a16:creationId xmlns:a16="http://schemas.microsoft.com/office/drawing/2014/main" id="{BC2B1F72-7EA4-68E6-3042-1E868C47D93E}"/>
-              </a:ext>
-            </a:extLst>
-          </p:cNvPr>
-          <p:cNvSpPr>
-            <a:spLocks noGrp="1"/>
-          </p:cNvSpPr>
-          <p:nvPr>
-            <p:ph type="title"/>
-          </p:nvPr>
-        </p:nvSpPr>
-        <p:spPr/>
-        <p:txBody>
-          <a:bodyPr/>
-          <a:lstStyle/>
-          <a:p>
-            <a:r>
-              <a:rPr lang="ru-RU" dirty="0"/>
-              <a:t>Анализ результатов</a:t>
-            </a:r>
-          </a:p>
-        </p:txBody>
-      </p:sp>
-      <p:pic>
-        <p:nvPicPr>
-          <p:cNvPr id="4" name="Объект 4">
-            <a:extLst>
-              <a:ext uri="{FF2B5EF4-FFF2-40B4-BE49-F238E27FC236}">
-                <a16:creationId xmlns:a16="http://schemas.microsoft.com/office/drawing/2014/main" id="{D2DF7A3F-6B4E-945F-A9CE-58F71302FDC9}"/>
-              </a:ext>
-            </a:extLst>
-          </p:cNvPr>
-          <p:cNvPicPr>
-            <a:picLocks noGrp="1" noChangeAspect="1"/>
-          </p:cNvPicPr>
-          <p:nvPr>
-            <p:ph idx="1"/>
-          </p:nvPr>
-        </p:nvPicPr>
-        <p:blipFill rotWithShape="1">
-          <a:blip r:embed="rId2">
-            <a:extLst>
-              <a:ext uri="{28A0092B-C50C-407E-A947-70E740481C1C}">
-                <a14:useLocalDpi xmlns:a14="http://schemas.microsoft.com/office/drawing/2010/main" val="0"/>
-              </a:ext>
-            </a:extLst>
-          </a:blip>
-          <a:srcRect l="8922" t="8843" r="8783" b="2860"/>
-          <a:stretch/>
-        </p:blipFill>
-        <p:spPr>
-          <a:xfrm>
-            <a:off x="838200" y="1690688"/>
-            <a:ext cx="4258088" cy="2296246"/>
-          </a:xfrm>
-        </p:spPr>
-      </p:pic>
-      <p:pic>
-        <p:nvPicPr>
-          <p:cNvPr id="6" name="Рисунок 5">
-            <a:extLst>
-              <a:ext uri="{FF2B5EF4-FFF2-40B4-BE49-F238E27FC236}">
-                <a16:creationId xmlns:a16="http://schemas.microsoft.com/office/drawing/2014/main" id="{C2534A14-7A02-9352-79B3-E6B303D3B219}"/>
-              </a:ext>
-            </a:extLst>
-          </p:cNvPr>
-          <p:cNvPicPr>
-            <a:picLocks noChangeAspect="1"/>
-          </p:cNvPicPr>
-          <p:nvPr/>
-        </p:nvPicPr>
-        <p:blipFill rotWithShape="1">
-          <a:blip r:embed="rId3">
-            <a:extLst>
-              <a:ext uri="{28A0092B-C50C-407E-A947-70E740481C1C}">
-                <a14:useLocalDpi xmlns:a14="http://schemas.microsoft.com/office/drawing/2010/main" val="0"/>
-              </a:ext>
-            </a:extLst>
-          </a:blip>
-          <a:srcRect l="7514" t="8579" r="7797" b="3772"/>
-          <a:stretch/>
-        </p:blipFill>
-        <p:spPr>
-          <a:xfrm>
-            <a:off x="6864654" y="1699594"/>
-            <a:ext cx="4414489" cy="2296246"/>
-          </a:xfrm>
-          <a:prstGeom prst="rect">
-            <a:avLst/>
-          </a:prstGeom>
-        </p:spPr>
-      </p:pic>
-      <p:pic>
-        <p:nvPicPr>
-          <p:cNvPr id="8" name="Рисунок 7">
-            <a:extLst>
-              <a:ext uri="{FF2B5EF4-FFF2-40B4-BE49-F238E27FC236}">
-                <a16:creationId xmlns:a16="http://schemas.microsoft.com/office/drawing/2014/main" id="{59E23D72-39D4-822C-D68B-F2A062CD9A95}"/>
-              </a:ext>
-            </a:extLst>
-          </p:cNvPr>
-          <p:cNvPicPr>
-            <a:picLocks noChangeAspect="1"/>
-          </p:cNvPicPr>
-          <p:nvPr/>
-        </p:nvPicPr>
-        <p:blipFill rotWithShape="1">
-          <a:blip r:embed="rId4">
-            <a:extLst>
-              <a:ext uri="{28A0092B-C50C-407E-A947-70E740481C1C}">
-                <a14:useLocalDpi xmlns:a14="http://schemas.microsoft.com/office/drawing/2010/main" val="0"/>
-              </a:ext>
-            </a:extLst>
-          </a:blip>
-          <a:srcRect l="9058" t="10708" r="9611" b="4797"/>
-          <a:stretch/>
-        </p:blipFill>
-        <p:spPr>
-          <a:xfrm>
-            <a:off x="838200" y="4186576"/>
-            <a:ext cx="4397627" cy="2296246"/>
-          </a:xfrm>
-          <a:prstGeom prst="rect">
-            <a:avLst/>
-          </a:prstGeom>
-        </p:spPr>
-      </p:pic>
-      <p:pic>
-        <p:nvPicPr>
-          <p:cNvPr id="10" name="Рисунок 9">
-            <a:extLst>
-              <a:ext uri="{FF2B5EF4-FFF2-40B4-BE49-F238E27FC236}">
-                <a16:creationId xmlns:a16="http://schemas.microsoft.com/office/drawing/2014/main" id="{BC3F6882-A2B6-509A-EADA-7C58BA5FA3DE}"/>
-              </a:ext>
-            </a:extLst>
-          </p:cNvPr>
-          <p:cNvPicPr>
-            <a:picLocks noChangeAspect="1"/>
-          </p:cNvPicPr>
-          <p:nvPr/>
-        </p:nvPicPr>
-        <p:blipFill rotWithShape="1">
-          <a:blip r:embed="rId5">
-            <a:extLst>
-              <a:ext uri="{28A0092B-C50C-407E-A947-70E740481C1C}">
-                <a14:useLocalDpi xmlns:a14="http://schemas.microsoft.com/office/drawing/2010/main" val="0"/>
-              </a:ext>
-            </a:extLst>
-          </a:blip>
-          <a:srcRect l="8962" t="11095" r="9610" b="4797"/>
-          <a:stretch/>
-        </p:blipFill>
-        <p:spPr>
-          <a:xfrm>
-            <a:off x="6836594" y="4186576"/>
-            <a:ext cx="4442549" cy="2306299"/>
-          </a:xfrm>
-          <a:prstGeom prst="rect">
-            <a:avLst/>
-          </a:prstGeom>
-        </p:spPr>
-      </p:pic>
-    </p:spTree>
-    <p:extLst>
-      <p:ext uri="{BB962C8B-B14F-4D97-AF65-F5344CB8AC3E}">
-        <p14:creationId xmlns:p14="http://schemas.microsoft.com/office/powerpoint/2010/main" val="1770701558"/>
-      </p:ext>
-    </p:extLst>
-  </p:cSld>
-  <p:clrMapOvr>
-    <a:masterClrMapping/>
-  </p:clrMapOvr>
-</p:sld>
-</file>
-
-<file path=ppt/slides/slide16.xml><?xml version="1.0" encoding="utf-8"?>
-<p:sld xmlns:a="http://schemas.openxmlformats.org/drawingml/2006/main" xmlns:r="http://schemas.openxmlformats.org/officeDocument/2006/relationships" xmlns:p="http://schemas.openxmlformats.org/presentationml/2006/main">
-  <p:cSld>
-    <p:spTree>
-      <p:nvGrpSpPr>
-        <p:cNvPr id="1" name=""/>
-        <p:cNvGrpSpPr/>
-        <p:nvPr/>
-      </p:nvGrpSpPr>
-      <p:grpSpPr>
-        <a:xfrm>
-          <a:off x="0" y="0"/>
-          <a:ext cx="0" cy="0"/>
-          <a:chOff x="0" y="0"/>
-          <a:chExt cx="0" cy="0"/>
-        </a:xfrm>
-      </p:grpSpPr>
-      <p:sp>
-        <p:nvSpPr>
-          <p:cNvPr id="2" name="Заголовок 1">
-            <a:extLst>
-              <a:ext uri="{FF2B5EF4-FFF2-40B4-BE49-F238E27FC236}">
-                <a16:creationId xmlns:a16="http://schemas.microsoft.com/office/drawing/2014/main" id="{B22F2EAC-507F-84EE-7B08-EDD258EBC1D5}"/>
-              </a:ext>
-            </a:extLst>
-          </p:cNvPr>
-          <p:cNvSpPr>
-            <a:spLocks noGrp="1"/>
-          </p:cNvSpPr>
-          <p:nvPr>
-            <p:ph type="title"/>
-          </p:nvPr>
-        </p:nvSpPr>
-        <p:spPr/>
-        <p:txBody>
-          <a:bodyPr/>
-          <a:lstStyle/>
-          <a:p>
-            <a:r>
-              <a:rPr lang="ru-RU" dirty="0"/>
-              <a:t>Спасибо за внимание</a:t>
-            </a:r>
-          </a:p>
-        </p:txBody>
-      </p:sp>
-    </p:spTree>
-    <p:extLst>
-      <p:ext uri="{BB962C8B-B14F-4D97-AF65-F5344CB8AC3E}">
-        <p14:creationId xmlns:p14="http://schemas.microsoft.com/office/powerpoint/2010/main" val="2695260135"/>
-      </p:ext>
-    </p:extLst>
-  </p:cSld>
-  <p:clrMapOvr>
-    <a:masterClrMapping/>
-  </p:clrMapOvr>
-</p:sld>
-</file>
-
-<file path=ppt/slides/slide2.xml><?xml version="1.0" encoding="utf-8"?>
-<p:sld xmlns:a="http://schemas.openxmlformats.org/drawingml/2006/main" xmlns:r="http://schemas.openxmlformats.org/officeDocument/2006/relationships" xmlns:p="http://schemas.openxmlformats.org/presentationml/2006/main">
-  <p:cSld>
-    <p:spTree>
-      <p:nvGrpSpPr>
-        <p:cNvPr id="1" name=""/>
-        <p:cNvGrpSpPr/>
-        <p:nvPr/>
-      </p:nvGrpSpPr>
-      <p:grpSpPr>
-        <a:xfrm>
-          <a:off x="0" y="0"/>
-          <a:ext cx="0" cy="0"/>
-          <a:chOff x="0" y="0"/>
-          <a:chExt cx="0" cy="0"/>
-        </a:xfrm>
-      </p:grpSpPr>
-      <p:sp>
-        <p:nvSpPr>
-          <p:cNvPr id="2" name="Заголовок 1">
-            <a:extLst>
-              <a:ext uri="{FF2B5EF4-FFF2-40B4-BE49-F238E27FC236}">
-                <a16:creationId xmlns:a16="http://schemas.microsoft.com/office/drawing/2014/main" id="{1D31D0D2-E06E-C28F-5933-AEC8D0E5D080}"/>
-              </a:ext>
-            </a:extLst>
-          </p:cNvPr>
-          <p:cNvSpPr>
-            <a:spLocks noGrp="1"/>
-          </p:cNvSpPr>
-          <p:nvPr>
-            <p:ph type="title"/>
-          </p:nvPr>
-        </p:nvSpPr>
-        <p:spPr/>
-        <p:txBody>
-          <a:bodyPr/>
-          <a:lstStyle/>
-          <a:p>
-            <a:r>
-              <a:rPr lang="ru-RU" dirty="0"/>
-              <a:t>Актуальность</a:t>
-            </a:r>
-          </a:p>
-        </p:txBody>
-      </p:sp>
-      <p:sp>
-        <p:nvSpPr>
-          <p:cNvPr id="3" name="Объект 2">
-            <a:extLst>
-              <a:ext uri="{FF2B5EF4-FFF2-40B4-BE49-F238E27FC236}">
-                <a16:creationId xmlns:a16="http://schemas.microsoft.com/office/drawing/2014/main" id="{7A63F2A0-01DE-422F-510F-652DC9B1D75A}"/>
-              </a:ext>
-            </a:extLst>
-          </p:cNvPr>
-          <p:cNvSpPr>
-            <a:spLocks noGrp="1"/>
-          </p:cNvSpPr>
-          <p:nvPr>
-            <p:ph idx="1"/>
-          </p:nvPr>
-        </p:nvSpPr>
-        <p:spPr/>
-        <p:txBody>
-          <a:bodyPr/>
-          <a:lstStyle/>
-          <a:p>
-            <a:endParaRPr lang="ru-RU"/>
-          </a:p>
-        </p:txBody>
-      </p:sp>
-    </p:spTree>
-    <p:extLst>
-      <p:ext uri="{BB962C8B-B14F-4D97-AF65-F5344CB8AC3E}">
-        <p14:creationId xmlns:p14="http://schemas.microsoft.com/office/powerpoint/2010/main" val="4042108325"/>
-      </p:ext>
-    </p:extLst>
-  </p:cSld>
-  <p:clrMapOvr>
-    <a:masterClrMapping/>
-  </p:clrMapOvr>
-</p:sld>
-</file>
-
-<file path=ppt/slides/slide3.xml><?xml version="1.0" encoding="utf-8"?>
-<p:sld xmlns:a="http://schemas.openxmlformats.org/drawingml/2006/main" xmlns:r="http://schemas.openxmlformats.org/officeDocument/2006/relationships" xmlns:p="http://schemas.openxmlformats.org/presentationml/2006/main">
-  <p:cSld>
-    <p:spTree>
-      <p:nvGrpSpPr>
-        <p:cNvPr id="1" name=""/>
-        <p:cNvGrpSpPr/>
-        <p:nvPr/>
-      </p:nvGrpSpPr>
-      <p:grpSpPr>
-        <a:xfrm>
-          <a:off x="0" y="0"/>
-          <a:ext cx="0" cy="0"/>
-          <a:chOff x="0" y="0"/>
-          <a:chExt cx="0" cy="0"/>
-        </a:xfrm>
-      </p:grpSpPr>
-      <p:sp>
-        <p:nvSpPr>
-          <p:cNvPr id="2" name="Заголовок 1">
-            <a:extLst>
-              <a:ext uri="{FF2B5EF4-FFF2-40B4-BE49-F238E27FC236}">
-                <a16:creationId xmlns:a16="http://schemas.microsoft.com/office/drawing/2014/main" id="{49E7EB47-3F06-7A5E-0B73-9A8CEC8D88A0}"/>
-              </a:ext>
-            </a:extLst>
-          </p:cNvPr>
-          <p:cNvSpPr>
-            <a:spLocks noGrp="1"/>
-          </p:cNvSpPr>
-          <p:nvPr>
-            <p:ph type="title"/>
-          </p:nvPr>
-        </p:nvSpPr>
-        <p:spPr/>
-        <p:txBody>
-          <a:bodyPr/>
-          <a:lstStyle/>
-          <a:p>
-            <a:r>
-              <a:rPr lang="ru-RU" dirty="0"/>
-              <a:t>Цель</a:t>
-            </a:r>
-          </a:p>
-        </p:txBody>
-      </p:sp>
-      <p:sp>
-        <p:nvSpPr>
-          <p:cNvPr id="3" name="Объект 2">
-            <a:extLst>
-              <a:ext uri="{FF2B5EF4-FFF2-40B4-BE49-F238E27FC236}">
-                <a16:creationId xmlns:a16="http://schemas.microsoft.com/office/drawing/2014/main" id="{E4379BAC-0C57-956D-1016-E6628C2EE48B}"/>
-              </a:ext>
-            </a:extLst>
-          </p:cNvPr>
-          <p:cNvSpPr>
-            <a:spLocks noGrp="1"/>
-          </p:cNvSpPr>
-          <p:nvPr>
-            <p:ph idx="1"/>
-          </p:nvPr>
-        </p:nvSpPr>
-        <p:spPr/>
-        <p:txBody>
-          <a:bodyPr/>
-          <a:lstStyle/>
-          <a:p>
-            <a:endParaRPr lang="ru-RU"/>
-          </a:p>
-        </p:txBody>
-      </p:sp>
-    </p:spTree>
-    <p:extLst>
-      <p:ext uri="{BB962C8B-B14F-4D97-AF65-F5344CB8AC3E}">
-        <p14:creationId xmlns:p14="http://schemas.microsoft.com/office/powerpoint/2010/main" val="1064601681"/>
-      </p:ext>
-    </p:extLst>
-  </p:cSld>
-  <p:clrMapOvr>
-    <a:masterClrMapping/>
-  </p:clrMapOvr>
-</p:sld>
-</file>
-
-<file path=ppt/slides/slide4.xml><?xml version="1.0" encoding="utf-8"?>
-<p:sld xmlns:a="http://schemas.openxmlformats.org/drawingml/2006/main" xmlns:r="http://schemas.openxmlformats.org/officeDocument/2006/relationships" xmlns:p="http://schemas.openxmlformats.org/presentationml/2006/main">
-  <p:cSld>
-    <p:spTree>
-      <p:nvGrpSpPr>
-        <p:cNvPr id="1" name=""/>
-        <p:cNvGrpSpPr/>
-        <p:nvPr/>
-      </p:nvGrpSpPr>
-      <p:grpSpPr>
-        <a:xfrm>
-          <a:off x="0" y="0"/>
-          <a:ext cx="0" cy="0"/>
-          <a:chOff x="0" y="0"/>
-          <a:chExt cx="0" cy="0"/>
-        </a:xfrm>
-      </p:grpSpPr>
-      <p:sp>
-        <p:nvSpPr>
-          <p:cNvPr id="2" name="Заголовок 1">
-            <a:extLst>
-              <a:ext uri="{FF2B5EF4-FFF2-40B4-BE49-F238E27FC236}">
-                <a16:creationId xmlns:a16="http://schemas.microsoft.com/office/drawing/2014/main" id="{3CED2E00-D5FD-C257-0175-41260F54FCFF}"/>
-              </a:ext>
-            </a:extLst>
-          </p:cNvPr>
-          <p:cNvSpPr>
-            <a:spLocks noGrp="1"/>
-          </p:cNvSpPr>
-          <p:nvPr>
-            <p:ph type="title"/>
-          </p:nvPr>
-        </p:nvSpPr>
-        <p:spPr/>
-        <p:txBody>
-          <a:bodyPr/>
-          <a:lstStyle/>
-          <a:p>
-            <a:r>
-              <a:rPr lang="en-US" dirty="0"/>
-              <a:t>Galileo</a:t>
-            </a:r>
-            <a:endParaRPr lang="ru-RU" dirty="0"/>
-          </a:p>
-        </p:txBody>
-      </p:sp>
-      <p:sp>
-        <p:nvSpPr>
-          <p:cNvPr id="3" name="Объект 2">
-            <a:extLst>
-              <a:ext uri="{FF2B5EF4-FFF2-40B4-BE49-F238E27FC236}">
-                <a16:creationId xmlns:a16="http://schemas.microsoft.com/office/drawing/2014/main" id="{4AF93D9E-03A0-5EAD-298E-EE0EEC8BA1F3}"/>
-              </a:ext>
-            </a:extLst>
-          </p:cNvPr>
-          <p:cNvSpPr>
-            <a:spLocks noGrp="1"/>
-          </p:cNvSpPr>
-          <p:nvPr>
-            <p:ph idx="1"/>
-          </p:nvPr>
-        </p:nvSpPr>
-        <p:spPr/>
-        <p:txBody>
-          <a:bodyPr/>
-          <a:lstStyle/>
-          <a:p>
-            <a:r>
-              <a:rPr lang="ru-RU" dirty="0"/>
-              <a:t>Есть разные системы ГНСС</a:t>
-            </a:r>
-          </a:p>
-          <a:p>
-            <a:r>
-              <a:rPr lang="en-US" dirty="0"/>
-              <a:t>Galileo – </a:t>
-            </a:r>
-            <a:r>
-              <a:rPr lang="ru-RU" dirty="0"/>
-              <a:t>новая европейская ГНСС</a:t>
-            </a:r>
-          </a:p>
-        </p:txBody>
-      </p:sp>
-    </p:spTree>
-    <p:extLst>
-      <p:ext uri="{BB962C8B-B14F-4D97-AF65-F5344CB8AC3E}">
-        <p14:creationId xmlns:p14="http://schemas.microsoft.com/office/powerpoint/2010/main" val="1172295032"/>
-      </p:ext>
-    </p:extLst>
-  </p:cSld>
-  <p:clrMapOvr>
-    <a:masterClrMapping/>
-  </p:clrMapOvr>
-</p:sld>
-</file>
-
-<file path=ppt/slides/slide5.xml><?xml version="1.0" encoding="utf-8"?>
-<p:sld xmlns:a="http://schemas.openxmlformats.org/drawingml/2006/main" xmlns:r="http://schemas.openxmlformats.org/officeDocument/2006/relationships" xmlns:p="http://schemas.openxmlformats.org/presentationml/2006/main">
-  <p:cSld>
-    <p:spTree>
-      <p:nvGrpSpPr>
-        <p:cNvPr id="1" name=""/>
-        <p:cNvGrpSpPr/>
-        <p:nvPr/>
-      </p:nvGrpSpPr>
-      <p:grpSpPr>
-        <a:xfrm>
-          <a:off x="0" y="0"/>
-          <a:ext cx="0" cy="0"/>
-          <a:chOff x="0" y="0"/>
-          <a:chExt cx="0" cy="0"/>
-        </a:xfrm>
-      </p:grpSpPr>
-      <p:sp>
-        <p:nvSpPr>
-          <p:cNvPr id="2" name="Заголовок 1">
-            <a:extLst>
-              <a:ext uri="{FF2B5EF4-FFF2-40B4-BE49-F238E27FC236}">
-                <a16:creationId xmlns:a16="http://schemas.microsoft.com/office/drawing/2014/main" id="{9D8FCC93-F9C6-071E-42E2-FF8357872D8A}"/>
-              </a:ext>
-            </a:extLst>
-          </p:cNvPr>
-          <p:cNvSpPr>
-            <a:spLocks noGrp="1"/>
-          </p:cNvSpPr>
-          <p:nvPr>
-            <p:ph type="title"/>
-          </p:nvPr>
-        </p:nvSpPr>
-        <p:spPr/>
-        <p:txBody>
-          <a:bodyPr/>
-          <a:lstStyle/>
-          <a:p>
-            <a:r>
-              <a:rPr lang="ru-RU" dirty="0"/>
-              <a:t>Ионосфера</a:t>
-            </a:r>
-          </a:p>
-        </p:txBody>
-      </p:sp>
-      <p:sp>
-        <p:nvSpPr>
-          <p:cNvPr id="3" name="Объект 2">
-            <a:extLst>
-              <a:ext uri="{FF2B5EF4-FFF2-40B4-BE49-F238E27FC236}">
-                <a16:creationId xmlns:a16="http://schemas.microsoft.com/office/drawing/2014/main" id="{EA5DA5A0-E611-2CB3-334B-AEA8A3DA6D73}"/>
-              </a:ext>
-            </a:extLst>
-          </p:cNvPr>
-          <p:cNvSpPr>
-            <a:spLocks noGrp="1"/>
-          </p:cNvSpPr>
-          <p:nvPr>
-            <p:ph idx="1"/>
-          </p:nvPr>
-        </p:nvSpPr>
-        <p:spPr/>
-        <p:txBody>
-          <a:bodyPr/>
-          <a:lstStyle/>
-          <a:p>
-            <a:r>
-              <a:rPr lang="ru-RU" dirty="0"/>
-              <a:t>Что такое</a:t>
-            </a:r>
-          </a:p>
-          <a:p>
-            <a:r>
-              <a:rPr lang="ru-RU" dirty="0"/>
-              <a:t>Где находится</a:t>
-            </a:r>
-          </a:p>
-          <a:p>
-            <a:r>
-              <a:rPr lang="ru-RU" dirty="0"/>
-              <a:t>Ионные </a:t>
-            </a:r>
-            <a:r>
-              <a:rPr lang="ru-RU" dirty="0" err="1"/>
-              <a:t>газы</a:t>
-            </a:r>
-            <a:endParaRPr lang="ru-RU" dirty="0"/>
-          </a:p>
-          <a:p>
-            <a:r>
-              <a:rPr lang="ru-RU" dirty="0"/>
-              <a:t>Солнечная активность</a:t>
-            </a:r>
-          </a:p>
-          <a:p>
-            <a:pPr marL="0" indent="0">
-              <a:buNone/>
-            </a:pPr>
-            <a:endParaRPr lang="ru-RU" dirty="0"/>
-          </a:p>
-        </p:txBody>
-      </p:sp>
-      <p:pic>
-        <p:nvPicPr>
-          <p:cNvPr id="5" name="Рисунок 4">
-            <a:extLst>
-              <a:ext uri="{FF2B5EF4-FFF2-40B4-BE49-F238E27FC236}">
-                <a16:creationId xmlns:a16="http://schemas.microsoft.com/office/drawing/2014/main" id="{9EFFEC55-7DAA-9061-5256-5AED5359405B}"/>
-              </a:ext>
-            </a:extLst>
-          </p:cNvPr>
-          <p:cNvPicPr>
-            <a:picLocks noChangeAspect="1"/>
-          </p:cNvPicPr>
-          <p:nvPr/>
-        </p:nvPicPr>
-        <p:blipFill>
-          <a:blip r:embed="rId2">
-            <a:extLst>
-              <a:ext uri="{28A0092B-C50C-407E-A947-70E740481C1C}">
-                <a14:useLocalDpi xmlns:a14="http://schemas.microsoft.com/office/drawing/2010/main" val="0"/>
-              </a:ext>
-            </a:extLst>
-          </a:blip>
-          <a:stretch>
-            <a:fillRect/>
-          </a:stretch>
-        </p:blipFill>
-        <p:spPr>
-          <a:xfrm>
-            <a:off x="209556" y="4172332"/>
-            <a:ext cx="11772888" cy="2320543"/>
-          </a:xfrm>
-          <a:prstGeom prst="rect">
-            <a:avLst/>
-          </a:prstGeom>
-        </p:spPr>
-      </p:pic>
-    </p:spTree>
-    <p:extLst>
-      <p:ext uri="{BB962C8B-B14F-4D97-AF65-F5344CB8AC3E}">
-        <p14:creationId xmlns:p14="http://schemas.microsoft.com/office/powerpoint/2010/main" val="1194330264"/>
-      </p:ext>
-    </p:extLst>
-  </p:cSld>
-  <p:clrMapOvr>
-    <a:masterClrMapping/>
-  </p:clrMapOvr>
-</p:sld>
-</file>
-
-<file path=ppt/slides/slide6.xml><?xml version="1.0" encoding="utf-8"?>
-<p:sld xmlns:a="http://schemas.openxmlformats.org/drawingml/2006/main" xmlns:r="http://schemas.openxmlformats.org/officeDocument/2006/relationships" xmlns:p="http://schemas.openxmlformats.org/presentationml/2006/main">
-  <p:cSld>
-    <p:spTree>
-      <p:nvGrpSpPr>
-        <p:cNvPr id="1" name=""/>
-        <p:cNvGrpSpPr/>
-        <p:nvPr/>
-      </p:nvGrpSpPr>
-      <p:grpSpPr>
-        <a:xfrm>
-          <a:off x="0" y="0"/>
-          <a:ext cx="0" cy="0"/>
-          <a:chOff x="0" y="0"/>
-          <a:chExt cx="0" cy="0"/>
-        </a:xfrm>
-      </p:grpSpPr>
-      <p:sp>
-        <p:nvSpPr>
-          <p:cNvPr id="2" name="Заголовок 1">
-            <a:extLst>
-              <a:ext uri="{FF2B5EF4-FFF2-40B4-BE49-F238E27FC236}">
-                <a16:creationId xmlns:a16="http://schemas.microsoft.com/office/drawing/2014/main" id="{112DC8A5-97BD-23BE-6D49-D877EBFE9AD9}"/>
-              </a:ext>
-            </a:extLst>
-          </p:cNvPr>
-          <p:cNvSpPr>
-            <a:spLocks noGrp="1"/>
-          </p:cNvSpPr>
-          <p:nvPr>
-            <p:ph type="title"/>
-          </p:nvPr>
-        </p:nvSpPr>
-        <p:spPr/>
-        <p:txBody>
-          <a:bodyPr/>
-          <a:lstStyle/>
-          <a:p>
-            <a:r>
-              <a:rPr lang="ru-RU" dirty="0"/>
-              <a:t>Проблема ионосферной задержки</a:t>
-            </a:r>
-          </a:p>
-        </p:txBody>
-      </p:sp>
-      <p:sp>
-        <p:nvSpPr>
-          <p:cNvPr id="3" name="Объект 2">
-            <a:extLst>
-              <a:ext uri="{FF2B5EF4-FFF2-40B4-BE49-F238E27FC236}">
-                <a16:creationId xmlns:a16="http://schemas.microsoft.com/office/drawing/2014/main" id="{0E81E7C9-F91A-2BC1-017A-3E7CACCE47DA}"/>
-              </a:ext>
-            </a:extLst>
-          </p:cNvPr>
-          <p:cNvSpPr>
-            <a:spLocks noGrp="1"/>
-          </p:cNvSpPr>
-          <p:nvPr>
-            <p:ph idx="1"/>
-          </p:nvPr>
-        </p:nvSpPr>
-        <p:spPr/>
-        <p:txBody>
-          <a:bodyPr/>
-          <a:lstStyle/>
-          <a:p>
-            <a:r>
-              <a:rPr lang="ru-RU" dirty="0"/>
-              <a:t>Рекомбинация и электроны в ионосфере</a:t>
-            </a:r>
-          </a:p>
-          <a:p>
-            <a:r>
-              <a:rPr lang="ru-RU" dirty="0"/>
-              <a:t>Влияние на сигнал</a:t>
-            </a:r>
-          </a:p>
-          <a:p>
-            <a:endParaRPr lang="ru-RU" dirty="0"/>
-          </a:p>
-        </p:txBody>
-      </p:sp>
-      <p:pic>
-        <p:nvPicPr>
-          <p:cNvPr id="5" name="Рисунок 4">
-            <a:extLst>
-              <a:ext uri="{FF2B5EF4-FFF2-40B4-BE49-F238E27FC236}">
-                <a16:creationId xmlns:a16="http://schemas.microsoft.com/office/drawing/2014/main" id="{093521F4-03AA-7E12-4D46-766DB5A07928}"/>
-              </a:ext>
-            </a:extLst>
-          </p:cNvPr>
-          <p:cNvPicPr>
-            <a:picLocks noChangeAspect="1"/>
-          </p:cNvPicPr>
-          <p:nvPr/>
-        </p:nvPicPr>
-        <p:blipFill>
-          <a:blip r:embed="rId2"/>
-          <a:stretch>
-            <a:fillRect/>
-          </a:stretch>
-        </p:blipFill>
-        <p:spPr>
-          <a:xfrm>
-            <a:off x="838200" y="3362408"/>
-            <a:ext cx="3046200" cy="1319372"/>
-          </a:xfrm>
-          <a:prstGeom prst="rect">
-            <a:avLst/>
-          </a:prstGeom>
-        </p:spPr>
-      </p:pic>
-      <p:pic>
-        <p:nvPicPr>
-          <p:cNvPr id="7" name="Рисунок 6">
-            <a:extLst>
-              <a:ext uri="{FF2B5EF4-FFF2-40B4-BE49-F238E27FC236}">
-                <a16:creationId xmlns:a16="http://schemas.microsoft.com/office/drawing/2014/main" id="{391B4A6F-7973-C15E-5AFF-60A2EAB6A525}"/>
-              </a:ext>
-            </a:extLst>
-          </p:cNvPr>
-          <p:cNvPicPr>
-            <a:picLocks noChangeAspect="1"/>
-          </p:cNvPicPr>
-          <p:nvPr/>
-        </p:nvPicPr>
-        <p:blipFill>
-          <a:blip r:embed="rId3"/>
-          <a:stretch>
-            <a:fillRect/>
-          </a:stretch>
-        </p:blipFill>
-        <p:spPr>
-          <a:xfrm>
-            <a:off x="4918543" y="3107567"/>
-            <a:ext cx="6249272" cy="1829055"/>
-          </a:xfrm>
-          <a:prstGeom prst="rect">
-            <a:avLst/>
-          </a:prstGeom>
-        </p:spPr>
-      </p:pic>
-    </p:spTree>
-    <p:extLst>
-      <p:ext uri="{BB962C8B-B14F-4D97-AF65-F5344CB8AC3E}">
-        <p14:creationId xmlns:p14="http://schemas.microsoft.com/office/powerpoint/2010/main" val="709186554"/>
-      </p:ext>
-    </p:extLst>
-  </p:cSld>
-  <p:clrMapOvr>
-    <a:masterClrMapping/>
-  </p:clrMapOvr>
-</p:sld>
-</file>
-
-<file path=ppt/slides/slide7.xml><?xml version="1.0" encoding="utf-8"?>
-<p:sld xmlns:a="http://schemas.openxmlformats.org/drawingml/2006/main" xmlns:r="http://schemas.openxmlformats.org/officeDocument/2006/relationships" xmlns:p="http://schemas.openxmlformats.org/presentationml/2006/main">
-  <p:cSld>
-    <p:spTree>
-      <p:nvGrpSpPr>
-        <p:cNvPr id="1" name=""/>
-        <p:cNvGrpSpPr/>
-        <p:nvPr/>
-      </p:nvGrpSpPr>
-      <p:grpSpPr>
-        <a:xfrm>
-          <a:off x="0" y="0"/>
-          <a:ext cx="0" cy="0"/>
-          <a:chOff x="0" y="0"/>
-          <a:chExt cx="0" cy="0"/>
-        </a:xfrm>
-      </p:grpSpPr>
-      <p:sp>
-        <p:nvSpPr>
-          <p:cNvPr id="2" name="Заголовок 1">
-            <a:extLst>
-              <a:ext uri="{FF2B5EF4-FFF2-40B4-BE49-F238E27FC236}">
-                <a16:creationId xmlns:a16="http://schemas.microsoft.com/office/drawing/2014/main" id="{D1D54833-88C0-ED91-B02F-B643B14711B9}"/>
-              </a:ext>
-            </a:extLst>
-          </p:cNvPr>
-          <p:cNvSpPr>
-            <a:spLocks noGrp="1"/>
-          </p:cNvSpPr>
-          <p:nvPr>
-            <p:ph type="title"/>
-          </p:nvPr>
-        </p:nvSpPr>
-        <p:spPr/>
-        <p:txBody>
-          <a:bodyPr/>
-          <a:lstStyle/>
-          <a:p>
-            <a:r>
-              <a:rPr lang="en-US" dirty="0" err="1"/>
-              <a:t>NeQuick</a:t>
-            </a:r>
-            <a:endParaRPr lang="ru-RU" dirty="0"/>
-          </a:p>
-        </p:txBody>
-      </p:sp>
-      <p:sp>
-        <p:nvSpPr>
-          <p:cNvPr id="3" name="Объект 2">
-            <a:extLst>
-              <a:ext uri="{FF2B5EF4-FFF2-40B4-BE49-F238E27FC236}">
-                <a16:creationId xmlns:a16="http://schemas.microsoft.com/office/drawing/2014/main" id="{CF0F8239-1FA8-CA85-27E1-FB68BB683D22}"/>
-              </a:ext>
-            </a:extLst>
-          </p:cNvPr>
-          <p:cNvSpPr>
-            <a:spLocks noGrp="1"/>
-          </p:cNvSpPr>
-          <p:nvPr>
-            <p:ph idx="1"/>
-          </p:nvPr>
-        </p:nvSpPr>
-        <p:spPr/>
-        <p:txBody>
-          <a:bodyPr/>
-          <a:lstStyle/>
-          <a:p>
-            <a:r>
-              <a:rPr lang="ru-RU" dirty="0"/>
-              <a:t>Что такое</a:t>
-            </a:r>
-          </a:p>
-          <a:p>
-            <a:r>
-              <a:rPr lang="ru-RU" dirty="0"/>
-              <a:t>Зачем нужен</a:t>
-            </a:r>
-          </a:p>
-          <a:p>
-            <a:r>
-              <a:rPr lang="ru-RU" dirty="0"/>
-              <a:t>Где может быть использован</a:t>
-            </a:r>
-          </a:p>
-          <a:p>
-            <a:endParaRPr lang="ru-RU" dirty="0"/>
-          </a:p>
-        </p:txBody>
-      </p:sp>
-      <p:pic>
-        <p:nvPicPr>
-          <p:cNvPr id="5" name="Рисунок 4">
-            <a:extLst>
-              <a:ext uri="{FF2B5EF4-FFF2-40B4-BE49-F238E27FC236}">
-                <a16:creationId xmlns:a16="http://schemas.microsoft.com/office/drawing/2014/main" id="{AFAF70B3-43A7-A052-6E20-44B22D90DFEA}"/>
-              </a:ext>
-            </a:extLst>
-          </p:cNvPr>
-          <p:cNvPicPr>
-            <a:picLocks noChangeAspect="1"/>
-          </p:cNvPicPr>
-          <p:nvPr/>
-        </p:nvPicPr>
-        <p:blipFill>
-          <a:blip r:embed="rId2"/>
-          <a:stretch>
-            <a:fillRect/>
-          </a:stretch>
-        </p:blipFill>
-        <p:spPr>
-          <a:xfrm>
-            <a:off x="5917871" y="1275488"/>
-            <a:ext cx="4538848" cy="4307024"/>
-          </a:xfrm>
-          <a:prstGeom prst="rect">
-            <a:avLst/>
-          </a:prstGeom>
-        </p:spPr>
-      </p:pic>
-    </p:spTree>
-    <p:extLst>
-      <p:ext uri="{BB962C8B-B14F-4D97-AF65-F5344CB8AC3E}">
-        <p14:creationId xmlns:p14="http://schemas.microsoft.com/office/powerpoint/2010/main" val="1651913881"/>
-      </p:ext>
-    </p:extLst>
-  </p:cSld>
-  <p:clrMapOvr>
-    <a:masterClrMapping/>
-  </p:clrMapOvr>
-</p:sld>
-</file>
-
 <file path=ppt/slides/slide8.xml><?xml version="1.0" encoding="utf-8"?>
 <p:sld xmlns:a="http://schemas.openxmlformats.org/drawingml/2006/main" xmlns:r="http://schemas.openxmlformats.org/officeDocument/2006/relationships" xmlns:p="http://schemas.openxmlformats.org/presentationml/2006/main">
   <p:cSld>
@@ -4982,7 +4801,7 @@
           <p:cNvPr id="2" name="Заголовок 1">
             <a:extLst>
               <a:ext uri="{FF2B5EF4-FFF2-40B4-BE49-F238E27FC236}">
-                <a16:creationId xmlns:a16="http://schemas.microsoft.com/office/drawing/2014/main" id="{5648EE8D-DD65-250F-5633-D6DA654FA463}"/>
+                <a16:creationId xmlns:a16="http://schemas.microsoft.com/office/drawing/2014/main" id="{26FD2397-334B-3912-A838-243FC2C763E8}"/>
               </a:ext>
             </a:extLst>
           </p:cNvPr>
@@ -5000,7 +4819,7 @@
           <a:p>
             <a:r>
               <a:rPr lang="ru-RU" dirty="0"/>
-              <a:t>Установка</a:t>
+              <a:t>Анализ результатов</a:t>
             </a:r>
           </a:p>
         </p:txBody>
@@ -5010,7 +4829,7 @@
           <p:cNvPr id="3" name="Объект 2">
             <a:extLst>
               <a:ext uri="{FF2B5EF4-FFF2-40B4-BE49-F238E27FC236}">
-                <a16:creationId xmlns:a16="http://schemas.microsoft.com/office/drawing/2014/main" id="{1790EB9C-AE87-B437-45B9-40AD6DF25F84}"/>
+                <a16:creationId xmlns:a16="http://schemas.microsoft.com/office/drawing/2014/main" id="{D34ECAEF-181D-ACB0-8976-B28C702325E0}"/>
               </a:ext>
             </a:extLst>
           </p:cNvPr>
@@ -5021,26 +4840,39 @@
             <p:ph idx="1"/>
           </p:nvPr>
         </p:nvSpPr>
-        <p:spPr/>
-        <p:txBody>
-          <a:bodyPr/>
-          <a:lstStyle/>
-          <a:p>
-            <a:r>
-              <a:rPr lang="ru-RU" dirty="0"/>
-              <a:t>Где скачать</a:t>
-            </a:r>
-          </a:p>
-          <a:p>
-            <a:r>
-              <a:rPr lang="ru-RU" dirty="0"/>
-              <a:t>Что нужно</a:t>
-            </a:r>
-          </a:p>
-          <a:p>
-            <a:r>
-              <a:rPr lang="ru-RU" dirty="0"/>
-              <a:t>Как собрать и запустить</a:t>
+        <p:spPr>
+          <a:xfrm>
+            <a:off x="472843" y="5992525"/>
+            <a:ext cx="10515600" cy="640050"/>
+          </a:xfrm>
+        </p:spPr>
+        <p:txBody>
+          <a:bodyPr/>
+          <a:lstStyle/>
+          <a:p>
+            <a:pPr marL="0" indent="0" algn="ctr">
+              <a:buNone/>
+            </a:pPr>
+            <a:r>
+              <a:rPr lang="ru-RU" dirty="0">
+                <a:latin typeface="Times New Roman" panose="02020603050405020304" pitchFamily="18" charset="0"/>
+                <a:cs typeface="Times New Roman" panose="02020603050405020304" pitchFamily="18" charset="0"/>
+              </a:rPr>
+              <a:t>Станция </a:t>
+            </a:r>
+            <a:r>
+              <a:rPr lang="en-US" dirty="0">
+                <a:latin typeface="Times New Roman" panose="02020603050405020304" pitchFamily="18" charset="0"/>
+                <a:cs typeface="Times New Roman" panose="02020603050405020304" pitchFamily="18" charset="0"/>
+              </a:rPr>
+              <a:t>CHIPI00BRA, </a:t>
+            </a:r>
+            <a:r>
+              <a:rPr lang="ru-RU" dirty="0">
+                <a:latin typeface="Times New Roman" panose="02020603050405020304" pitchFamily="18" charset="0"/>
+                <a:cs typeface="Times New Roman" panose="02020603050405020304" pitchFamily="18" charset="0"/>
+              </a:rPr>
+              <a:t>Сан-Паулу, Бразилия (-22,7, -45)</a:t>
             </a:r>
           </a:p>
         </p:txBody>
@@ -5050,7 +4882,7 @@
           <p:cNvPr id="5" name="Рисунок 4">
             <a:extLst>
               <a:ext uri="{FF2B5EF4-FFF2-40B4-BE49-F238E27FC236}">
-                <a16:creationId xmlns:a16="http://schemas.microsoft.com/office/drawing/2014/main" id="{4E419DA9-541E-30A9-9ED9-13662EF08FF3}"/>
+                <a16:creationId xmlns:a16="http://schemas.microsoft.com/office/drawing/2014/main" id="{BB0C930D-585F-7284-F74A-D5F9A8C76C44}"/>
               </a:ext>
             </a:extLst>
           </p:cNvPr>
@@ -5067,8 +4899,8 @@
         </p:blipFill>
         <p:spPr>
           <a:xfrm>
-            <a:off x="2513515" y="1538738"/>
-            <a:ext cx="9326277" cy="4925112"/>
+            <a:off x="1525979" y="1690688"/>
+            <a:ext cx="8409329" cy="4301837"/>
           </a:xfrm>
           <a:prstGeom prst="rect">
             <a:avLst/>
@@ -5078,7 +4910,7 @@
     </p:spTree>
     <p:extLst>
       <p:ext uri="{BB962C8B-B14F-4D97-AF65-F5344CB8AC3E}">
-        <p14:creationId xmlns:p14="http://schemas.microsoft.com/office/powerpoint/2010/main" val="4023836096"/>
+        <p14:creationId xmlns:p14="http://schemas.microsoft.com/office/powerpoint/2010/main" val="1832665835"/>
       </p:ext>
     </p:extLst>
   </p:cSld>
@@ -5110,7 +4942,7 @@
           <p:cNvPr id="2" name="Заголовок 1">
             <a:extLst>
               <a:ext uri="{FF2B5EF4-FFF2-40B4-BE49-F238E27FC236}">
-                <a16:creationId xmlns:a16="http://schemas.microsoft.com/office/drawing/2014/main" id="{6C147EBB-2A9B-9C5C-4C91-7B5F13CC1A64}"/>
+                <a16:creationId xmlns:a16="http://schemas.microsoft.com/office/drawing/2014/main" id="{671026CD-5492-C48B-2FFD-4DAE39D864AA}"/>
               </a:ext>
             </a:extLst>
           </p:cNvPr>
@@ -5128,69 +4960,52 @@
           <a:p>
             <a:r>
               <a:rPr lang="ru-RU" dirty="0"/>
-              <a:t>Использование</a:t>
-            </a:r>
-          </a:p>
-        </p:txBody>
-      </p:sp>
-      <p:sp>
-        <p:nvSpPr>
-          <p:cNvPr id="3" name="Объект 2">
-            <a:extLst>
-              <a:ext uri="{FF2B5EF4-FFF2-40B4-BE49-F238E27FC236}">
-                <a16:creationId xmlns:a16="http://schemas.microsoft.com/office/drawing/2014/main" id="{F3ED66E7-592D-2FB6-E36A-7492621AE0BA}"/>
-              </a:ext>
-            </a:extLst>
-          </p:cNvPr>
-          <p:cNvSpPr>
-            <a:spLocks noGrp="1"/>
-          </p:cNvSpPr>
-          <p:nvPr>
-            <p:ph idx="1"/>
-          </p:nvPr>
-        </p:nvSpPr>
-        <p:spPr/>
-        <p:txBody>
-          <a:bodyPr/>
-          <a:lstStyle/>
-          <a:p>
-            <a:r>
-              <a:rPr lang="ru-RU" dirty="0"/>
-              <a:t>Какие данные нужны</a:t>
-            </a:r>
-          </a:p>
-          <a:p>
-            <a:r>
-              <a:rPr lang="ru-RU" dirty="0"/>
-              <a:t>Откуда их достать</a:t>
-            </a:r>
-          </a:p>
-          <a:p>
-            <a:r>
-              <a:rPr lang="ru-RU" dirty="0"/>
-              <a:t>Что нужно для входных данных</a:t>
-            </a:r>
-          </a:p>
-          <a:p>
-            <a:r>
-              <a:rPr lang="ru-RU" dirty="0"/>
-              <a:t>Что нужно для подготовки входных данных</a:t>
-            </a:r>
-          </a:p>
-          <a:p>
-            <a:r>
-              <a:rPr lang="ru-RU" dirty="0"/>
-              <a:t>Что получается на выходе</a:t>
+              <a:t>Анализ результатов</a:t>
             </a:r>
           </a:p>
         </p:txBody>
       </p:sp>
       <p:pic>
         <p:nvPicPr>
-          <p:cNvPr id="6" name="Рисунок 5">
-            <a:extLst>
-              <a:ext uri="{FF2B5EF4-FFF2-40B4-BE49-F238E27FC236}">
-                <a16:creationId xmlns:a16="http://schemas.microsoft.com/office/drawing/2014/main" id="{AEE323C6-8EC2-6E4A-0C03-C35AFD1B6AF5}"/>
+          <p:cNvPr id="9" name="Объект 8">
+            <a:extLst>
+              <a:ext uri="{FF2B5EF4-FFF2-40B4-BE49-F238E27FC236}">
+                <a16:creationId xmlns:a16="http://schemas.microsoft.com/office/drawing/2014/main" id="{4F10C67E-F109-4C47-8926-80B1E78C9B4A}"/>
+              </a:ext>
+            </a:extLst>
+          </p:cNvPr>
+          <p:cNvPicPr>
+            <a:picLocks noGrp="1" noChangeAspect="1"/>
+          </p:cNvPicPr>
+          <p:nvPr>
+            <p:ph idx="1"/>
+          </p:nvPr>
+        </p:nvPicPr>
+        <p:blipFill>
+          <a:blip r:embed="rId2">
+            <a:extLst>
+              <a:ext uri="{28A0092B-C50C-407E-A947-70E740481C1C}">
+                <a14:useLocalDpi xmlns:a14="http://schemas.microsoft.com/office/drawing/2010/main" val="0"/>
+              </a:ext>
+            </a:extLst>
+          </a:blip>
+          <a:stretch>
+            <a:fillRect/>
+          </a:stretch>
+        </p:blipFill>
+        <p:spPr>
+          <a:xfrm>
+            <a:off x="700572" y="1592421"/>
+            <a:ext cx="5395428" cy="3673158"/>
+          </a:xfrm>
+        </p:spPr>
+      </p:pic>
+      <p:pic>
+        <p:nvPicPr>
+          <p:cNvPr id="13" name="Рисунок 12">
+            <a:extLst>
+              <a:ext uri="{FF2B5EF4-FFF2-40B4-BE49-F238E27FC236}">
+                <a16:creationId xmlns:a16="http://schemas.microsoft.com/office/drawing/2014/main" id="{9B7A1E1E-B2AA-F0F8-C6D4-CABFD2720D57}"/>
               </a:ext>
             </a:extLst>
           </p:cNvPr>
@@ -5200,15 +5015,21 @@
           <p:nvPr/>
         </p:nvPicPr>
         <p:blipFill>
-          <a:blip r:embed="rId2"/>
+          <a:blip r:embed="rId3">
+            <a:extLst>
+              <a:ext uri="{28A0092B-C50C-407E-A947-70E740481C1C}">
+                <a14:useLocalDpi xmlns:a14="http://schemas.microsoft.com/office/drawing/2010/main" val="0"/>
+              </a:ext>
+            </a:extLst>
+          </a:blip>
           <a:stretch>
             <a:fillRect/>
           </a:stretch>
         </p:blipFill>
         <p:spPr>
           <a:xfrm>
-            <a:off x="1687780" y="2110031"/>
-            <a:ext cx="8816439" cy="3782525"/>
+            <a:off x="6096000" y="2259386"/>
+            <a:ext cx="5993914" cy="2339228"/>
           </a:xfrm>
           <a:prstGeom prst="rect">
             <a:avLst/>
@@ -5218,7 +5039,7 @@
     </p:spTree>
     <p:extLst>
       <p:ext uri="{BB962C8B-B14F-4D97-AF65-F5344CB8AC3E}">
-        <p14:creationId xmlns:p14="http://schemas.microsoft.com/office/powerpoint/2010/main" val="3606665906"/>
+        <p14:creationId xmlns:p14="http://schemas.microsoft.com/office/powerpoint/2010/main" val="1641986736"/>
       </p:ext>
     </p:extLst>
   </p:cSld>

--- a/Исследование алгоритма вычисления ионосферной поправки для системы Galileo.pptx
+++ b/Исследование алгоритма вычисления ионосферной поправки для системы Galileo.pptx
@@ -272,7 +272,7 @@
           <a:p>
             <a:fld id="{B3F3D847-F5A2-4318-AFDA-B92EAB6C0036}" type="datetimeFigureOut">
               <a:rPr lang="ru-RU" smtClean="0"/>
-              <a:t>16.06.2022</a:t>
+              <a:t>23.06.2022</a:t>
             </a:fld>
             <a:endParaRPr lang="ru-RU"/>
           </a:p>
@@ -470,7 +470,7 @@
           <a:p>
             <a:fld id="{B3F3D847-F5A2-4318-AFDA-B92EAB6C0036}" type="datetimeFigureOut">
               <a:rPr lang="ru-RU" smtClean="0"/>
-              <a:t>16.06.2022</a:t>
+              <a:t>23.06.2022</a:t>
             </a:fld>
             <a:endParaRPr lang="ru-RU"/>
           </a:p>
@@ -678,7 +678,7 @@
           <a:p>
             <a:fld id="{B3F3D847-F5A2-4318-AFDA-B92EAB6C0036}" type="datetimeFigureOut">
               <a:rPr lang="ru-RU" smtClean="0"/>
-              <a:t>16.06.2022</a:t>
+              <a:t>23.06.2022</a:t>
             </a:fld>
             <a:endParaRPr lang="ru-RU"/>
           </a:p>
@@ -876,7 +876,7 @@
           <a:p>
             <a:fld id="{B3F3D847-F5A2-4318-AFDA-B92EAB6C0036}" type="datetimeFigureOut">
               <a:rPr lang="ru-RU" smtClean="0"/>
-              <a:t>16.06.2022</a:t>
+              <a:t>23.06.2022</a:t>
             </a:fld>
             <a:endParaRPr lang="ru-RU"/>
           </a:p>
@@ -1151,7 +1151,7 @@
           <a:p>
             <a:fld id="{B3F3D847-F5A2-4318-AFDA-B92EAB6C0036}" type="datetimeFigureOut">
               <a:rPr lang="ru-RU" smtClean="0"/>
-              <a:t>16.06.2022</a:t>
+              <a:t>23.06.2022</a:t>
             </a:fld>
             <a:endParaRPr lang="ru-RU"/>
           </a:p>
@@ -1416,7 +1416,7 @@
           <a:p>
             <a:fld id="{B3F3D847-F5A2-4318-AFDA-B92EAB6C0036}" type="datetimeFigureOut">
               <a:rPr lang="ru-RU" smtClean="0"/>
-              <a:t>16.06.2022</a:t>
+              <a:t>23.06.2022</a:t>
             </a:fld>
             <a:endParaRPr lang="ru-RU"/>
           </a:p>
@@ -1828,7 +1828,7 @@
           <a:p>
             <a:fld id="{B3F3D847-F5A2-4318-AFDA-B92EAB6C0036}" type="datetimeFigureOut">
               <a:rPr lang="ru-RU" smtClean="0"/>
-              <a:t>16.06.2022</a:t>
+              <a:t>23.06.2022</a:t>
             </a:fld>
             <a:endParaRPr lang="ru-RU"/>
           </a:p>
@@ -1969,7 +1969,7 @@
           <a:p>
             <a:fld id="{B3F3D847-F5A2-4318-AFDA-B92EAB6C0036}" type="datetimeFigureOut">
               <a:rPr lang="ru-RU" smtClean="0"/>
-              <a:t>16.06.2022</a:t>
+              <a:t>23.06.2022</a:t>
             </a:fld>
             <a:endParaRPr lang="ru-RU"/>
           </a:p>
@@ -2082,7 +2082,7 @@
           <a:p>
             <a:fld id="{B3F3D847-F5A2-4318-AFDA-B92EAB6C0036}" type="datetimeFigureOut">
               <a:rPr lang="ru-RU" smtClean="0"/>
-              <a:t>16.06.2022</a:t>
+              <a:t>23.06.2022</a:t>
             </a:fld>
             <a:endParaRPr lang="ru-RU"/>
           </a:p>
@@ -2393,7 +2393,7 @@
           <a:p>
             <a:fld id="{B3F3D847-F5A2-4318-AFDA-B92EAB6C0036}" type="datetimeFigureOut">
               <a:rPr lang="ru-RU" smtClean="0"/>
-              <a:t>16.06.2022</a:t>
+              <a:t>23.06.2022</a:t>
             </a:fld>
             <a:endParaRPr lang="ru-RU"/>
           </a:p>
@@ -2681,7 +2681,7 @@
           <a:p>
             <a:fld id="{B3F3D847-F5A2-4318-AFDA-B92EAB6C0036}" type="datetimeFigureOut">
               <a:rPr lang="ru-RU" smtClean="0"/>
-              <a:t>16.06.2022</a:t>
+              <a:t>23.06.2022</a:t>
             </a:fld>
             <a:endParaRPr lang="ru-RU"/>
           </a:p>
@@ -2922,7 +2922,7 @@
           <a:p>
             <a:fld id="{B3F3D847-F5A2-4318-AFDA-B92EAB6C0036}" type="datetimeFigureOut">
               <a:rPr lang="ru-RU" smtClean="0"/>
-              <a:t>16.06.2022</a:t>
+              <a:t>23.06.2022</a:t>
             </a:fld>
             <a:endParaRPr lang="ru-RU"/>
           </a:p>
@@ -3576,7 +3576,7 @@
         </p:blipFill>
         <p:spPr>
           <a:xfrm>
-            <a:off x="1472711" y="1690688"/>
+            <a:off x="1472711" y="1699480"/>
             <a:ext cx="9246577" cy="4800256"/>
           </a:xfrm>
           <a:prstGeom prst="rect">

--- a/Исследование алгоритма вычисления ионосферной поправки для системы Galileo.pptx
+++ b/Исследование алгоритма вычисления ионосферной поправки для системы Galileo.pptx
@@ -8,17 +8,14 @@
     <p:sldId id="256" r:id="rId2"/>
     <p:sldId id="265" r:id="rId3"/>
     <p:sldId id="266" r:id="rId4"/>
-    <p:sldId id="259" r:id="rId5"/>
-    <p:sldId id="262" r:id="rId6"/>
-    <p:sldId id="270" r:id="rId7"/>
-    <p:sldId id="268" r:id="rId8"/>
-    <p:sldId id="263" r:id="rId9"/>
-    <p:sldId id="267" r:id="rId10"/>
-    <p:sldId id="271" r:id="rId11"/>
-    <p:sldId id="274" r:id="rId12"/>
-    <p:sldId id="273" r:id="rId13"/>
-    <p:sldId id="272" r:id="rId14"/>
-    <p:sldId id="264" r:id="rId15"/>
+    <p:sldId id="262" r:id="rId5"/>
+    <p:sldId id="270" r:id="rId6"/>
+    <p:sldId id="268" r:id="rId7"/>
+    <p:sldId id="263" r:id="rId8"/>
+    <p:sldId id="273" r:id="rId9"/>
+    <p:sldId id="274" r:id="rId10"/>
+    <p:sldId id="275" r:id="rId11"/>
+    <p:sldId id="264" r:id="rId12"/>
   </p:sldIdLst>
   <p:sldSz cx="12192000" cy="6858000"/>
   <p:notesSz cx="6858000" cy="9144000"/>
@@ -272,7 +269,7 @@
           <a:p>
             <a:fld id="{B3F3D847-F5A2-4318-AFDA-B92EAB6C0036}" type="datetimeFigureOut">
               <a:rPr lang="ru-RU" smtClean="0"/>
-              <a:t>23.06.2022</a:t>
+              <a:t>26.06.2022</a:t>
             </a:fld>
             <a:endParaRPr lang="ru-RU"/>
           </a:p>
@@ -470,7 +467,7 @@
           <a:p>
             <a:fld id="{B3F3D847-F5A2-4318-AFDA-B92EAB6C0036}" type="datetimeFigureOut">
               <a:rPr lang="ru-RU" smtClean="0"/>
-              <a:t>23.06.2022</a:t>
+              <a:t>26.06.2022</a:t>
             </a:fld>
             <a:endParaRPr lang="ru-RU"/>
           </a:p>
@@ -678,7 +675,7 @@
           <a:p>
             <a:fld id="{B3F3D847-F5A2-4318-AFDA-B92EAB6C0036}" type="datetimeFigureOut">
               <a:rPr lang="ru-RU" smtClean="0"/>
-              <a:t>23.06.2022</a:t>
+              <a:t>26.06.2022</a:t>
             </a:fld>
             <a:endParaRPr lang="ru-RU"/>
           </a:p>
@@ -876,7 +873,7 @@
           <a:p>
             <a:fld id="{B3F3D847-F5A2-4318-AFDA-B92EAB6C0036}" type="datetimeFigureOut">
               <a:rPr lang="ru-RU" smtClean="0"/>
-              <a:t>23.06.2022</a:t>
+              <a:t>26.06.2022</a:t>
             </a:fld>
             <a:endParaRPr lang="ru-RU"/>
           </a:p>
@@ -1151,7 +1148,7 @@
           <a:p>
             <a:fld id="{B3F3D847-F5A2-4318-AFDA-B92EAB6C0036}" type="datetimeFigureOut">
               <a:rPr lang="ru-RU" smtClean="0"/>
-              <a:t>23.06.2022</a:t>
+              <a:t>26.06.2022</a:t>
             </a:fld>
             <a:endParaRPr lang="ru-RU"/>
           </a:p>
@@ -1416,7 +1413,7 @@
           <a:p>
             <a:fld id="{B3F3D847-F5A2-4318-AFDA-B92EAB6C0036}" type="datetimeFigureOut">
               <a:rPr lang="ru-RU" smtClean="0"/>
-              <a:t>23.06.2022</a:t>
+              <a:t>26.06.2022</a:t>
             </a:fld>
             <a:endParaRPr lang="ru-RU"/>
           </a:p>
@@ -1828,7 +1825,7 @@
           <a:p>
             <a:fld id="{B3F3D847-F5A2-4318-AFDA-B92EAB6C0036}" type="datetimeFigureOut">
               <a:rPr lang="ru-RU" smtClean="0"/>
-              <a:t>23.06.2022</a:t>
+              <a:t>26.06.2022</a:t>
             </a:fld>
             <a:endParaRPr lang="ru-RU"/>
           </a:p>
@@ -1969,7 +1966,7 @@
           <a:p>
             <a:fld id="{B3F3D847-F5A2-4318-AFDA-B92EAB6C0036}" type="datetimeFigureOut">
               <a:rPr lang="ru-RU" smtClean="0"/>
-              <a:t>23.06.2022</a:t>
+              <a:t>26.06.2022</a:t>
             </a:fld>
             <a:endParaRPr lang="ru-RU"/>
           </a:p>
@@ -2082,7 +2079,7 @@
           <a:p>
             <a:fld id="{B3F3D847-F5A2-4318-AFDA-B92EAB6C0036}" type="datetimeFigureOut">
               <a:rPr lang="ru-RU" smtClean="0"/>
-              <a:t>23.06.2022</a:t>
+              <a:t>26.06.2022</a:t>
             </a:fld>
             <a:endParaRPr lang="ru-RU"/>
           </a:p>
@@ -2393,7 +2390,7 @@
           <a:p>
             <a:fld id="{B3F3D847-F5A2-4318-AFDA-B92EAB6C0036}" type="datetimeFigureOut">
               <a:rPr lang="ru-RU" smtClean="0"/>
-              <a:t>23.06.2022</a:t>
+              <a:t>26.06.2022</a:t>
             </a:fld>
             <a:endParaRPr lang="ru-RU"/>
           </a:p>
@@ -2681,7 +2678,7 @@
           <a:p>
             <a:fld id="{B3F3D847-F5A2-4318-AFDA-B92EAB6C0036}" type="datetimeFigureOut">
               <a:rPr lang="ru-RU" smtClean="0"/>
-              <a:t>23.06.2022</a:t>
+              <a:t>26.06.2022</a:t>
             </a:fld>
             <a:endParaRPr lang="ru-RU"/>
           </a:p>
@@ -2922,7 +2919,7 @@
           <a:p>
             <a:fld id="{B3F3D847-F5A2-4318-AFDA-B92EAB6C0036}" type="datetimeFigureOut">
               <a:rPr lang="ru-RU" smtClean="0"/>
-              <a:t>23.06.2022</a:t>
+              <a:t>26.06.2022</a:t>
             </a:fld>
             <a:endParaRPr lang="ru-RU"/>
           </a:p>
@@ -3549,12 +3546,40 @@
           <a:chExt cx="0" cy="0"/>
         </a:xfrm>
       </p:grpSpPr>
+      <p:sp>
+        <p:nvSpPr>
+          <p:cNvPr id="2" name="Заголовок 1">
+            <a:extLst>
+              <a:ext uri="{FF2B5EF4-FFF2-40B4-BE49-F238E27FC236}">
+                <a16:creationId xmlns:a16="http://schemas.microsoft.com/office/drawing/2014/main" id="{21CF4E18-6630-763B-30EF-441E6A9D79D5}"/>
+              </a:ext>
+            </a:extLst>
+          </p:cNvPr>
+          <p:cNvSpPr>
+            <a:spLocks noGrp="1"/>
+          </p:cNvSpPr>
+          <p:nvPr>
+            <p:ph type="title"/>
+          </p:nvPr>
+        </p:nvSpPr>
+        <p:spPr/>
+        <p:txBody>
+          <a:bodyPr/>
+          <a:lstStyle/>
+          <a:p>
+            <a:r>
+              <a:rPr lang="ru-RU" dirty="0"/>
+              <a:t>Анализ результатов</a:t>
+            </a:r>
+          </a:p>
+        </p:txBody>
+      </p:sp>
       <p:pic>
         <p:nvPicPr>
-          <p:cNvPr id="10" name="Рисунок 9">
-            <a:extLst>
-              <a:ext uri="{FF2B5EF4-FFF2-40B4-BE49-F238E27FC236}">
-                <a16:creationId xmlns:a16="http://schemas.microsoft.com/office/drawing/2014/main" id="{BC3F6882-A2B6-509A-EADA-7C58BA5FA3DE}"/>
+          <p:cNvPr id="4" name="Рисунок 3">
+            <a:extLst>
+              <a:ext uri="{FF2B5EF4-FFF2-40B4-BE49-F238E27FC236}">
+                <a16:creationId xmlns:a16="http://schemas.microsoft.com/office/drawing/2014/main" id="{CE0F0AD5-CA4A-4CC3-9506-5A51DABF7033}"/>
               </a:ext>
             </a:extLst>
           </p:cNvPr>
@@ -3563,59 +3588,26 @@
           </p:cNvPicPr>
           <p:nvPr/>
         </p:nvPicPr>
-        <p:blipFill rotWithShape="1">
-          <a:blip r:embed="rId2">
-            <a:extLst>
-              <a:ext uri="{28A0092B-C50C-407E-A947-70E740481C1C}">
-                <a14:useLocalDpi xmlns:a14="http://schemas.microsoft.com/office/drawing/2010/main" val="0"/>
-              </a:ext>
-            </a:extLst>
-          </a:blip>
-          <a:srcRect l="8962" t="11095" r="9610" b="4797"/>
-          <a:stretch/>
+        <p:blipFill>
+          <a:blip r:embed="rId2"/>
+          <a:stretch>
+            <a:fillRect/>
+          </a:stretch>
         </p:blipFill>
         <p:spPr>
           <a:xfrm>
-            <a:off x="1472711" y="1699480"/>
-            <a:ext cx="9246577" cy="4800256"/>
+            <a:off x="1268482" y="1268657"/>
+            <a:ext cx="9655036" cy="5224218"/>
           </a:xfrm>
           <a:prstGeom prst="rect">
             <a:avLst/>
           </a:prstGeom>
         </p:spPr>
       </p:pic>
-      <p:sp>
-        <p:nvSpPr>
-          <p:cNvPr id="11" name="Заголовок 10">
-            <a:extLst>
-              <a:ext uri="{FF2B5EF4-FFF2-40B4-BE49-F238E27FC236}">
-                <a16:creationId xmlns:a16="http://schemas.microsoft.com/office/drawing/2014/main" id="{362C2344-CDCA-AB75-EAD7-E0B6F2E0D482}"/>
-              </a:ext>
-            </a:extLst>
-          </p:cNvPr>
-          <p:cNvSpPr>
-            <a:spLocks noGrp="1"/>
-          </p:cNvSpPr>
-          <p:nvPr>
-            <p:ph type="title"/>
-          </p:nvPr>
-        </p:nvSpPr>
-        <p:spPr/>
-        <p:txBody>
-          <a:bodyPr/>
-          <a:lstStyle/>
-          <a:p>
-            <a:r>
-              <a:rPr lang="ru-RU" dirty="0"/>
-              <a:t>Анализ результатов</a:t>
-            </a:r>
-          </a:p>
-        </p:txBody>
-      </p:sp>
     </p:spTree>
     <p:extLst>
       <p:ext uri="{BB962C8B-B14F-4D97-AF65-F5344CB8AC3E}">
-        <p14:creationId xmlns:p14="http://schemas.microsoft.com/office/powerpoint/2010/main" val="1770701558"/>
+        <p14:creationId xmlns:p14="http://schemas.microsoft.com/office/powerpoint/2010/main" val="3886534466"/>
       </p:ext>
     </p:extLst>
   </p:cSld>
@@ -3626,284 +3618,6 @@
 </file>
 
 <file path=ppt/slides/slide11.xml><?xml version="1.0" encoding="utf-8"?>
-<p:sld xmlns:a="http://schemas.openxmlformats.org/drawingml/2006/main" xmlns:r="http://schemas.openxmlformats.org/officeDocument/2006/relationships" xmlns:p="http://schemas.openxmlformats.org/presentationml/2006/main">
-  <p:cSld>
-    <p:spTree>
-      <p:nvGrpSpPr>
-        <p:cNvPr id="1" name=""/>
-        <p:cNvGrpSpPr/>
-        <p:nvPr/>
-      </p:nvGrpSpPr>
-      <p:grpSpPr>
-        <a:xfrm>
-          <a:off x="0" y="0"/>
-          <a:ext cx="0" cy="0"/>
-          <a:chOff x="0" y="0"/>
-          <a:chExt cx="0" cy="0"/>
-        </a:xfrm>
-      </p:grpSpPr>
-      <p:sp>
-        <p:nvSpPr>
-          <p:cNvPr id="2" name="Заголовок 1">
-            <a:extLst>
-              <a:ext uri="{FF2B5EF4-FFF2-40B4-BE49-F238E27FC236}">
-                <a16:creationId xmlns:a16="http://schemas.microsoft.com/office/drawing/2014/main" id="{6CB49176-F9B2-0458-5749-B852FD4DB2A6}"/>
-              </a:ext>
-            </a:extLst>
-          </p:cNvPr>
-          <p:cNvSpPr>
-            <a:spLocks noGrp="1"/>
-          </p:cNvSpPr>
-          <p:nvPr>
-            <p:ph type="title"/>
-          </p:nvPr>
-        </p:nvSpPr>
-        <p:spPr/>
-        <p:txBody>
-          <a:bodyPr/>
-          <a:lstStyle/>
-          <a:p>
-            <a:r>
-              <a:rPr lang="ru-RU" dirty="0"/>
-              <a:t>Анализ результатов</a:t>
-            </a:r>
-          </a:p>
-        </p:txBody>
-      </p:sp>
-      <p:pic>
-        <p:nvPicPr>
-          <p:cNvPr id="4" name="Рисунок 3">
-            <a:extLst>
-              <a:ext uri="{FF2B5EF4-FFF2-40B4-BE49-F238E27FC236}">
-                <a16:creationId xmlns:a16="http://schemas.microsoft.com/office/drawing/2014/main" id="{12E91519-C22D-8CD7-76E5-E3A8297FC018}"/>
-              </a:ext>
-            </a:extLst>
-          </p:cNvPr>
-          <p:cNvPicPr>
-            <a:picLocks noChangeAspect="1"/>
-          </p:cNvPicPr>
-          <p:nvPr/>
-        </p:nvPicPr>
-        <p:blipFill rotWithShape="1">
-          <a:blip r:embed="rId2">
-            <a:extLst>
-              <a:ext uri="{28A0092B-C50C-407E-A947-70E740481C1C}">
-                <a14:useLocalDpi xmlns:a14="http://schemas.microsoft.com/office/drawing/2010/main" val="0"/>
-              </a:ext>
-            </a:extLst>
-          </a:blip>
-          <a:srcRect l="7514" t="8579" r="7797" b="3772"/>
-          <a:stretch/>
-        </p:blipFill>
-        <p:spPr>
-          <a:xfrm>
-            <a:off x="1495353" y="1690688"/>
-            <a:ext cx="9201294" cy="4786157"/>
-          </a:xfrm>
-          <a:prstGeom prst="rect">
-            <a:avLst/>
-          </a:prstGeom>
-        </p:spPr>
-      </p:pic>
-    </p:spTree>
-    <p:extLst>
-      <p:ext uri="{BB962C8B-B14F-4D97-AF65-F5344CB8AC3E}">
-        <p14:creationId xmlns:p14="http://schemas.microsoft.com/office/powerpoint/2010/main" val="2679187164"/>
-      </p:ext>
-    </p:extLst>
-  </p:cSld>
-  <p:clrMapOvr>
-    <a:masterClrMapping/>
-  </p:clrMapOvr>
-</p:sld>
-</file>
-
-<file path=ppt/slides/slide12.xml><?xml version="1.0" encoding="utf-8"?>
-<p:sld xmlns:a="http://schemas.openxmlformats.org/drawingml/2006/main" xmlns:r="http://schemas.openxmlformats.org/officeDocument/2006/relationships" xmlns:p="http://schemas.openxmlformats.org/presentationml/2006/main">
-  <p:cSld>
-    <p:spTree>
-      <p:nvGrpSpPr>
-        <p:cNvPr id="1" name=""/>
-        <p:cNvGrpSpPr/>
-        <p:nvPr/>
-      </p:nvGrpSpPr>
-      <p:grpSpPr>
-        <a:xfrm>
-          <a:off x="0" y="0"/>
-          <a:ext cx="0" cy="0"/>
-          <a:chOff x="0" y="0"/>
-          <a:chExt cx="0" cy="0"/>
-        </a:xfrm>
-      </p:grpSpPr>
-      <p:sp>
-        <p:nvSpPr>
-          <p:cNvPr id="2" name="Заголовок 1">
-            <a:extLst>
-              <a:ext uri="{FF2B5EF4-FFF2-40B4-BE49-F238E27FC236}">
-                <a16:creationId xmlns:a16="http://schemas.microsoft.com/office/drawing/2014/main" id="{564182AC-499B-0B4C-E0A8-0493F76EFC25}"/>
-              </a:ext>
-            </a:extLst>
-          </p:cNvPr>
-          <p:cNvSpPr>
-            <a:spLocks noGrp="1"/>
-          </p:cNvSpPr>
-          <p:nvPr>
-            <p:ph type="title"/>
-          </p:nvPr>
-        </p:nvSpPr>
-        <p:spPr/>
-        <p:txBody>
-          <a:bodyPr/>
-          <a:lstStyle/>
-          <a:p>
-            <a:r>
-              <a:rPr lang="ru-RU" dirty="0"/>
-              <a:t>Анализ результатов</a:t>
-            </a:r>
-          </a:p>
-        </p:txBody>
-      </p:sp>
-      <p:pic>
-        <p:nvPicPr>
-          <p:cNvPr id="4" name="Объект 4">
-            <a:extLst>
-              <a:ext uri="{FF2B5EF4-FFF2-40B4-BE49-F238E27FC236}">
-                <a16:creationId xmlns:a16="http://schemas.microsoft.com/office/drawing/2014/main" id="{D0DDF642-1BC6-DF52-C62D-AA295F75669B}"/>
-              </a:ext>
-            </a:extLst>
-          </p:cNvPr>
-          <p:cNvPicPr>
-            <a:picLocks noGrp="1" noChangeAspect="1"/>
-          </p:cNvPicPr>
-          <p:nvPr>
-            <p:ph idx="1"/>
-          </p:nvPr>
-        </p:nvPicPr>
-        <p:blipFill rotWithShape="1">
-          <a:blip r:embed="rId2">
-            <a:extLst>
-              <a:ext uri="{28A0092B-C50C-407E-A947-70E740481C1C}">
-                <a14:useLocalDpi xmlns:a14="http://schemas.microsoft.com/office/drawing/2010/main" val="0"/>
-              </a:ext>
-            </a:extLst>
-          </a:blip>
-          <a:srcRect l="8922" t="8843" r="8783" b="2860"/>
-          <a:stretch/>
-        </p:blipFill>
-        <p:spPr>
-          <a:xfrm>
-            <a:off x="1551842" y="1690688"/>
-            <a:ext cx="9088315" cy="4901027"/>
-          </a:xfrm>
-        </p:spPr>
-      </p:pic>
-    </p:spTree>
-    <p:extLst>
-      <p:ext uri="{BB962C8B-B14F-4D97-AF65-F5344CB8AC3E}">
-        <p14:creationId xmlns:p14="http://schemas.microsoft.com/office/powerpoint/2010/main" val="452733803"/>
-      </p:ext>
-    </p:extLst>
-  </p:cSld>
-  <p:clrMapOvr>
-    <a:masterClrMapping/>
-  </p:clrMapOvr>
-</p:sld>
-</file>
-
-<file path=ppt/slides/slide13.xml><?xml version="1.0" encoding="utf-8"?>
-<p:sld xmlns:a="http://schemas.openxmlformats.org/drawingml/2006/main" xmlns:r="http://schemas.openxmlformats.org/officeDocument/2006/relationships" xmlns:p="http://schemas.openxmlformats.org/presentationml/2006/main">
-  <p:cSld>
-    <p:spTree>
-      <p:nvGrpSpPr>
-        <p:cNvPr id="1" name=""/>
-        <p:cNvGrpSpPr/>
-        <p:nvPr/>
-      </p:nvGrpSpPr>
-      <p:grpSpPr>
-        <a:xfrm>
-          <a:off x="0" y="0"/>
-          <a:ext cx="0" cy="0"/>
-          <a:chOff x="0" y="0"/>
-          <a:chExt cx="0" cy="0"/>
-        </a:xfrm>
-      </p:grpSpPr>
-      <p:sp>
-        <p:nvSpPr>
-          <p:cNvPr id="2" name="Заголовок 1">
-            <a:extLst>
-              <a:ext uri="{FF2B5EF4-FFF2-40B4-BE49-F238E27FC236}">
-                <a16:creationId xmlns:a16="http://schemas.microsoft.com/office/drawing/2014/main" id="{487B5E6D-720A-04ED-82C1-0BA8F356495A}"/>
-              </a:ext>
-            </a:extLst>
-          </p:cNvPr>
-          <p:cNvSpPr>
-            <a:spLocks noGrp="1"/>
-          </p:cNvSpPr>
-          <p:nvPr>
-            <p:ph type="title"/>
-          </p:nvPr>
-        </p:nvSpPr>
-        <p:spPr/>
-        <p:txBody>
-          <a:bodyPr/>
-          <a:lstStyle/>
-          <a:p>
-            <a:r>
-              <a:rPr lang="ru-RU" dirty="0"/>
-              <a:t>Анализ результатов</a:t>
-            </a:r>
-          </a:p>
-        </p:txBody>
-      </p:sp>
-      <p:pic>
-        <p:nvPicPr>
-          <p:cNvPr id="4" name="Рисунок 3">
-            <a:extLst>
-              <a:ext uri="{FF2B5EF4-FFF2-40B4-BE49-F238E27FC236}">
-                <a16:creationId xmlns:a16="http://schemas.microsoft.com/office/drawing/2014/main" id="{528ABEDB-3DB6-337A-D23D-2782D0BF233A}"/>
-              </a:ext>
-            </a:extLst>
-          </p:cNvPr>
-          <p:cNvPicPr>
-            <a:picLocks noChangeAspect="1"/>
-          </p:cNvPicPr>
-          <p:nvPr/>
-        </p:nvPicPr>
-        <p:blipFill rotWithShape="1">
-          <a:blip r:embed="rId2">
-            <a:extLst>
-              <a:ext uri="{28A0092B-C50C-407E-A947-70E740481C1C}">
-                <a14:useLocalDpi xmlns:a14="http://schemas.microsoft.com/office/drawing/2010/main" val="0"/>
-              </a:ext>
-            </a:extLst>
-          </a:blip>
-          <a:srcRect l="9058" t="10708" r="9611" b="4797"/>
-          <a:stretch/>
-        </p:blipFill>
-        <p:spPr>
-          <a:xfrm>
-            <a:off x="1736481" y="1940179"/>
-            <a:ext cx="8719038" cy="4552696"/>
-          </a:xfrm>
-          <a:prstGeom prst="rect">
-            <a:avLst/>
-          </a:prstGeom>
-        </p:spPr>
-      </p:pic>
-    </p:spTree>
-    <p:extLst>
-      <p:ext uri="{BB962C8B-B14F-4D97-AF65-F5344CB8AC3E}">
-        <p14:creationId xmlns:p14="http://schemas.microsoft.com/office/powerpoint/2010/main" val="715348722"/>
-      </p:ext>
-    </p:extLst>
-  </p:cSld>
-  <p:clrMapOvr>
-    <a:masterClrMapping/>
-  </p:clrMapOvr>
-</p:sld>
-</file>
-
-<file path=ppt/slides/slide14.xml><?xml version="1.0" encoding="utf-8"?>
 <p:sld xmlns:a="http://schemas.openxmlformats.org/drawingml/2006/main" xmlns:r="http://schemas.openxmlformats.org/officeDocument/2006/relationships" xmlns:p="http://schemas.openxmlformats.org/presentationml/2006/main">
   <p:cSld>
     <p:spTree>
@@ -4014,10 +3728,10 @@
       </p:sp>
       <p:pic>
         <p:nvPicPr>
-          <p:cNvPr id="5" name="Рисунок 4">
-            <a:extLst>
-              <a:ext uri="{FF2B5EF4-FFF2-40B4-BE49-F238E27FC236}">
-                <a16:creationId xmlns:a16="http://schemas.microsoft.com/office/drawing/2014/main" id="{6357902A-7508-C6C0-4F5D-FFA62238FFB0}"/>
+          <p:cNvPr id="4" name="Рисунок 3">
+            <a:extLst>
+              <a:ext uri="{FF2B5EF4-FFF2-40B4-BE49-F238E27FC236}">
+                <a16:creationId xmlns:a16="http://schemas.microsoft.com/office/drawing/2014/main" id="{47932C8A-49F4-C9D2-8CED-62B50AFCDAEE}"/>
               </a:ext>
             </a:extLst>
           </p:cNvPr>
@@ -4040,8 +3754,8 @@
         </p:blipFill>
         <p:spPr>
           <a:xfrm>
-            <a:off x="2504342" y="1425411"/>
-            <a:ext cx="7183315" cy="5067464"/>
+            <a:off x="2023330" y="1211566"/>
+            <a:ext cx="8145340" cy="5430226"/>
           </a:xfrm>
           <a:prstGeom prst="rect">
             <a:avLst/>
@@ -4316,7 +4030,7 @@
           <p:cNvPr id="2" name="Заголовок 1">
             <a:extLst>
               <a:ext uri="{FF2B5EF4-FFF2-40B4-BE49-F238E27FC236}">
-                <a16:creationId xmlns:a16="http://schemas.microsoft.com/office/drawing/2014/main" id="{112DC8A5-97BD-23BE-6D49-D877EBFE9AD9}"/>
+                <a16:creationId xmlns:a16="http://schemas.microsoft.com/office/drawing/2014/main" id="{6C147EBB-2A9B-9C5C-4C91-7B5F13CC1A64}"/>
               </a:ext>
             </a:extLst>
           </p:cNvPr>
@@ -4344,38 +4058,121 @@
           <p:cNvPr id="3" name="Объект 2">
             <a:extLst>
               <a:ext uri="{FF2B5EF4-FFF2-40B4-BE49-F238E27FC236}">
-                <a16:creationId xmlns:a16="http://schemas.microsoft.com/office/drawing/2014/main" id="{0E81E7C9-F91A-2BC1-017A-3E7CACCE47DA}"/>
-              </a:ext>
-            </a:extLst>
-          </p:cNvPr>
-          <p:cNvSpPr>
-            <a:spLocks noGrp="1"/>
-          </p:cNvSpPr>
-          <p:nvPr>
-            <p:ph idx="1"/>
+                <a16:creationId xmlns:a16="http://schemas.microsoft.com/office/drawing/2014/main" id="{5B9494E9-6F29-CD54-EAAF-683FCC7F96D7}"/>
+              </a:ext>
+            </a:extLst>
+          </p:cNvPr>
+          <p:cNvSpPr>
+            <a:spLocks noGrp="1"/>
+          </p:cNvSpPr>
+          <p:nvPr>
+            <p:ph sz="half" idx="1"/>
+          </p:nvPr>
+        </p:nvSpPr>
+        <p:spPr>
+          <a:xfrm>
+            <a:off x="838200" y="1825625"/>
+            <a:ext cx="4287715" cy="2957390"/>
+          </a:xfrm>
+        </p:spPr>
+        <p:txBody>
+          <a:bodyPr>
+            <a:normAutofit fontScale="92500" lnSpcReduction="20000"/>
+          </a:bodyPr>
+          <a:lstStyle/>
+          <a:p>
+            <a:pPr marL="0" indent="0" algn="ctr">
+              <a:buNone/>
+            </a:pPr>
+            <a:r>
+              <a:rPr lang="en-US" dirty="0" err="1"/>
+              <a:t>NeQuick</a:t>
+            </a:r>
+            <a:endParaRPr lang="en-US" dirty="0"/>
+          </a:p>
+          <a:p>
+            <a:r>
+              <a:rPr lang="ru-RU" dirty="0"/>
+              <a:t>Коэффициенты солнечной активности</a:t>
+            </a:r>
+          </a:p>
+          <a:p>
+            <a:r>
+              <a:rPr lang="ru-RU" dirty="0"/>
+              <a:t>Время</a:t>
+            </a:r>
+          </a:p>
+          <a:p>
+            <a:r>
+              <a:rPr lang="ru-RU" dirty="0"/>
+              <a:t>Координаты станции наблюдений</a:t>
+            </a:r>
+          </a:p>
+          <a:p>
+            <a:r>
+              <a:rPr lang="ru-RU" dirty="0"/>
+              <a:t>Координаты положения спутника</a:t>
+            </a:r>
+          </a:p>
+        </p:txBody>
+      </p:sp>
+      <p:sp>
+        <p:nvSpPr>
+          <p:cNvPr id="4" name="Объект 3">
+            <a:extLst>
+              <a:ext uri="{FF2B5EF4-FFF2-40B4-BE49-F238E27FC236}">
+                <a16:creationId xmlns:a16="http://schemas.microsoft.com/office/drawing/2014/main" id="{F725814A-3FD6-CAE4-78EC-34CA4D7C6458}"/>
+              </a:ext>
+            </a:extLst>
+          </p:cNvPr>
+          <p:cNvSpPr>
+            <a:spLocks noGrp="1"/>
+          </p:cNvSpPr>
+          <p:nvPr>
+            <p:ph sz="half" idx="2"/>
           </p:nvPr>
         </p:nvSpPr>
         <p:spPr/>
         <p:txBody>
-          <a:bodyPr/>
-          <a:lstStyle/>
-          <a:p>
-            <a:endParaRPr lang="ru-RU" dirty="0"/>
-          </a:p>
-          <a:p>
-            <a:endParaRPr lang="ru-RU" dirty="0"/>
-          </a:p>
-          <a:p>
-            <a:endParaRPr lang="ru-RU" dirty="0"/>
+          <a:bodyPr>
+            <a:normAutofit fontScale="92500" lnSpcReduction="20000"/>
+          </a:bodyPr>
+          <a:lstStyle/>
+          <a:p>
+            <a:pPr marL="0" indent="0" algn="ctr">
+              <a:buNone/>
+            </a:pPr>
+            <a:r>
+              <a:rPr lang="ru-RU" dirty="0"/>
+              <a:t>Реальные измерения</a:t>
+            </a:r>
+          </a:p>
+          <a:p>
+            <a:r>
+              <a:rPr lang="ru-RU" dirty="0"/>
+              <a:t>Частоты приемника</a:t>
+            </a:r>
+          </a:p>
+          <a:p>
+            <a:r>
+              <a:rPr lang="ru-RU" dirty="0"/>
+              <a:t>Псевдодальность для 2 частот</a:t>
+            </a:r>
+          </a:p>
+          <a:p>
+            <a:r>
+              <a:rPr lang="ru-RU" dirty="0"/>
+              <a:t>Время</a:t>
+            </a:r>
           </a:p>
         </p:txBody>
       </p:sp>
       <p:pic>
         <p:nvPicPr>
-          <p:cNvPr id="5" name="Рисунок 4">
-            <a:extLst>
-              <a:ext uri="{FF2B5EF4-FFF2-40B4-BE49-F238E27FC236}">
-                <a16:creationId xmlns:a16="http://schemas.microsoft.com/office/drawing/2014/main" id="{093521F4-03AA-7E12-4D46-766DB5A07928}"/>
+          <p:cNvPr id="7" name="Рисунок 6">
+            <a:extLst>
+              <a:ext uri="{FF2B5EF4-FFF2-40B4-BE49-F238E27FC236}">
+                <a16:creationId xmlns:a16="http://schemas.microsoft.com/office/drawing/2014/main" id="{11DAFCD9-C317-E379-1597-A58D8C83FCC6}"/>
               </a:ext>
             </a:extLst>
           </p:cNvPr>
@@ -4392,7 +4189,7 @@
         </p:blipFill>
         <p:spPr>
           <a:xfrm>
-            <a:off x="838200" y="1690688"/>
+            <a:off x="838200" y="4857591"/>
             <a:ext cx="3046200" cy="1319372"/>
           </a:xfrm>
           <a:prstGeom prst="rect">
@@ -4402,10 +4199,10 @@
       </p:pic>
       <p:pic>
         <p:nvPicPr>
-          <p:cNvPr id="7" name="Рисунок 6">
-            <a:extLst>
-              <a:ext uri="{FF2B5EF4-FFF2-40B4-BE49-F238E27FC236}">
-                <a16:creationId xmlns:a16="http://schemas.microsoft.com/office/drawing/2014/main" id="{391B4A6F-7973-C15E-5AFF-60A2EAB6A525}"/>
+          <p:cNvPr id="8" name="Рисунок 7">
+            <a:extLst>
+              <a:ext uri="{FF2B5EF4-FFF2-40B4-BE49-F238E27FC236}">
+                <a16:creationId xmlns:a16="http://schemas.microsoft.com/office/drawing/2014/main" id="{3DEC74D1-9B48-4E1D-22AB-1BB9913DB30C}"/>
               </a:ext>
             </a:extLst>
           </p:cNvPr>
@@ -4422,37 +4219,7 @@
         </p:blipFill>
         <p:spPr>
           <a:xfrm>
-            <a:off x="2106309" y="2941753"/>
-            <a:ext cx="7979381" cy="2335428"/>
-          </a:xfrm>
-          <a:prstGeom prst="rect">
-            <a:avLst/>
-          </a:prstGeom>
-        </p:spPr>
-      </p:pic>
-      <p:pic>
-        <p:nvPicPr>
-          <p:cNvPr id="6" name="Рисунок 5">
-            <a:extLst>
-              <a:ext uri="{FF2B5EF4-FFF2-40B4-BE49-F238E27FC236}">
-                <a16:creationId xmlns:a16="http://schemas.microsoft.com/office/drawing/2014/main" id="{D3E2CC07-D972-5043-F5C3-4DA8E60EAB56}"/>
-              </a:ext>
-            </a:extLst>
-          </p:cNvPr>
-          <p:cNvPicPr>
-            <a:picLocks noChangeAspect="1"/>
-          </p:cNvPicPr>
-          <p:nvPr/>
-        </p:nvPicPr>
-        <p:blipFill>
-          <a:blip r:embed="rId4"/>
-          <a:stretch>
-            <a:fillRect/>
-          </a:stretch>
-        </p:blipFill>
-        <p:spPr>
-          <a:xfrm>
-            <a:off x="5884984" y="1758995"/>
+            <a:off x="6019801" y="4925898"/>
             <a:ext cx="5083040" cy="1182758"/>
           </a:xfrm>
           <a:prstGeom prst="rect">
@@ -4463,7 +4230,7 @@
     </p:spTree>
     <p:extLst>
       <p:ext uri="{BB962C8B-B14F-4D97-AF65-F5344CB8AC3E}">
-        <p14:creationId xmlns:p14="http://schemas.microsoft.com/office/powerpoint/2010/main" val="709186554"/>
+        <p14:creationId xmlns:p14="http://schemas.microsoft.com/office/powerpoint/2010/main" val="3606665906"/>
       </p:ext>
     </p:extLst>
   </p:cSld>
@@ -4495,7 +4262,7 @@
           <p:cNvPr id="2" name="Заголовок 1">
             <a:extLst>
               <a:ext uri="{FF2B5EF4-FFF2-40B4-BE49-F238E27FC236}">
-                <a16:creationId xmlns:a16="http://schemas.microsoft.com/office/drawing/2014/main" id="{6C147EBB-2A9B-9C5C-4C91-7B5F13CC1A64}"/>
+                <a16:creationId xmlns:a16="http://schemas.microsoft.com/office/drawing/2014/main" id="{11DF9275-626A-BE19-8E54-CA893075CCA0}"/>
               </a:ext>
             </a:extLst>
           </p:cNvPr>
@@ -4513,17 +4280,17 @@
           <a:p>
             <a:r>
               <a:rPr lang="ru-RU" dirty="0"/>
-              <a:t>Использование</a:t>
+              <a:t>Входные данные</a:t>
             </a:r>
           </a:p>
         </p:txBody>
       </p:sp>
       <p:pic>
         <p:nvPicPr>
-          <p:cNvPr id="6" name="Рисунок 5">
-            <a:extLst>
-              <a:ext uri="{FF2B5EF4-FFF2-40B4-BE49-F238E27FC236}">
-                <a16:creationId xmlns:a16="http://schemas.microsoft.com/office/drawing/2014/main" id="{AEE323C6-8EC2-6E4A-0C03-C35AFD1B6AF5}"/>
+          <p:cNvPr id="28" name="Рисунок 27">
+            <a:extLst>
+              <a:ext uri="{FF2B5EF4-FFF2-40B4-BE49-F238E27FC236}">
+                <a16:creationId xmlns:a16="http://schemas.microsoft.com/office/drawing/2014/main" id="{0D83D470-19D6-AF3B-4FD3-1C8BCDB5F40A}"/>
               </a:ext>
             </a:extLst>
           </p:cNvPr>
@@ -4532,110 +4299,21 @@
           </p:cNvPicPr>
           <p:nvPr/>
         </p:nvPicPr>
-        <p:blipFill>
-          <a:blip r:embed="rId2"/>
-          <a:stretch>
-            <a:fillRect/>
-          </a:stretch>
+        <p:blipFill rotWithShape="1">
+          <a:blip r:embed="rId2">
+            <a:extLst>
+              <a:ext uri="{28A0092B-C50C-407E-A947-70E740481C1C}">
+                <a14:useLocalDpi xmlns:a14="http://schemas.microsoft.com/office/drawing/2010/main" val="0"/>
+              </a:ext>
+            </a:extLst>
+          </a:blip>
+          <a:srcRect r="23893" b="61673"/>
+          <a:stretch/>
         </p:blipFill>
         <p:spPr>
           <a:xfrm>
-            <a:off x="1024876" y="1690688"/>
-            <a:ext cx="10142248" cy="4351338"/>
-          </a:xfrm>
-          <a:prstGeom prst="rect">
-            <a:avLst/>
-          </a:prstGeom>
-        </p:spPr>
-      </p:pic>
-    </p:spTree>
-    <p:extLst>
-      <p:ext uri="{BB962C8B-B14F-4D97-AF65-F5344CB8AC3E}">
-        <p14:creationId xmlns:p14="http://schemas.microsoft.com/office/powerpoint/2010/main" val="3606665906"/>
-      </p:ext>
-    </p:extLst>
-  </p:cSld>
-  <p:clrMapOvr>
-    <a:masterClrMapping/>
-  </p:clrMapOvr>
-</p:sld>
-</file>
-
-<file path=ppt/slides/slide6.xml><?xml version="1.0" encoding="utf-8"?>
-<p:sld xmlns:a="http://schemas.openxmlformats.org/drawingml/2006/main" xmlns:r="http://schemas.openxmlformats.org/officeDocument/2006/relationships" xmlns:p="http://schemas.openxmlformats.org/presentationml/2006/main">
-  <p:cSld>
-    <p:spTree>
-      <p:nvGrpSpPr>
-        <p:cNvPr id="1" name=""/>
-        <p:cNvGrpSpPr/>
-        <p:nvPr/>
-      </p:nvGrpSpPr>
-      <p:grpSpPr>
-        <a:xfrm>
-          <a:off x="0" y="0"/>
-          <a:ext cx="0" cy="0"/>
-          <a:chOff x="0" y="0"/>
-          <a:chExt cx="0" cy="0"/>
-        </a:xfrm>
-      </p:grpSpPr>
-      <p:sp>
-        <p:nvSpPr>
-          <p:cNvPr id="2" name="Заголовок 1">
-            <a:extLst>
-              <a:ext uri="{FF2B5EF4-FFF2-40B4-BE49-F238E27FC236}">
-                <a16:creationId xmlns:a16="http://schemas.microsoft.com/office/drawing/2014/main" id="{11DF9275-626A-BE19-8E54-CA893075CCA0}"/>
-              </a:ext>
-            </a:extLst>
-          </p:cNvPr>
-          <p:cNvSpPr>
-            <a:spLocks noGrp="1"/>
-          </p:cNvSpPr>
-          <p:nvPr>
-            <p:ph type="title"/>
-          </p:nvPr>
-        </p:nvSpPr>
-        <p:spPr/>
-        <p:txBody>
-          <a:bodyPr/>
-          <a:lstStyle/>
-          <a:p>
-            <a:r>
-              <a:rPr lang="ru-RU" dirty="0"/>
-              <a:t>Входные данные</a:t>
-            </a:r>
-          </a:p>
-        </p:txBody>
-      </p:sp>
-      <p:pic>
-        <p:nvPicPr>
-          <p:cNvPr id="28" name="Рисунок 27">
-            <a:extLst>
-              <a:ext uri="{FF2B5EF4-FFF2-40B4-BE49-F238E27FC236}">
-                <a16:creationId xmlns:a16="http://schemas.microsoft.com/office/drawing/2014/main" id="{0D83D470-19D6-AF3B-4FD3-1C8BCDB5F40A}"/>
-              </a:ext>
-            </a:extLst>
-          </p:cNvPr>
-          <p:cNvPicPr>
-            <a:picLocks noChangeAspect="1"/>
-          </p:cNvPicPr>
-          <p:nvPr/>
-        </p:nvPicPr>
-        <p:blipFill>
-          <a:blip r:embed="rId2">
-            <a:extLst>
-              <a:ext uri="{28A0092B-C50C-407E-A947-70E740481C1C}">
-                <a14:useLocalDpi xmlns:a14="http://schemas.microsoft.com/office/drawing/2010/main" val="0"/>
-              </a:ext>
-            </a:extLst>
-          </a:blip>
-          <a:stretch>
-            <a:fillRect/>
-          </a:stretch>
-        </p:blipFill>
-        <p:spPr>
-          <a:xfrm>
-            <a:off x="838200" y="1690688"/>
-            <a:ext cx="5290854" cy="3961966"/>
+            <a:off x="768013" y="1453295"/>
+            <a:ext cx="4679550" cy="1764689"/>
           </a:xfrm>
           <a:prstGeom prst="rect">
             <a:avLst/>
@@ -4656,7 +4334,7 @@
           </p:cNvPicPr>
           <p:nvPr/>
         </p:nvPicPr>
-        <p:blipFill>
+        <p:blipFill rotWithShape="1">
           <a:blip r:embed="rId3">
             <a:extLst>
               <a:ext uri="{28A0092B-C50C-407E-A947-70E740481C1C}">
@@ -4664,14 +4342,48 @@
               </a:ext>
             </a:extLst>
           </a:blip>
-          <a:stretch>
-            <a:fillRect/>
-          </a:stretch>
+          <a:srcRect t="39338" b="15503"/>
+          <a:stretch/>
         </p:blipFill>
         <p:spPr>
           <a:xfrm>
-            <a:off x="7327075" y="1690688"/>
-            <a:ext cx="4026724" cy="4575411"/>
+            <a:off x="768012" y="3428999"/>
+            <a:ext cx="4679549" cy="2401169"/>
+          </a:xfrm>
+          <a:prstGeom prst="rect">
+            <a:avLst/>
+          </a:prstGeom>
+        </p:spPr>
+      </p:pic>
+      <p:pic>
+        <p:nvPicPr>
+          <p:cNvPr id="5" name="Рисунок 4">
+            <a:extLst>
+              <a:ext uri="{FF2B5EF4-FFF2-40B4-BE49-F238E27FC236}">
+                <a16:creationId xmlns:a16="http://schemas.microsoft.com/office/drawing/2014/main" id="{C184DBE5-EECE-805E-7DC3-DE35F6340EBC}"/>
+              </a:ext>
+            </a:extLst>
+          </p:cNvPr>
+          <p:cNvPicPr>
+            <a:picLocks noChangeAspect="1"/>
+          </p:cNvPicPr>
+          <p:nvPr/>
+        </p:nvPicPr>
+        <p:blipFill rotWithShape="1">
+          <a:blip r:embed="rId4">
+            <a:extLst>
+              <a:ext uri="{28A0092B-C50C-407E-A947-70E740481C1C}">
+                <a14:useLocalDpi xmlns:a14="http://schemas.microsoft.com/office/drawing/2010/main" val="0"/>
+              </a:ext>
+            </a:extLst>
+          </a:blip>
+          <a:srcRect r="32820"/>
+          <a:stretch/>
+        </p:blipFill>
+        <p:spPr>
+          <a:xfrm>
+            <a:off x="6060969" y="1453296"/>
+            <a:ext cx="5292831" cy="3074742"/>
           </a:xfrm>
           <a:prstGeom prst="rect">
             <a:avLst/>
@@ -4691,7 +4403,7 @@
 </p:sld>
 </file>
 
-<file path=ppt/slides/slide7.xml><?xml version="1.0" encoding="utf-8"?>
+<file path=ppt/slides/slide6.xml><?xml version="1.0" encoding="utf-8"?>
 <p:sld xmlns:a="http://schemas.openxmlformats.org/drawingml/2006/main" xmlns:r="http://schemas.openxmlformats.org/officeDocument/2006/relationships" xmlns:p="http://schemas.openxmlformats.org/presentationml/2006/main">
   <p:cSld>
     <p:spTree>
@@ -4779,7 +4491,7 @@
 </p:sld>
 </file>
 
-<file path=ppt/slides/slide8.xml><?xml version="1.0" encoding="utf-8"?>
+<file path=ppt/slides/slide7.xml><?xml version="1.0" encoding="utf-8"?>
 <p:sld xmlns:a="http://schemas.openxmlformats.org/drawingml/2006/main" xmlns:r="http://schemas.openxmlformats.org/officeDocument/2006/relationships" xmlns:p="http://schemas.openxmlformats.org/presentationml/2006/main">
   <p:cSld>
     <p:spTree>
@@ -4920,6 +4632,100 @@
 </p:sld>
 </file>
 
+<file path=ppt/slides/slide8.xml><?xml version="1.0" encoding="utf-8"?>
+<p:sld xmlns:a="http://schemas.openxmlformats.org/drawingml/2006/main" xmlns:r="http://schemas.openxmlformats.org/officeDocument/2006/relationships" xmlns:p="http://schemas.openxmlformats.org/presentationml/2006/main">
+  <p:cSld>
+    <p:spTree>
+      <p:nvGrpSpPr>
+        <p:cNvPr id="1" name=""/>
+        <p:cNvGrpSpPr/>
+        <p:nvPr/>
+      </p:nvGrpSpPr>
+      <p:grpSpPr>
+        <a:xfrm>
+          <a:off x="0" y="0"/>
+          <a:ext cx="0" cy="0"/>
+          <a:chOff x="0" y="0"/>
+          <a:chExt cx="0" cy="0"/>
+        </a:xfrm>
+      </p:grpSpPr>
+      <p:sp>
+        <p:nvSpPr>
+          <p:cNvPr id="2" name="Заголовок 1">
+            <a:extLst>
+              <a:ext uri="{FF2B5EF4-FFF2-40B4-BE49-F238E27FC236}">
+                <a16:creationId xmlns:a16="http://schemas.microsoft.com/office/drawing/2014/main" id="{564182AC-499B-0B4C-E0A8-0493F76EFC25}"/>
+              </a:ext>
+            </a:extLst>
+          </p:cNvPr>
+          <p:cNvSpPr>
+            <a:spLocks noGrp="1"/>
+          </p:cNvSpPr>
+          <p:nvPr>
+            <p:ph type="title"/>
+          </p:nvPr>
+        </p:nvSpPr>
+        <p:spPr/>
+        <p:txBody>
+          <a:bodyPr/>
+          <a:lstStyle/>
+          <a:p>
+            <a:r>
+              <a:rPr lang="ru-RU" dirty="0"/>
+              <a:t>Анализ результатов</a:t>
+            </a:r>
+          </a:p>
+        </p:txBody>
+      </p:sp>
+      <p:pic>
+        <p:nvPicPr>
+          <p:cNvPr id="6" name="Объект 4">
+            <a:extLst>
+              <a:ext uri="{FF2B5EF4-FFF2-40B4-BE49-F238E27FC236}">
+                <a16:creationId xmlns:a16="http://schemas.microsoft.com/office/drawing/2014/main" id="{66A8799F-3878-E936-771A-885030E61CB2}"/>
+              </a:ext>
+            </a:extLst>
+          </p:cNvPr>
+          <p:cNvPicPr>
+            <a:picLocks noChangeAspect="1"/>
+          </p:cNvPicPr>
+          <p:nvPr/>
+        </p:nvPicPr>
+        <p:blipFill>
+          <a:blip r:embed="rId2">
+            <a:extLst>
+              <a:ext uri="{28A0092B-C50C-407E-A947-70E740481C1C}">
+                <a14:useLocalDpi xmlns:a14="http://schemas.microsoft.com/office/drawing/2010/main" val="0"/>
+              </a:ext>
+            </a:extLst>
+          </a:blip>
+          <a:stretch>
+            <a:fillRect/>
+          </a:stretch>
+        </p:blipFill>
+        <p:spPr>
+          <a:xfrm>
+            <a:off x="992937" y="1374164"/>
+            <a:ext cx="10206126" cy="5395913"/>
+          </a:xfrm>
+          <a:prstGeom prst="rect">
+            <a:avLst/>
+          </a:prstGeom>
+        </p:spPr>
+      </p:pic>
+    </p:spTree>
+    <p:extLst>
+      <p:ext uri="{BB962C8B-B14F-4D97-AF65-F5344CB8AC3E}">
+        <p14:creationId xmlns:p14="http://schemas.microsoft.com/office/powerpoint/2010/main" val="452733803"/>
+      </p:ext>
+    </p:extLst>
+  </p:cSld>
+  <p:clrMapOvr>
+    <a:masterClrMapping/>
+  </p:clrMapOvr>
+</p:sld>
+</file>
+
 <file path=ppt/slides/slide9.xml><?xml version="1.0" encoding="utf-8"?>
 <p:sld xmlns:a="http://schemas.openxmlformats.org/drawingml/2006/main" xmlns:r="http://schemas.openxmlformats.org/officeDocument/2006/relationships" xmlns:p="http://schemas.openxmlformats.org/presentationml/2006/main">
   <p:cSld>
@@ -4937,49 +4743,19 @@
           <a:chExt cx="0" cy="0"/>
         </a:xfrm>
       </p:grpSpPr>
-      <p:sp>
-        <p:nvSpPr>
-          <p:cNvPr id="2" name="Заголовок 1">
-            <a:extLst>
-              <a:ext uri="{FF2B5EF4-FFF2-40B4-BE49-F238E27FC236}">
-                <a16:creationId xmlns:a16="http://schemas.microsoft.com/office/drawing/2014/main" id="{671026CD-5492-C48B-2FFD-4DAE39D864AA}"/>
-              </a:ext>
-            </a:extLst>
-          </p:cNvPr>
-          <p:cNvSpPr>
-            <a:spLocks noGrp="1"/>
-          </p:cNvSpPr>
-          <p:nvPr>
-            <p:ph type="title"/>
-          </p:nvPr>
-        </p:nvSpPr>
-        <p:spPr/>
-        <p:txBody>
-          <a:bodyPr/>
-          <a:lstStyle/>
-          <a:p>
-            <a:r>
-              <a:rPr lang="ru-RU" dirty="0"/>
-              <a:t>Анализ результатов</a:t>
-            </a:r>
-          </a:p>
-        </p:txBody>
-      </p:sp>
       <p:pic>
         <p:nvPicPr>
-          <p:cNvPr id="9" name="Объект 8">
-            <a:extLst>
-              <a:ext uri="{FF2B5EF4-FFF2-40B4-BE49-F238E27FC236}">
-                <a16:creationId xmlns:a16="http://schemas.microsoft.com/office/drawing/2014/main" id="{4F10C67E-F109-4C47-8926-80B1E78C9B4A}"/>
+          <p:cNvPr id="7" name="Рисунок 6">
+            <a:extLst>
+              <a:ext uri="{FF2B5EF4-FFF2-40B4-BE49-F238E27FC236}">
+                <a16:creationId xmlns:a16="http://schemas.microsoft.com/office/drawing/2014/main" id="{177615CB-26D7-DE4E-E175-D4E9CFE98AB8}"/>
               </a:ext>
             </a:extLst>
           </p:cNvPr>
           <p:cNvPicPr>
-            <a:picLocks noGrp="1" noChangeAspect="1"/>
+            <a:picLocks noChangeAspect="1"/>
           </p:cNvPicPr>
-          <p:nvPr>
-            <p:ph idx="1"/>
-          </p:nvPr>
+          <p:nvPr/>
         </p:nvPicPr>
         <p:blipFill>
           <a:blip r:embed="rId2">
@@ -4995,51 +4771,46 @@
         </p:blipFill>
         <p:spPr>
           <a:xfrm>
-            <a:off x="700572" y="1592421"/>
-            <a:ext cx="5395428" cy="3673158"/>
-          </a:xfrm>
-        </p:spPr>
-      </p:pic>
-      <p:pic>
-        <p:nvPicPr>
-          <p:cNvPr id="13" name="Рисунок 12">
-            <a:extLst>
-              <a:ext uri="{FF2B5EF4-FFF2-40B4-BE49-F238E27FC236}">
-                <a16:creationId xmlns:a16="http://schemas.microsoft.com/office/drawing/2014/main" id="{9B7A1E1E-B2AA-F0F8-C6D4-CABFD2720D57}"/>
-              </a:ext>
-            </a:extLst>
-          </p:cNvPr>
-          <p:cNvPicPr>
-            <a:picLocks noChangeAspect="1"/>
-          </p:cNvPicPr>
-          <p:nvPr/>
-        </p:nvPicPr>
-        <p:blipFill>
-          <a:blip r:embed="rId3">
-            <a:extLst>
-              <a:ext uri="{28A0092B-C50C-407E-A947-70E740481C1C}">
-                <a14:useLocalDpi xmlns:a14="http://schemas.microsoft.com/office/drawing/2010/main" val="0"/>
-              </a:ext>
-            </a:extLst>
-          </a:blip>
-          <a:stretch>
-            <a:fillRect/>
-          </a:stretch>
-        </p:blipFill>
-        <p:spPr>
-          <a:xfrm>
-            <a:off x="6096000" y="2259386"/>
-            <a:ext cx="5993914" cy="2339228"/>
+            <a:off x="622874" y="1110395"/>
+            <a:ext cx="10946252" cy="5501420"/>
           </a:xfrm>
           <a:prstGeom prst="rect">
             <a:avLst/>
           </a:prstGeom>
         </p:spPr>
       </p:pic>
+      <p:sp>
+        <p:nvSpPr>
+          <p:cNvPr id="8" name="Заголовок 7">
+            <a:extLst>
+              <a:ext uri="{FF2B5EF4-FFF2-40B4-BE49-F238E27FC236}">
+                <a16:creationId xmlns:a16="http://schemas.microsoft.com/office/drawing/2014/main" id="{6096685F-BC85-3E12-0152-08CC3379E615}"/>
+              </a:ext>
+            </a:extLst>
+          </p:cNvPr>
+          <p:cNvSpPr>
+            <a:spLocks noGrp="1"/>
+          </p:cNvSpPr>
+          <p:nvPr>
+            <p:ph type="title"/>
+          </p:nvPr>
+        </p:nvSpPr>
+        <p:spPr/>
+        <p:txBody>
+          <a:bodyPr/>
+          <a:lstStyle/>
+          <a:p>
+            <a:r>
+              <a:rPr lang="ru-RU" dirty="0"/>
+              <a:t>Анализ результатов</a:t>
+            </a:r>
+          </a:p>
+        </p:txBody>
+      </p:sp>
     </p:spTree>
     <p:extLst>
       <p:ext uri="{BB962C8B-B14F-4D97-AF65-F5344CB8AC3E}">
-        <p14:creationId xmlns:p14="http://schemas.microsoft.com/office/powerpoint/2010/main" val="1641986736"/>
+        <p14:creationId xmlns:p14="http://schemas.microsoft.com/office/powerpoint/2010/main" val="211594941"/>
       </p:ext>
     </p:extLst>
   </p:cSld>

--- a/Исследование алгоритма вычисления ионосферной поправки для системы Galileo.pptx
+++ b/Исследование алгоритма вычисления ионосферной поправки для системы Galileo.pptx
@@ -4,6 +4,9 @@
   <p:sldMasterIdLst>
     <p:sldMasterId id="2147483648" r:id="rId1"/>
   </p:sldMasterIdLst>
+  <p:notesMasterIdLst>
+    <p:notesMasterId r:id="rId13"/>
+  </p:notesMasterIdLst>
   <p:sldIdLst>
     <p:sldId id="256" r:id="rId2"/>
     <p:sldId id="265" r:id="rId3"/>
@@ -122,6 +125,355 @@
 </p:presentation>
 </file>
 
+<file path=ppt/notesMasters/notesMaster1.xml><?xml version="1.0" encoding="utf-8"?>
+<p:notesMaster xmlns:a="http://schemas.openxmlformats.org/drawingml/2006/main" xmlns:r="http://schemas.openxmlformats.org/officeDocument/2006/relationships" xmlns:p="http://schemas.openxmlformats.org/presentationml/2006/main">
+  <p:cSld>
+    <p:bg>
+      <p:bgRef idx="1001">
+        <a:schemeClr val="bg1"/>
+      </p:bgRef>
+    </p:bg>
+    <p:spTree>
+      <p:nvGrpSpPr>
+        <p:cNvPr id="1" name=""/>
+        <p:cNvGrpSpPr/>
+        <p:nvPr/>
+      </p:nvGrpSpPr>
+      <p:grpSpPr>
+        <a:xfrm>
+          <a:off x="0" y="0"/>
+          <a:ext cx="0" cy="0"/>
+          <a:chOff x="0" y="0"/>
+          <a:chExt cx="0" cy="0"/>
+        </a:xfrm>
+      </p:grpSpPr>
+      <p:sp>
+        <p:nvSpPr>
+          <p:cNvPr id="2" name="Верхний колонтитул 1"/>
+          <p:cNvSpPr>
+            <a:spLocks noGrp="1"/>
+          </p:cNvSpPr>
+          <p:nvPr>
+            <p:ph type="hdr" sz="quarter"/>
+          </p:nvPr>
+        </p:nvSpPr>
+        <p:spPr>
+          <a:xfrm>
+            <a:off x="0" y="0"/>
+            <a:ext cx="2971800" cy="458788"/>
+          </a:xfrm>
+          <a:prstGeom prst="rect">
+            <a:avLst/>
+          </a:prstGeom>
+        </p:spPr>
+        <p:txBody>
+          <a:bodyPr vert="horz" lIns="91440" tIns="45720" rIns="91440" bIns="45720" rtlCol="0"/>
+          <a:lstStyle>
+            <a:lvl1pPr algn="l">
+              <a:defRPr sz="1200"/>
+            </a:lvl1pPr>
+          </a:lstStyle>
+          <a:p>
+            <a:endParaRPr lang="ru-RU"/>
+          </a:p>
+        </p:txBody>
+      </p:sp>
+      <p:sp>
+        <p:nvSpPr>
+          <p:cNvPr id="3" name="Дата 2"/>
+          <p:cNvSpPr>
+            <a:spLocks noGrp="1"/>
+          </p:cNvSpPr>
+          <p:nvPr>
+            <p:ph type="dt" idx="1"/>
+          </p:nvPr>
+        </p:nvSpPr>
+        <p:spPr>
+          <a:xfrm>
+            <a:off x="3884613" y="0"/>
+            <a:ext cx="2971800" cy="458788"/>
+          </a:xfrm>
+          <a:prstGeom prst="rect">
+            <a:avLst/>
+          </a:prstGeom>
+        </p:spPr>
+        <p:txBody>
+          <a:bodyPr vert="horz" lIns="91440" tIns="45720" rIns="91440" bIns="45720" rtlCol="0"/>
+          <a:lstStyle>
+            <a:lvl1pPr algn="r">
+              <a:defRPr sz="1200"/>
+            </a:lvl1pPr>
+          </a:lstStyle>
+          <a:p>
+            <a:fld id="{9A0699BD-3EB4-4178-AAED-87A8431DFBBB}" type="datetimeFigureOut">
+              <a:rPr lang="ru-RU" smtClean="0"/>
+              <a:t>27.06.2022</a:t>
+            </a:fld>
+            <a:endParaRPr lang="ru-RU"/>
+          </a:p>
+        </p:txBody>
+      </p:sp>
+      <p:sp>
+        <p:nvSpPr>
+          <p:cNvPr id="4" name="Образ слайда 3"/>
+          <p:cNvSpPr>
+            <a:spLocks noGrp="1" noRot="1" noChangeAspect="1"/>
+          </p:cNvSpPr>
+          <p:nvPr>
+            <p:ph type="sldImg" idx="2"/>
+          </p:nvPr>
+        </p:nvSpPr>
+        <p:spPr>
+          <a:xfrm>
+            <a:off x="685800" y="1143000"/>
+            <a:ext cx="5486400" cy="3086100"/>
+          </a:xfrm>
+          <a:prstGeom prst="rect">
+            <a:avLst/>
+          </a:prstGeom>
+          <a:noFill/>
+          <a:ln w="12700">
+            <a:solidFill>
+              <a:prstClr val="black"/>
+            </a:solidFill>
+          </a:ln>
+        </p:spPr>
+        <p:txBody>
+          <a:bodyPr vert="horz" lIns="91440" tIns="45720" rIns="91440" bIns="45720" rtlCol="0" anchor="ctr"/>
+          <a:lstStyle/>
+          <a:p>
+            <a:endParaRPr lang="ru-RU"/>
+          </a:p>
+        </p:txBody>
+      </p:sp>
+      <p:sp>
+        <p:nvSpPr>
+          <p:cNvPr id="5" name="Заметки 4"/>
+          <p:cNvSpPr>
+            <a:spLocks noGrp="1"/>
+          </p:cNvSpPr>
+          <p:nvPr>
+            <p:ph type="body" sz="quarter" idx="3"/>
+          </p:nvPr>
+        </p:nvSpPr>
+        <p:spPr>
+          <a:xfrm>
+            <a:off x="685800" y="4400550"/>
+            <a:ext cx="5486400" cy="3600450"/>
+          </a:xfrm>
+          <a:prstGeom prst="rect">
+            <a:avLst/>
+          </a:prstGeom>
+        </p:spPr>
+        <p:txBody>
+          <a:bodyPr vert="horz" lIns="91440" tIns="45720" rIns="91440" bIns="45720" rtlCol="0"/>
+          <a:lstStyle/>
+          <a:p>
+            <a:pPr lvl="0"/>
+            <a:r>
+              <a:rPr lang="ru-RU"/>
+              <a:t>Образец текста</a:t>
+            </a:r>
+          </a:p>
+          <a:p>
+            <a:pPr lvl="1"/>
+            <a:r>
+              <a:rPr lang="ru-RU"/>
+              <a:t>Второй уровень</a:t>
+            </a:r>
+          </a:p>
+          <a:p>
+            <a:pPr lvl="2"/>
+            <a:r>
+              <a:rPr lang="ru-RU"/>
+              <a:t>Третий уровень</a:t>
+            </a:r>
+          </a:p>
+          <a:p>
+            <a:pPr lvl="3"/>
+            <a:r>
+              <a:rPr lang="ru-RU"/>
+              <a:t>Четвертый уровень</a:t>
+            </a:r>
+          </a:p>
+          <a:p>
+            <a:pPr lvl="4"/>
+            <a:r>
+              <a:rPr lang="ru-RU"/>
+              <a:t>Пятый уровень</a:t>
+            </a:r>
+          </a:p>
+        </p:txBody>
+      </p:sp>
+      <p:sp>
+        <p:nvSpPr>
+          <p:cNvPr id="6" name="Нижний колонтитул 5"/>
+          <p:cNvSpPr>
+            <a:spLocks noGrp="1"/>
+          </p:cNvSpPr>
+          <p:nvPr>
+            <p:ph type="ftr" sz="quarter" idx="4"/>
+          </p:nvPr>
+        </p:nvSpPr>
+        <p:spPr>
+          <a:xfrm>
+            <a:off x="0" y="8685213"/>
+            <a:ext cx="2971800" cy="458787"/>
+          </a:xfrm>
+          <a:prstGeom prst="rect">
+            <a:avLst/>
+          </a:prstGeom>
+        </p:spPr>
+        <p:txBody>
+          <a:bodyPr vert="horz" lIns="91440" tIns="45720" rIns="91440" bIns="45720" rtlCol="0" anchor="b"/>
+          <a:lstStyle>
+            <a:lvl1pPr algn="l">
+              <a:defRPr sz="1200"/>
+            </a:lvl1pPr>
+          </a:lstStyle>
+          <a:p>
+            <a:endParaRPr lang="ru-RU"/>
+          </a:p>
+        </p:txBody>
+      </p:sp>
+      <p:sp>
+        <p:nvSpPr>
+          <p:cNvPr id="7" name="Номер слайда 6"/>
+          <p:cNvSpPr>
+            <a:spLocks noGrp="1"/>
+          </p:cNvSpPr>
+          <p:nvPr>
+            <p:ph type="sldNum" sz="quarter" idx="5"/>
+          </p:nvPr>
+        </p:nvSpPr>
+        <p:spPr>
+          <a:xfrm>
+            <a:off x="3884613" y="8685213"/>
+            <a:ext cx="2971800" cy="458787"/>
+          </a:xfrm>
+          <a:prstGeom prst="rect">
+            <a:avLst/>
+          </a:prstGeom>
+        </p:spPr>
+        <p:txBody>
+          <a:bodyPr vert="horz" lIns="91440" tIns="45720" rIns="91440" bIns="45720" rtlCol="0" anchor="b"/>
+          <a:lstStyle>
+            <a:lvl1pPr algn="r">
+              <a:defRPr sz="1200"/>
+            </a:lvl1pPr>
+          </a:lstStyle>
+          <a:p>
+            <a:fld id="{69C94241-0732-4EC5-BA62-B144896032D1}" type="slidenum">
+              <a:rPr lang="ru-RU" smtClean="0"/>
+              <a:t>‹#›</a:t>
+            </a:fld>
+            <a:endParaRPr lang="ru-RU"/>
+          </a:p>
+        </p:txBody>
+      </p:sp>
+    </p:spTree>
+    <p:extLst>
+      <p:ext uri="{BB962C8B-B14F-4D97-AF65-F5344CB8AC3E}">
+        <p14:creationId xmlns:p14="http://schemas.microsoft.com/office/powerpoint/2010/main" val="750138483"/>
+      </p:ext>
+    </p:extLst>
+  </p:cSld>
+  <p:clrMap bg1="lt1" tx1="dk1" bg2="lt2" tx2="dk2" accent1="accent1" accent2="accent2" accent3="accent3" accent4="accent4" accent5="accent5" accent6="accent6" hlink="hlink" folHlink="folHlink"/>
+  <p:notesStyle>
+    <a:lvl1pPr marL="0" algn="l" defTabSz="914400" rtl="0" eaLnBrk="1" latinLnBrk="0" hangingPunct="1">
+      <a:defRPr sz="1200" kern="1200">
+        <a:solidFill>
+          <a:schemeClr val="tx1"/>
+        </a:solidFill>
+        <a:latin typeface="+mn-lt"/>
+        <a:ea typeface="+mn-ea"/>
+        <a:cs typeface="+mn-cs"/>
+      </a:defRPr>
+    </a:lvl1pPr>
+    <a:lvl2pPr marL="457200" algn="l" defTabSz="914400" rtl="0" eaLnBrk="1" latinLnBrk="0" hangingPunct="1">
+      <a:defRPr sz="1200" kern="1200">
+        <a:solidFill>
+          <a:schemeClr val="tx1"/>
+        </a:solidFill>
+        <a:latin typeface="+mn-lt"/>
+        <a:ea typeface="+mn-ea"/>
+        <a:cs typeface="+mn-cs"/>
+      </a:defRPr>
+    </a:lvl2pPr>
+    <a:lvl3pPr marL="914400" algn="l" defTabSz="914400" rtl="0" eaLnBrk="1" latinLnBrk="0" hangingPunct="1">
+      <a:defRPr sz="1200" kern="1200">
+        <a:solidFill>
+          <a:schemeClr val="tx1"/>
+        </a:solidFill>
+        <a:latin typeface="+mn-lt"/>
+        <a:ea typeface="+mn-ea"/>
+        <a:cs typeface="+mn-cs"/>
+      </a:defRPr>
+    </a:lvl3pPr>
+    <a:lvl4pPr marL="1371600" algn="l" defTabSz="914400" rtl="0" eaLnBrk="1" latinLnBrk="0" hangingPunct="1">
+      <a:defRPr sz="1200" kern="1200">
+        <a:solidFill>
+          <a:schemeClr val="tx1"/>
+        </a:solidFill>
+        <a:latin typeface="+mn-lt"/>
+        <a:ea typeface="+mn-ea"/>
+        <a:cs typeface="+mn-cs"/>
+      </a:defRPr>
+    </a:lvl4pPr>
+    <a:lvl5pPr marL="1828800" algn="l" defTabSz="914400" rtl="0" eaLnBrk="1" latinLnBrk="0" hangingPunct="1">
+      <a:defRPr sz="1200" kern="1200">
+        <a:solidFill>
+          <a:schemeClr val="tx1"/>
+        </a:solidFill>
+        <a:latin typeface="+mn-lt"/>
+        <a:ea typeface="+mn-ea"/>
+        <a:cs typeface="+mn-cs"/>
+      </a:defRPr>
+    </a:lvl5pPr>
+    <a:lvl6pPr marL="2286000" algn="l" defTabSz="914400" rtl="0" eaLnBrk="1" latinLnBrk="0" hangingPunct="1">
+      <a:defRPr sz="1200" kern="1200">
+        <a:solidFill>
+          <a:schemeClr val="tx1"/>
+        </a:solidFill>
+        <a:latin typeface="+mn-lt"/>
+        <a:ea typeface="+mn-ea"/>
+        <a:cs typeface="+mn-cs"/>
+      </a:defRPr>
+    </a:lvl6pPr>
+    <a:lvl7pPr marL="2743200" algn="l" defTabSz="914400" rtl="0" eaLnBrk="1" latinLnBrk="0" hangingPunct="1">
+      <a:defRPr sz="1200" kern="1200">
+        <a:solidFill>
+          <a:schemeClr val="tx1"/>
+        </a:solidFill>
+        <a:latin typeface="+mn-lt"/>
+        <a:ea typeface="+mn-ea"/>
+        <a:cs typeface="+mn-cs"/>
+      </a:defRPr>
+    </a:lvl7pPr>
+    <a:lvl8pPr marL="3200400" algn="l" defTabSz="914400" rtl="0" eaLnBrk="1" latinLnBrk="0" hangingPunct="1">
+      <a:defRPr sz="1200" kern="1200">
+        <a:solidFill>
+          <a:schemeClr val="tx1"/>
+        </a:solidFill>
+        <a:latin typeface="+mn-lt"/>
+        <a:ea typeface="+mn-ea"/>
+        <a:cs typeface="+mn-cs"/>
+      </a:defRPr>
+    </a:lvl8pPr>
+    <a:lvl9pPr marL="3657600" algn="l" defTabSz="914400" rtl="0" eaLnBrk="1" latinLnBrk="0" hangingPunct="1">
+      <a:defRPr sz="1200" kern="1200">
+        <a:solidFill>
+          <a:schemeClr val="tx1"/>
+        </a:solidFill>
+        <a:latin typeface="+mn-lt"/>
+        <a:ea typeface="+mn-ea"/>
+        <a:cs typeface="+mn-cs"/>
+      </a:defRPr>
+    </a:lvl9pPr>
+  </p:notesStyle>
+</p:notesMaster>
+</file>
+
 <file path=ppt/slideLayouts/slideLayout1.xml><?xml version="1.0" encoding="utf-8"?>
 <p:sldLayout xmlns:a="http://schemas.openxmlformats.org/drawingml/2006/main" xmlns:r="http://schemas.openxmlformats.org/officeDocument/2006/relationships" xmlns:p="http://schemas.openxmlformats.org/presentationml/2006/main" type="title" preserve="1">
   <p:cSld name="Титульный слайд">
@@ -267,9 +619,9 @@
           <a:bodyPr/>
           <a:lstStyle/>
           <a:p>
-            <a:fld id="{B3F3D847-F5A2-4318-AFDA-B92EAB6C0036}" type="datetimeFigureOut">
+            <a:fld id="{EA8F5C3A-8C2B-4596-B1DF-EA924C215344}" type="datetime1">
               <a:rPr lang="ru-RU" smtClean="0"/>
-              <a:t>26.06.2022</a:t>
+              <a:t>27.06.2022</a:t>
             </a:fld>
             <a:endParaRPr lang="ru-RU"/>
           </a:p>
@@ -465,9 +817,9 @@
           <a:bodyPr/>
           <a:lstStyle/>
           <a:p>
-            <a:fld id="{B3F3D847-F5A2-4318-AFDA-B92EAB6C0036}" type="datetimeFigureOut">
+            <a:fld id="{FD43AC58-0E26-45EF-935C-A90B05B1D0E6}" type="datetime1">
               <a:rPr lang="ru-RU" smtClean="0"/>
-              <a:t>26.06.2022</a:t>
+              <a:t>27.06.2022</a:t>
             </a:fld>
             <a:endParaRPr lang="ru-RU"/>
           </a:p>
@@ -673,9 +1025,9 @@
           <a:bodyPr/>
           <a:lstStyle/>
           <a:p>
-            <a:fld id="{B3F3D847-F5A2-4318-AFDA-B92EAB6C0036}" type="datetimeFigureOut">
+            <a:fld id="{4898BFD8-F779-4EB3-80F1-8CAA0BCC1FEC}" type="datetime1">
               <a:rPr lang="ru-RU" smtClean="0"/>
-              <a:t>26.06.2022</a:t>
+              <a:t>27.06.2022</a:t>
             </a:fld>
             <a:endParaRPr lang="ru-RU"/>
           </a:p>
@@ -871,9 +1223,9 @@
           <a:bodyPr/>
           <a:lstStyle/>
           <a:p>
-            <a:fld id="{B3F3D847-F5A2-4318-AFDA-B92EAB6C0036}" type="datetimeFigureOut">
+            <a:fld id="{EE673832-6564-45F0-A19D-752108EC922C}" type="datetime1">
               <a:rPr lang="ru-RU" smtClean="0"/>
-              <a:t>26.06.2022</a:t>
+              <a:t>27.06.2022</a:t>
             </a:fld>
             <a:endParaRPr lang="ru-RU"/>
           </a:p>
@@ -1146,9 +1498,9 @@
           <a:bodyPr/>
           <a:lstStyle/>
           <a:p>
-            <a:fld id="{B3F3D847-F5A2-4318-AFDA-B92EAB6C0036}" type="datetimeFigureOut">
+            <a:fld id="{572ECC92-25D8-4103-A1EA-E0F1B331A176}" type="datetime1">
               <a:rPr lang="ru-RU" smtClean="0"/>
-              <a:t>26.06.2022</a:t>
+              <a:t>27.06.2022</a:t>
             </a:fld>
             <a:endParaRPr lang="ru-RU"/>
           </a:p>
@@ -1411,9 +1763,9 @@
           <a:bodyPr/>
           <a:lstStyle/>
           <a:p>
-            <a:fld id="{B3F3D847-F5A2-4318-AFDA-B92EAB6C0036}" type="datetimeFigureOut">
+            <a:fld id="{F8578D9F-C3B5-4AA3-A407-F8A5633A5FCD}" type="datetime1">
               <a:rPr lang="ru-RU" smtClean="0"/>
-              <a:t>26.06.2022</a:t>
+              <a:t>27.06.2022</a:t>
             </a:fld>
             <a:endParaRPr lang="ru-RU"/>
           </a:p>
@@ -1823,9 +2175,9 @@
           <a:bodyPr/>
           <a:lstStyle/>
           <a:p>
-            <a:fld id="{B3F3D847-F5A2-4318-AFDA-B92EAB6C0036}" type="datetimeFigureOut">
+            <a:fld id="{EFF3EF00-8FC1-4C09-9CE6-D680758AB6FD}" type="datetime1">
               <a:rPr lang="ru-RU" smtClean="0"/>
-              <a:t>26.06.2022</a:t>
+              <a:t>27.06.2022</a:t>
             </a:fld>
             <a:endParaRPr lang="ru-RU"/>
           </a:p>
@@ -1964,9 +2316,9 @@
           <a:bodyPr/>
           <a:lstStyle/>
           <a:p>
-            <a:fld id="{B3F3D847-F5A2-4318-AFDA-B92EAB6C0036}" type="datetimeFigureOut">
+            <a:fld id="{C8F57E0E-E7A8-4316-90D9-6E1E9626E2E5}" type="datetime1">
               <a:rPr lang="ru-RU" smtClean="0"/>
-              <a:t>26.06.2022</a:t>
+              <a:t>27.06.2022</a:t>
             </a:fld>
             <a:endParaRPr lang="ru-RU"/>
           </a:p>
@@ -2077,9 +2429,9 @@
           <a:bodyPr/>
           <a:lstStyle/>
           <a:p>
-            <a:fld id="{B3F3D847-F5A2-4318-AFDA-B92EAB6C0036}" type="datetimeFigureOut">
+            <a:fld id="{916BB652-C041-4D21-99E0-A77679D0FB7E}" type="datetime1">
               <a:rPr lang="ru-RU" smtClean="0"/>
-              <a:t>26.06.2022</a:t>
+              <a:t>27.06.2022</a:t>
             </a:fld>
             <a:endParaRPr lang="ru-RU"/>
           </a:p>
@@ -2388,9 +2740,9 @@
           <a:bodyPr/>
           <a:lstStyle/>
           <a:p>
-            <a:fld id="{B3F3D847-F5A2-4318-AFDA-B92EAB6C0036}" type="datetimeFigureOut">
+            <a:fld id="{5B372AA4-1922-4232-950E-79D812299E69}" type="datetime1">
               <a:rPr lang="ru-RU" smtClean="0"/>
-              <a:t>26.06.2022</a:t>
+              <a:t>27.06.2022</a:t>
             </a:fld>
             <a:endParaRPr lang="ru-RU"/>
           </a:p>
@@ -2676,9 +3028,9 @@
           <a:bodyPr/>
           <a:lstStyle/>
           <a:p>
-            <a:fld id="{B3F3D847-F5A2-4318-AFDA-B92EAB6C0036}" type="datetimeFigureOut">
+            <a:fld id="{5060E9DC-D08F-4AC5-A479-AC76F22F1C10}" type="datetime1">
               <a:rPr lang="ru-RU" smtClean="0"/>
-              <a:t>26.06.2022</a:t>
+              <a:t>27.06.2022</a:t>
             </a:fld>
             <a:endParaRPr lang="ru-RU"/>
           </a:p>
@@ -2917,9 +3269,9 @@
             </a:lvl1pPr>
           </a:lstStyle>
           <a:p>
-            <a:fld id="{B3F3D847-F5A2-4318-AFDA-B92EAB6C0036}" type="datetimeFigureOut">
+            <a:fld id="{E23AF163-5FE2-4379-9717-B3BE142318A6}" type="datetime1">
               <a:rPr lang="ru-RU" smtClean="0"/>
-              <a:t>26.06.2022</a:t>
+              <a:t>27.06.2022</a:t>
             </a:fld>
             <a:endParaRPr lang="ru-RU"/>
           </a:p>
@@ -2997,7 +3349,7 @@
           <a:bodyPr vert="horz" lIns="91440" tIns="45720" rIns="91440" bIns="45720" rtlCol="0" anchor="ctr"/>
           <a:lstStyle>
             <a:lvl1pPr algn="r">
-              <a:defRPr sz="1200">
+              <a:defRPr sz="5400">
                 <a:solidFill>
                   <a:schemeClr val="tx1">
                     <a:tint val="75000"/>
@@ -3009,6 +3361,7 @@
           <a:p>
             <a:fld id="{4543C90C-5965-437A-AC23-DD0CF0A0A167}" type="slidenum">
               <a:rPr lang="ru-RU" smtClean="0"/>
+              <a:pPr/>
               <a:t>‹#›</a:t>
             </a:fld>
             <a:endParaRPr lang="ru-RU"/>
@@ -3036,6 +3389,7 @@
     <p:sldLayoutId id="2147483658" r:id="rId10"/>
     <p:sldLayoutId id="2147483659" r:id="rId11"/>
   </p:sldLayoutIdLst>
+  <p:hf hdr="0" ftr="0" dt="0"/>
   <p:txStyles>
     <p:titleStyle>
       <a:lvl1pPr algn="l" defTabSz="914400" rtl="0" eaLnBrk="1" latinLnBrk="0" hangingPunct="1">
@@ -3516,6 +3870,35 @@
           </a:p>
         </p:txBody>
       </p:sp>
+      <p:sp>
+        <p:nvSpPr>
+          <p:cNvPr id="5" name="Номер слайда 4">
+            <a:extLst>
+              <a:ext uri="{FF2B5EF4-FFF2-40B4-BE49-F238E27FC236}">
+                <a16:creationId xmlns:a16="http://schemas.microsoft.com/office/drawing/2014/main" id="{67103B10-098E-BBD5-0038-D21D4542BAB7}"/>
+              </a:ext>
+            </a:extLst>
+          </p:cNvPr>
+          <p:cNvSpPr>
+            <a:spLocks noGrp="1"/>
+          </p:cNvSpPr>
+          <p:nvPr>
+            <p:ph type="sldNum" sz="quarter" idx="12"/>
+          </p:nvPr>
+        </p:nvSpPr>
+        <p:spPr/>
+        <p:txBody>
+          <a:bodyPr/>
+          <a:lstStyle/>
+          <a:p>
+            <a:fld id="{4543C90C-5965-437A-AC23-DD0CF0A0A167}" type="slidenum">
+              <a:rPr lang="ru-RU" smtClean="0"/>
+              <a:t>1</a:t>
+            </a:fld>
+            <a:endParaRPr lang="ru-RU"/>
+          </a:p>
+        </p:txBody>
+      </p:sp>
     </p:spTree>
     <p:extLst>
       <p:ext uri="{BB962C8B-B14F-4D97-AF65-F5344CB8AC3E}">
@@ -3604,6 +3987,35 @@
           </a:prstGeom>
         </p:spPr>
       </p:pic>
+      <p:sp>
+        <p:nvSpPr>
+          <p:cNvPr id="5" name="Номер слайда 4">
+            <a:extLst>
+              <a:ext uri="{FF2B5EF4-FFF2-40B4-BE49-F238E27FC236}">
+                <a16:creationId xmlns:a16="http://schemas.microsoft.com/office/drawing/2014/main" id="{3C7D7681-9F06-9B46-911D-522C21ED1E33}"/>
+              </a:ext>
+            </a:extLst>
+          </p:cNvPr>
+          <p:cNvSpPr>
+            <a:spLocks noGrp="1"/>
+          </p:cNvSpPr>
+          <p:nvPr>
+            <p:ph type="sldNum" sz="quarter" idx="12"/>
+          </p:nvPr>
+        </p:nvSpPr>
+        <p:spPr/>
+        <p:txBody>
+          <a:bodyPr/>
+          <a:lstStyle/>
+          <a:p>
+            <a:fld id="{4543C90C-5965-437A-AC23-DD0CF0A0A167}" type="slidenum">
+              <a:rPr lang="ru-RU" smtClean="0"/>
+              <a:t>10</a:t>
+            </a:fld>
+            <a:endParaRPr lang="ru-RU"/>
+          </a:p>
+        </p:txBody>
+      </p:sp>
     </p:spTree>
     <p:extLst>
       <p:ext uri="{BB962C8B-B14F-4D97-AF65-F5344CB8AC3E}">
@@ -3668,6 +4080,35 @@
           </a:p>
         </p:txBody>
       </p:sp>
+      <p:sp>
+        <p:nvSpPr>
+          <p:cNvPr id="4" name="Номер слайда 3">
+            <a:extLst>
+              <a:ext uri="{FF2B5EF4-FFF2-40B4-BE49-F238E27FC236}">
+                <a16:creationId xmlns:a16="http://schemas.microsoft.com/office/drawing/2014/main" id="{819373BB-7E72-7126-BEE0-103C47ED6A80}"/>
+              </a:ext>
+            </a:extLst>
+          </p:cNvPr>
+          <p:cNvSpPr>
+            <a:spLocks noGrp="1"/>
+          </p:cNvSpPr>
+          <p:nvPr>
+            <p:ph type="sldNum" sz="quarter" idx="12"/>
+          </p:nvPr>
+        </p:nvSpPr>
+        <p:spPr/>
+        <p:txBody>
+          <a:bodyPr/>
+          <a:lstStyle/>
+          <a:p>
+            <a:fld id="{4543C90C-5965-437A-AC23-DD0CF0A0A167}" type="slidenum">
+              <a:rPr lang="ru-RU" smtClean="0"/>
+              <a:t>11</a:t>
+            </a:fld>
+            <a:endParaRPr lang="ru-RU"/>
+          </a:p>
+        </p:txBody>
+      </p:sp>
     </p:spTree>
     <p:extLst>
       <p:ext uri="{BB962C8B-B14F-4D97-AF65-F5344CB8AC3E}">
@@ -3762,6 +4203,35 @@
           </a:prstGeom>
         </p:spPr>
       </p:pic>
+      <p:sp>
+        <p:nvSpPr>
+          <p:cNvPr id="5" name="Номер слайда 4">
+            <a:extLst>
+              <a:ext uri="{FF2B5EF4-FFF2-40B4-BE49-F238E27FC236}">
+                <a16:creationId xmlns:a16="http://schemas.microsoft.com/office/drawing/2014/main" id="{9DD048F3-DC30-2397-0079-C6AB86D46D34}"/>
+              </a:ext>
+            </a:extLst>
+          </p:cNvPr>
+          <p:cNvSpPr>
+            <a:spLocks noGrp="1"/>
+          </p:cNvSpPr>
+          <p:nvPr>
+            <p:ph type="sldNum" sz="quarter" idx="12"/>
+          </p:nvPr>
+        </p:nvSpPr>
+        <p:spPr/>
+        <p:txBody>
+          <a:bodyPr/>
+          <a:lstStyle/>
+          <a:p>
+            <a:fld id="{4543C90C-5965-437A-AC23-DD0CF0A0A167}" type="slidenum">
+              <a:rPr lang="ru-RU" smtClean="0"/>
+              <a:t>2</a:t>
+            </a:fld>
+            <a:endParaRPr lang="ru-RU"/>
+          </a:p>
+        </p:txBody>
+      </p:sp>
     </p:spTree>
     <p:extLst>
       <p:ext uri="{BB962C8B-B14F-4D97-AF65-F5344CB8AC3E}">
@@ -3995,6 +4465,35 @@
           </a:prstGeom>
         </p:spPr>
       </p:pic>
+      <p:sp>
+        <p:nvSpPr>
+          <p:cNvPr id="6" name="Номер слайда 5">
+            <a:extLst>
+              <a:ext uri="{FF2B5EF4-FFF2-40B4-BE49-F238E27FC236}">
+                <a16:creationId xmlns:a16="http://schemas.microsoft.com/office/drawing/2014/main" id="{C173A9F8-25E5-134E-B161-C10458FDAC79}"/>
+              </a:ext>
+            </a:extLst>
+          </p:cNvPr>
+          <p:cNvSpPr>
+            <a:spLocks noGrp="1"/>
+          </p:cNvSpPr>
+          <p:nvPr>
+            <p:ph type="sldNum" sz="quarter" idx="12"/>
+          </p:nvPr>
+        </p:nvSpPr>
+        <p:spPr/>
+        <p:txBody>
+          <a:bodyPr/>
+          <a:lstStyle/>
+          <a:p>
+            <a:fld id="{4543C90C-5965-437A-AC23-DD0CF0A0A167}" type="slidenum">
+              <a:rPr lang="ru-RU" smtClean="0"/>
+              <a:t>3</a:t>
+            </a:fld>
+            <a:endParaRPr lang="ru-RU"/>
+          </a:p>
+        </p:txBody>
+      </p:sp>
     </p:spTree>
     <p:extLst>
       <p:ext uri="{BB962C8B-B14F-4D97-AF65-F5344CB8AC3E}">
@@ -4227,6 +4726,35 @@
           </a:prstGeom>
         </p:spPr>
       </p:pic>
+      <p:sp>
+        <p:nvSpPr>
+          <p:cNvPr id="6" name="Номер слайда 5">
+            <a:extLst>
+              <a:ext uri="{FF2B5EF4-FFF2-40B4-BE49-F238E27FC236}">
+                <a16:creationId xmlns:a16="http://schemas.microsoft.com/office/drawing/2014/main" id="{2CA08974-DD7D-A498-0ABF-68509C9531BE}"/>
+              </a:ext>
+            </a:extLst>
+          </p:cNvPr>
+          <p:cNvSpPr>
+            <a:spLocks noGrp="1"/>
+          </p:cNvSpPr>
+          <p:nvPr>
+            <p:ph type="sldNum" sz="quarter" idx="12"/>
+          </p:nvPr>
+        </p:nvSpPr>
+        <p:spPr/>
+        <p:txBody>
+          <a:bodyPr/>
+          <a:lstStyle/>
+          <a:p>
+            <a:fld id="{4543C90C-5965-437A-AC23-DD0CF0A0A167}" type="slidenum">
+              <a:rPr lang="ru-RU" smtClean="0"/>
+              <a:t>4</a:t>
+            </a:fld>
+            <a:endParaRPr lang="ru-RU"/>
+          </a:p>
+        </p:txBody>
+      </p:sp>
     </p:spTree>
     <p:extLst>
       <p:ext uri="{BB962C8B-B14F-4D97-AF65-F5344CB8AC3E}">
@@ -4390,6 +4918,35 @@
           </a:prstGeom>
         </p:spPr>
       </p:pic>
+      <p:sp>
+        <p:nvSpPr>
+          <p:cNvPr id="4" name="Номер слайда 3">
+            <a:extLst>
+              <a:ext uri="{FF2B5EF4-FFF2-40B4-BE49-F238E27FC236}">
+                <a16:creationId xmlns:a16="http://schemas.microsoft.com/office/drawing/2014/main" id="{B7927FAE-41D2-0827-2814-172E6A725AD7}"/>
+              </a:ext>
+            </a:extLst>
+          </p:cNvPr>
+          <p:cNvSpPr>
+            <a:spLocks noGrp="1"/>
+          </p:cNvSpPr>
+          <p:nvPr>
+            <p:ph type="sldNum" sz="quarter" idx="12"/>
+          </p:nvPr>
+        </p:nvSpPr>
+        <p:spPr/>
+        <p:txBody>
+          <a:bodyPr/>
+          <a:lstStyle/>
+          <a:p>
+            <a:fld id="{4543C90C-5965-437A-AC23-DD0CF0A0A167}" type="slidenum">
+              <a:rPr lang="ru-RU" smtClean="0"/>
+              <a:t>5</a:t>
+            </a:fld>
+            <a:endParaRPr lang="ru-RU"/>
+          </a:p>
+        </p:txBody>
+      </p:sp>
     </p:spTree>
     <p:extLst>
       <p:ext uri="{BB962C8B-B14F-4D97-AF65-F5344CB8AC3E}">
@@ -4478,6 +5035,35 @@
           </a:prstGeom>
         </p:spPr>
       </p:pic>
+      <p:sp>
+        <p:nvSpPr>
+          <p:cNvPr id="4" name="Номер слайда 3">
+            <a:extLst>
+              <a:ext uri="{FF2B5EF4-FFF2-40B4-BE49-F238E27FC236}">
+                <a16:creationId xmlns:a16="http://schemas.microsoft.com/office/drawing/2014/main" id="{CBC3E9B3-99BA-E7D0-DFA4-717C7A0B5278}"/>
+              </a:ext>
+            </a:extLst>
+          </p:cNvPr>
+          <p:cNvSpPr>
+            <a:spLocks noGrp="1"/>
+          </p:cNvSpPr>
+          <p:nvPr>
+            <p:ph type="sldNum" sz="quarter" idx="12"/>
+          </p:nvPr>
+        </p:nvSpPr>
+        <p:spPr/>
+        <p:txBody>
+          <a:bodyPr/>
+          <a:lstStyle/>
+          <a:p>
+            <a:fld id="{4543C90C-5965-437A-AC23-DD0CF0A0A167}" type="slidenum">
+              <a:rPr lang="ru-RU" smtClean="0"/>
+              <a:t>6</a:t>
+            </a:fld>
+            <a:endParaRPr lang="ru-RU"/>
+          </a:p>
+        </p:txBody>
+      </p:sp>
     </p:spTree>
     <p:extLst>
       <p:ext uri="{BB962C8B-B14F-4D97-AF65-F5344CB8AC3E}">
@@ -4619,6 +5205,35 @@
           </a:prstGeom>
         </p:spPr>
       </p:pic>
+      <p:sp>
+        <p:nvSpPr>
+          <p:cNvPr id="6" name="Номер слайда 5">
+            <a:extLst>
+              <a:ext uri="{FF2B5EF4-FFF2-40B4-BE49-F238E27FC236}">
+                <a16:creationId xmlns:a16="http://schemas.microsoft.com/office/drawing/2014/main" id="{E3048F24-0A96-1FC5-6327-1932CF9F53D2}"/>
+              </a:ext>
+            </a:extLst>
+          </p:cNvPr>
+          <p:cNvSpPr>
+            <a:spLocks noGrp="1"/>
+          </p:cNvSpPr>
+          <p:nvPr>
+            <p:ph type="sldNum" sz="quarter" idx="12"/>
+          </p:nvPr>
+        </p:nvSpPr>
+        <p:spPr/>
+        <p:txBody>
+          <a:bodyPr/>
+          <a:lstStyle/>
+          <a:p>
+            <a:fld id="{4543C90C-5965-437A-AC23-DD0CF0A0A167}" type="slidenum">
+              <a:rPr lang="ru-RU" smtClean="0"/>
+              <a:t>7</a:t>
+            </a:fld>
+            <a:endParaRPr lang="ru-RU"/>
+          </a:p>
+        </p:txBody>
+      </p:sp>
     </p:spTree>
     <p:extLst>
       <p:ext uri="{BB962C8B-B14F-4D97-AF65-F5344CB8AC3E}">
@@ -4713,6 +5328,35 @@
           </a:prstGeom>
         </p:spPr>
       </p:pic>
+      <p:sp>
+        <p:nvSpPr>
+          <p:cNvPr id="4" name="Номер слайда 3">
+            <a:extLst>
+              <a:ext uri="{FF2B5EF4-FFF2-40B4-BE49-F238E27FC236}">
+                <a16:creationId xmlns:a16="http://schemas.microsoft.com/office/drawing/2014/main" id="{FBC5F39C-59F7-73FF-BF81-F184E524E64B}"/>
+              </a:ext>
+            </a:extLst>
+          </p:cNvPr>
+          <p:cNvSpPr>
+            <a:spLocks noGrp="1"/>
+          </p:cNvSpPr>
+          <p:nvPr>
+            <p:ph type="sldNum" sz="quarter" idx="12"/>
+          </p:nvPr>
+        </p:nvSpPr>
+        <p:spPr/>
+        <p:txBody>
+          <a:bodyPr/>
+          <a:lstStyle/>
+          <a:p>
+            <a:fld id="{4543C90C-5965-437A-AC23-DD0CF0A0A167}" type="slidenum">
+              <a:rPr lang="ru-RU" smtClean="0"/>
+              <a:t>8</a:t>
+            </a:fld>
+            <a:endParaRPr lang="ru-RU"/>
+          </a:p>
+        </p:txBody>
+      </p:sp>
     </p:spTree>
     <p:extLst>
       <p:ext uri="{BB962C8B-B14F-4D97-AF65-F5344CB8AC3E}">
@@ -4804,6 +5448,35 @@
               <a:rPr lang="ru-RU" dirty="0"/>
               <a:t>Анализ результатов</a:t>
             </a:r>
+          </a:p>
+        </p:txBody>
+      </p:sp>
+      <p:sp>
+        <p:nvSpPr>
+          <p:cNvPr id="3" name="Номер слайда 2">
+            <a:extLst>
+              <a:ext uri="{FF2B5EF4-FFF2-40B4-BE49-F238E27FC236}">
+                <a16:creationId xmlns:a16="http://schemas.microsoft.com/office/drawing/2014/main" id="{3CF51458-B3DB-C13E-E986-9BDAA25CC9D1}"/>
+              </a:ext>
+            </a:extLst>
+          </p:cNvPr>
+          <p:cNvSpPr>
+            <a:spLocks noGrp="1"/>
+          </p:cNvSpPr>
+          <p:nvPr>
+            <p:ph type="sldNum" sz="quarter" idx="12"/>
+          </p:nvPr>
+        </p:nvSpPr>
+        <p:spPr/>
+        <p:txBody>
+          <a:bodyPr/>
+          <a:lstStyle/>
+          <a:p>
+            <a:fld id="{4543C90C-5965-437A-AC23-DD0CF0A0A167}" type="slidenum">
+              <a:rPr lang="ru-RU" smtClean="0"/>
+              <a:t>9</a:t>
+            </a:fld>
+            <a:endParaRPr lang="ru-RU"/>
           </a:p>
         </p:txBody>
       </p:sp>
@@ -5113,4 +5786,299 @@
     </a:ext>
   </a:extLst>
 </a:theme>
+</file>
+
+<file path=ppt/theme/theme2.xml><?xml version="1.0" encoding="utf-8"?>
+<a:theme xmlns:a="http://schemas.openxmlformats.org/drawingml/2006/main" name="Тема Office">
+  <a:themeElements>
+    <a:clrScheme name="Стандартная">
+      <a:dk1>
+        <a:sysClr val="windowText" lastClr="000000"/>
+      </a:dk1>
+      <a:lt1>
+        <a:sysClr val="window" lastClr="FFFFFF"/>
+      </a:lt1>
+      <a:dk2>
+        <a:srgbClr val="44546A"/>
+      </a:dk2>
+      <a:lt2>
+        <a:srgbClr val="E7E6E6"/>
+      </a:lt2>
+      <a:accent1>
+        <a:srgbClr val="4472C4"/>
+      </a:accent1>
+      <a:accent2>
+        <a:srgbClr val="ED7D31"/>
+      </a:accent2>
+      <a:accent3>
+        <a:srgbClr val="A5A5A5"/>
+      </a:accent3>
+      <a:accent4>
+        <a:srgbClr val="FFC000"/>
+      </a:accent4>
+      <a:accent5>
+        <a:srgbClr val="5B9BD5"/>
+      </a:accent5>
+      <a:accent6>
+        <a:srgbClr val="70AD47"/>
+      </a:accent6>
+      <a:hlink>
+        <a:srgbClr val="0563C1"/>
+      </a:hlink>
+      <a:folHlink>
+        <a:srgbClr val="954F72"/>
+      </a:folHlink>
+    </a:clrScheme>
+    <a:fontScheme name="Стандартная">
+      <a:majorFont>
+        <a:latin typeface="Calibri Light" panose="020F0302020204030204"/>
+        <a:ea typeface=""/>
+        <a:cs typeface=""/>
+        <a:font script="Jpan" typeface="游ゴシック Light"/>
+        <a:font script="Hang" typeface="맑은 고딕"/>
+        <a:font script="Hans" typeface="等线 Light"/>
+        <a:font script="Hant" typeface="新細明體"/>
+        <a:font script="Arab" typeface="Times New Roman"/>
+        <a:font script="Hebr" typeface="Times New Roman"/>
+        <a:font script="Thai" typeface="Angsana New"/>
+        <a:font script="Ethi" typeface="Nyala"/>
+        <a:font script="Beng" typeface="Vrinda"/>
+        <a:font script="Gujr" typeface="Shruti"/>
+        <a:font script="Khmr" typeface="MoolBoran"/>
+        <a:font script="Knda" typeface="Tunga"/>
+        <a:font script="Guru" typeface="Raavi"/>
+        <a:font script="Cans" typeface="Euphemia"/>
+        <a:font script="Cher" typeface="Plantagenet Cherokee"/>
+        <a:font script="Yiii" typeface="Microsoft Yi Baiti"/>
+        <a:font script="Tibt" typeface="Microsoft Himalaya"/>
+        <a:font script="Thaa" typeface="MV Boli"/>
+        <a:font script="Deva" typeface="Mangal"/>
+        <a:font script="Telu" typeface="Gautami"/>
+        <a:font script="Taml" typeface="Latha"/>
+        <a:font script="Syrc" typeface="Estrangelo Edessa"/>
+        <a:font script="Orya" typeface="Kalinga"/>
+        <a:font script="Mlym" typeface="Kartika"/>
+        <a:font script="Laoo" typeface="DokChampa"/>
+        <a:font script="Sinh" typeface="Iskoola Pota"/>
+        <a:font script="Mong" typeface="Mongolian Baiti"/>
+        <a:font script="Viet" typeface="Times New Roman"/>
+        <a:font script="Uigh" typeface="Microsoft Uighur"/>
+        <a:font script="Geor" typeface="Sylfaen"/>
+        <a:font script="Armn" typeface="Arial"/>
+        <a:font script="Bugi" typeface="Leelawadee UI"/>
+        <a:font script="Bopo" typeface="Microsoft JhengHei"/>
+        <a:font script="Java" typeface="Javanese Text"/>
+        <a:font script="Lisu" typeface="Segoe UI"/>
+        <a:font script="Mymr" typeface="Myanmar Text"/>
+        <a:font script="Nkoo" typeface="Ebrima"/>
+        <a:font script="Olck" typeface="Nirmala UI"/>
+        <a:font script="Osma" typeface="Ebrima"/>
+        <a:font script="Phag" typeface="Phagspa"/>
+        <a:font script="Syrn" typeface="Estrangelo Edessa"/>
+        <a:font script="Syrj" typeface="Estrangelo Edessa"/>
+        <a:font script="Syre" typeface="Estrangelo Edessa"/>
+        <a:font script="Sora" typeface="Nirmala UI"/>
+        <a:font script="Tale" typeface="Microsoft Tai Le"/>
+        <a:font script="Talu" typeface="Microsoft New Tai Lue"/>
+        <a:font script="Tfng" typeface="Ebrima"/>
+      </a:majorFont>
+      <a:minorFont>
+        <a:latin typeface="Calibri" panose="020F0502020204030204"/>
+        <a:ea typeface=""/>
+        <a:cs typeface=""/>
+        <a:font script="Jpan" typeface="游ゴシック"/>
+        <a:font script="Hang" typeface="맑은 고딕"/>
+        <a:font script="Hans" typeface="等线"/>
+        <a:font script="Hant" typeface="新細明體"/>
+        <a:font script="Arab" typeface="Arial"/>
+        <a:font script="Hebr" typeface="Arial"/>
+        <a:font script="Thai" typeface="Cordia New"/>
+        <a:font script="Ethi" typeface="Nyala"/>
+        <a:font script="Beng" typeface="Vrinda"/>
+        <a:font script="Gujr" typeface="Shruti"/>
+        <a:font script="Khmr" typeface="DaunPenh"/>
+        <a:font script="Knda" typeface="Tunga"/>
+        <a:font script="Guru" typeface="Raavi"/>
+        <a:font script="Cans" typeface="Euphemia"/>
+        <a:font script="Cher" typeface="Plantagenet Cherokee"/>
+        <a:font script="Yiii" typeface="Microsoft Yi Baiti"/>
+        <a:font script="Tibt" typeface="Microsoft Himalaya"/>
+        <a:font script="Thaa" typeface="MV Boli"/>
+        <a:font script="Deva" typeface="Mangal"/>
+        <a:font script="Telu" typeface="Gautami"/>
+        <a:font script="Taml" typeface="Latha"/>
+        <a:font script="Syrc" typeface="Estrangelo Edessa"/>
+        <a:font script="Orya" typeface="Kalinga"/>
+        <a:font script="Mlym" typeface="Kartika"/>
+        <a:font script="Laoo" typeface="DokChampa"/>
+        <a:font script="Sinh" typeface="Iskoola Pota"/>
+        <a:font script="Mong" typeface="Mongolian Baiti"/>
+        <a:font script="Viet" typeface="Arial"/>
+        <a:font script="Uigh" typeface="Microsoft Uighur"/>
+        <a:font script="Geor" typeface="Sylfaen"/>
+        <a:font script="Armn" typeface="Arial"/>
+        <a:font script="Bugi" typeface="Leelawadee UI"/>
+        <a:font script="Bopo" typeface="Microsoft JhengHei"/>
+        <a:font script="Java" typeface="Javanese Text"/>
+        <a:font script="Lisu" typeface="Segoe UI"/>
+        <a:font script="Mymr" typeface="Myanmar Text"/>
+        <a:font script="Nkoo" typeface="Ebrima"/>
+        <a:font script="Olck" typeface="Nirmala UI"/>
+        <a:font script="Osma" typeface="Ebrima"/>
+        <a:font script="Phag" typeface="Phagspa"/>
+        <a:font script="Syrn" typeface="Estrangelo Edessa"/>
+        <a:font script="Syrj" typeface="Estrangelo Edessa"/>
+        <a:font script="Syre" typeface="Estrangelo Edessa"/>
+        <a:font script="Sora" typeface="Nirmala UI"/>
+        <a:font script="Tale" typeface="Microsoft Tai Le"/>
+        <a:font script="Talu" typeface="Microsoft New Tai Lue"/>
+        <a:font script="Tfng" typeface="Ebrima"/>
+      </a:minorFont>
+    </a:fontScheme>
+    <a:fmtScheme name="Стандартная">
+      <a:fillStyleLst>
+        <a:solidFill>
+          <a:schemeClr val="phClr"/>
+        </a:solidFill>
+        <a:gradFill rotWithShape="1">
+          <a:gsLst>
+            <a:gs pos="0">
+              <a:schemeClr val="phClr">
+                <a:lumMod val="110000"/>
+                <a:satMod val="105000"/>
+                <a:tint val="67000"/>
+              </a:schemeClr>
+            </a:gs>
+            <a:gs pos="50000">
+              <a:schemeClr val="phClr">
+                <a:lumMod val="105000"/>
+                <a:satMod val="103000"/>
+                <a:tint val="73000"/>
+              </a:schemeClr>
+            </a:gs>
+            <a:gs pos="100000">
+              <a:schemeClr val="phClr">
+                <a:lumMod val="105000"/>
+                <a:satMod val="109000"/>
+                <a:tint val="81000"/>
+              </a:schemeClr>
+            </a:gs>
+          </a:gsLst>
+          <a:lin ang="5400000" scaled="0"/>
+        </a:gradFill>
+        <a:gradFill rotWithShape="1">
+          <a:gsLst>
+            <a:gs pos="0">
+              <a:schemeClr val="phClr">
+                <a:satMod val="103000"/>
+                <a:lumMod val="102000"/>
+                <a:tint val="94000"/>
+              </a:schemeClr>
+            </a:gs>
+            <a:gs pos="50000">
+              <a:schemeClr val="phClr">
+                <a:satMod val="110000"/>
+                <a:lumMod val="100000"/>
+                <a:shade val="100000"/>
+              </a:schemeClr>
+            </a:gs>
+            <a:gs pos="100000">
+              <a:schemeClr val="phClr">
+                <a:lumMod val="99000"/>
+                <a:satMod val="120000"/>
+                <a:shade val="78000"/>
+              </a:schemeClr>
+            </a:gs>
+          </a:gsLst>
+          <a:lin ang="5400000" scaled="0"/>
+        </a:gradFill>
+      </a:fillStyleLst>
+      <a:lnStyleLst>
+        <a:ln w="6350" cap="flat" cmpd="sng" algn="ctr">
+          <a:solidFill>
+            <a:schemeClr val="phClr"/>
+          </a:solidFill>
+          <a:prstDash val="solid"/>
+          <a:miter lim="800000"/>
+        </a:ln>
+        <a:ln w="12700" cap="flat" cmpd="sng" algn="ctr">
+          <a:solidFill>
+            <a:schemeClr val="phClr"/>
+          </a:solidFill>
+          <a:prstDash val="solid"/>
+          <a:miter lim="800000"/>
+        </a:ln>
+        <a:ln w="19050" cap="flat" cmpd="sng" algn="ctr">
+          <a:solidFill>
+            <a:schemeClr val="phClr"/>
+          </a:solidFill>
+          <a:prstDash val="solid"/>
+          <a:miter lim="800000"/>
+        </a:ln>
+      </a:lnStyleLst>
+      <a:effectStyleLst>
+        <a:effectStyle>
+          <a:effectLst/>
+        </a:effectStyle>
+        <a:effectStyle>
+          <a:effectLst/>
+        </a:effectStyle>
+        <a:effectStyle>
+          <a:effectLst>
+            <a:outerShdw blurRad="57150" dist="19050" dir="5400000" algn="ctr" rotWithShape="0">
+              <a:srgbClr val="000000">
+                <a:alpha val="63000"/>
+              </a:srgbClr>
+            </a:outerShdw>
+          </a:effectLst>
+        </a:effectStyle>
+      </a:effectStyleLst>
+      <a:bgFillStyleLst>
+        <a:solidFill>
+          <a:schemeClr val="phClr"/>
+        </a:solidFill>
+        <a:solidFill>
+          <a:schemeClr val="phClr">
+            <a:tint val="95000"/>
+            <a:satMod val="170000"/>
+          </a:schemeClr>
+        </a:solidFill>
+        <a:gradFill rotWithShape="1">
+          <a:gsLst>
+            <a:gs pos="0">
+              <a:schemeClr val="phClr">
+                <a:tint val="93000"/>
+                <a:satMod val="150000"/>
+                <a:shade val="98000"/>
+                <a:lumMod val="102000"/>
+              </a:schemeClr>
+            </a:gs>
+            <a:gs pos="50000">
+              <a:schemeClr val="phClr">
+                <a:tint val="98000"/>
+                <a:satMod val="130000"/>
+                <a:shade val="90000"/>
+                <a:lumMod val="103000"/>
+              </a:schemeClr>
+            </a:gs>
+            <a:gs pos="100000">
+              <a:schemeClr val="phClr">
+                <a:shade val="63000"/>
+                <a:satMod val="120000"/>
+              </a:schemeClr>
+            </a:gs>
+          </a:gsLst>
+          <a:lin ang="5400000" scaled="0"/>
+        </a:gradFill>
+      </a:bgFillStyleLst>
+    </a:fmtScheme>
+  </a:themeElements>
+  <a:objectDefaults/>
+  <a:extraClrSchemeLst/>
+  <a:extLst>
+    <a:ext uri="{05A4C25C-085E-4340-85A3-A5531E510DB2}">
+      <thm15:themeFamily xmlns:thm15="http://schemas.microsoft.com/office/thememl/2012/main" name="Office Theme" id="{62F939B6-93AF-4DB8-9C6B-D6C7DFDC589F}" vid="{4A3C46E8-61CC-4603-A589-7422A47A8E4A}"/>
+    </a:ext>
+  </a:extLst>
+</a:theme>
 </file>
--- a/Исследование алгоритма вычисления ионосферной поправки для системы Galileo.pptx
+++ b/Исследование алгоритма вычисления ионосферной поправки для системы Galileo.pptx
@@ -5,7 +5,7 @@
     <p:sldMasterId id="2147483648" r:id="rId1"/>
   </p:sldMasterIdLst>
   <p:notesMasterIdLst>
-    <p:notesMasterId r:id="rId13"/>
+    <p:notesMasterId r:id="rId12"/>
   </p:notesMasterIdLst>
   <p:sldIdLst>
     <p:sldId id="256" r:id="rId2"/>
@@ -18,7 +18,6 @@
     <p:sldId id="273" r:id="rId9"/>
     <p:sldId id="274" r:id="rId10"/>
     <p:sldId id="275" r:id="rId11"/>
-    <p:sldId id="264" r:id="rId12"/>
   </p:sldIdLst>
   <p:sldSz cx="12192000" cy="6858000"/>
   <p:notesSz cx="6858000" cy="9144000"/>
@@ -207,7 +206,7 @@
           <a:p>
             <a:fld id="{9A0699BD-3EB4-4178-AAED-87A8431DFBBB}" type="datetimeFigureOut">
               <a:rPr lang="ru-RU" smtClean="0"/>
-              <a:t>27.06.2022</a:t>
+              <a:t>01.07.2022</a:t>
             </a:fld>
             <a:endParaRPr lang="ru-RU"/>
           </a:p>
@@ -621,7 +620,7 @@
           <a:p>
             <a:fld id="{EA8F5C3A-8C2B-4596-B1DF-EA924C215344}" type="datetime1">
               <a:rPr lang="ru-RU" smtClean="0"/>
-              <a:t>27.06.2022</a:t>
+              <a:t>01.07.2022</a:t>
             </a:fld>
             <a:endParaRPr lang="ru-RU"/>
           </a:p>
@@ -819,7 +818,7 @@
           <a:p>
             <a:fld id="{FD43AC58-0E26-45EF-935C-A90B05B1D0E6}" type="datetime1">
               <a:rPr lang="ru-RU" smtClean="0"/>
-              <a:t>27.06.2022</a:t>
+              <a:t>01.07.2022</a:t>
             </a:fld>
             <a:endParaRPr lang="ru-RU"/>
           </a:p>
@@ -1027,7 +1026,7 @@
           <a:p>
             <a:fld id="{4898BFD8-F779-4EB3-80F1-8CAA0BCC1FEC}" type="datetime1">
               <a:rPr lang="ru-RU" smtClean="0"/>
-              <a:t>27.06.2022</a:t>
+              <a:t>01.07.2022</a:t>
             </a:fld>
             <a:endParaRPr lang="ru-RU"/>
           </a:p>
@@ -1225,7 +1224,7 @@
           <a:p>
             <a:fld id="{EE673832-6564-45F0-A19D-752108EC922C}" type="datetime1">
               <a:rPr lang="ru-RU" smtClean="0"/>
-              <a:t>27.06.2022</a:t>
+              <a:t>01.07.2022</a:t>
             </a:fld>
             <a:endParaRPr lang="ru-RU"/>
           </a:p>
@@ -1500,7 +1499,7 @@
           <a:p>
             <a:fld id="{572ECC92-25D8-4103-A1EA-E0F1B331A176}" type="datetime1">
               <a:rPr lang="ru-RU" smtClean="0"/>
-              <a:t>27.06.2022</a:t>
+              <a:t>01.07.2022</a:t>
             </a:fld>
             <a:endParaRPr lang="ru-RU"/>
           </a:p>
@@ -1765,7 +1764,7 @@
           <a:p>
             <a:fld id="{F8578D9F-C3B5-4AA3-A407-F8A5633A5FCD}" type="datetime1">
               <a:rPr lang="ru-RU" smtClean="0"/>
-              <a:t>27.06.2022</a:t>
+              <a:t>01.07.2022</a:t>
             </a:fld>
             <a:endParaRPr lang="ru-RU"/>
           </a:p>
@@ -2177,7 +2176,7 @@
           <a:p>
             <a:fld id="{EFF3EF00-8FC1-4C09-9CE6-D680758AB6FD}" type="datetime1">
               <a:rPr lang="ru-RU" smtClean="0"/>
-              <a:t>27.06.2022</a:t>
+              <a:t>01.07.2022</a:t>
             </a:fld>
             <a:endParaRPr lang="ru-RU"/>
           </a:p>
@@ -2318,7 +2317,7 @@
           <a:p>
             <a:fld id="{C8F57E0E-E7A8-4316-90D9-6E1E9626E2E5}" type="datetime1">
               <a:rPr lang="ru-RU" smtClean="0"/>
-              <a:t>27.06.2022</a:t>
+              <a:t>01.07.2022</a:t>
             </a:fld>
             <a:endParaRPr lang="ru-RU"/>
           </a:p>
@@ -2431,7 +2430,7 @@
           <a:p>
             <a:fld id="{916BB652-C041-4D21-99E0-A77679D0FB7E}" type="datetime1">
               <a:rPr lang="ru-RU" smtClean="0"/>
-              <a:t>27.06.2022</a:t>
+              <a:t>01.07.2022</a:t>
             </a:fld>
             <a:endParaRPr lang="ru-RU"/>
           </a:p>
@@ -2742,7 +2741,7 @@
           <a:p>
             <a:fld id="{5B372AA4-1922-4232-950E-79D812299E69}" type="datetime1">
               <a:rPr lang="ru-RU" smtClean="0"/>
-              <a:t>27.06.2022</a:t>
+              <a:t>01.07.2022</a:t>
             </a:fld>
             <a:endParaRPr lang="ru-RU"/>
           </a:p>
@@ -3030,7 +3029,7 @@
           <a:p>
             <a:fld id="{5060E9DC-D08F-4AC5-A479-AC76F22F1C10}" type="datetime1">
               <a:rPr lang="ru-RU" smtClean="0"/>
-              <a:t>27.06.2022</a:t>
+              <a:t>01.07.2022</a:t>
             </a:fld>
             <a:endParaRPr lang="ru-RU"/>
           </a:p>
@@ -3271,7 +3270,7 @@
           <a:p>
             <a:fld id="{E23AF163-5FE2-4379-9717-B3BE142318A6}" type="datetime1">
               <a:rPr lang="ru-RU" smtClean="0"/>
-              <a:t>27.06.2022</a:t>
+              <a:t>01.07.2022</a:t>
             </a:fld>
             <a:endParaRPr lang="ru-RU"/>
           </a:p>
@@ -3708,8 +3707,8 @@
         </p:nvSpPr>
         <p:spPr>
           <a:xfrm>
-            <a:off x="1524000" y="2092569"/>
-            <a:ext cx="9144000" cy="1417394"/>
+            <a:off x="1524000" y="1496291"/>
+            <a:ext cx="9144000" cy="1932709"/>
           </a:xfrm>
         </p:spPr>
         <p:txBody>
@@ -3734,15 +3733,6 @@
                 <a:cs typeface="Times New Roman" panose="02020603050405020304" pitchFamily="18" charset="0"/>
               </a:rPr>
             </a:br>
-            <a:r>
-              <a:rPr lang="ru-RU" sz="2800" dirty="0">
-                <a:effectLst/>
-                <a:latin typeface="Times New Roman" panose="02020603050405020304" pitchFamily="18" charset="0"/>
-                <a:ea typeface="Calibri" panose="020F0502020204030204" pitchFamily="34" charset="0"/>
-                <a:cs typeface="Times New Roman" panose="02020603050405020304" pitchFamily="18" charset="0"/>
-              </a:rPr>
-              <a:t>ДИПЛОМНАЯ РАБОТА</a:t>
-            </a:r>
             <a:br>
               <a:rPr lang="ru-RU" sz="2800" dirty="0">
                 <a:effectLst/>
@@ -3752,7 +3742,7 @@
               </a:rPr>
             </a:br>
             <a:r>
-              <a:rPr lang="ru-RU" sz="2800" dirty="0">
+              <a:rPr lang="ru-RU" sz="4000" dirty="0">
                 <a:effectLst/>
                 <a:latin typeface="Times New Roman" panose="02020603050405020304" pitchFamily="18" charset="0"/>
                 <a:ea typeface="Calibri" panose="020F0502020204030204" pitchFamily="34" charset="0"/>
@@ -3761,7 +3751,7 @@
               <a:t>Исследование алгоритма вычисления ионосферной поправки для системы Galileo</a:t>
             </a:r>
             <a:br>
-              <a:rPr lang="ru-RU" sz="1800" dirty="0">
+              <a:rPr lang="ru-RU" sz="2700" dirty="0">
                 <a:effectLst/>
                 <a:latin typeface="Times New Roman" panose="02020603050405020304" pitchFamily="18" charset="0"/>
                 <a:ea typeface="Calibri" panose="020F0502020204030204" pitchFamily="34" charset="0"/>
@@ -3790,17 +3780,19 @@
         </p:nvSpPr>
         <p:spPr>
           <a:xfrm>
-            <a:off x="1524000" y="3602038"/>
-            <a:ext cx="9144000" cy="2904270"/>
+            <a:off x="1524000" y="4654307"/>
+            <a:ext cx="9144000" cy="1417394"/>
           </a:xfrm>
         </p:spPr>
         <p:txBody>
-          <a:bodyPr/>
+          <a:bodyPr>
+            <a:normAutofit lnSpcReduction="10000"/>
+          </a:bodyPr>
           <a:lstStyle/>
           <a:p>
             <a:pPr algn="just"/>
             <a:r>
-              <a:rPr lang="ru-RU" dirty="0">
+              <a:rPr lang="ru-RU" sz="2800" dirty="0">
                 <a:latin typeface="Times New Roman" panose="02020603050405020304" pitchFamily="18" charset="0"/>
                 <a:cs typeface="Times New Roman" panose="02020603050405020304" pitchFamily="18" charset="0"/>
               </a:rPr>
@@ -3809,7 +3801,7 @@
           </a:p>
           <a:p>
             <a:pPr algn="just"/>
-            <a:endParaRPr lang="ru-RU" dirty="0">
+            <a:endParaRPr lang="ru-RU" sz="2800" dirty="0">
               <a:latin typeface="Times New Roman" panose="02020603050405020304" pitchFamily="18" charset="0"/>
               <a:cs typeface="Times New Roman" panose="02020603050405020304" pitchFamily="18" charset="0"/>
             </a:endParaRPr>
@@ -3817,34 +3809,11 @@
           <a:p>
             <a:pPr algn="just"/>
             <a:r>
-              <a:rPr lang="ru-RU" dirty="0">
+              <a:rPr lang="ru-RU" sz="2800" dirty="0">
                 <a:latin typeface="Times New Roman" panose="02020603050405020304" pitchFamily="18" charset="0"/>
                 <a:cs typeface="Times New Roman" panose="02020603050405020304" pitchFamily="18" charset="0"/>
               </a:rPr>
-              <a:t>Проверил: Валиханов Марат Музагитович</a:t>
-            </a:r>
-          </a:p>
-          <a:p>
-            <a:pPr algn="just"/>
-            <a:endParaRPr lang="ru-RU" dirty="0">
-              <a:latin typeface="Times New Roman" panose="02020603050405020304" pitchFamily="18" charset="0"/>
-              <a:cs typeface="Times New Roman" panose="02020603050405020304" pitchFamily="18" charset="0"/>
-            </a:endParaRPr>
-          </a:p>
-          <a:p>
-            <a:pPr algn="just"/>
-            <a:endParaRPr lang="ru-RU" dirty="0">
-              <a:latin typeface="Times New Roman" panose="02020603050405020304" pitchFamily="18" charset="0"/>
-              <a:cs typeface="Times New Roman" panose="02020603050405020304" pitchFamily="18" charset="0"/>
-            </a:endParaRPr>
-          </a:p>
-          <a:p>
-            <a:r>
-              <a:rPr lang="ru-RU" dirty="0">
-                <a:latin typeface="Times New Roman" panose="02020603050405020304" pitchFamily="18" charset="0"/>
-                <a:cs typeface="Times New Roman" panose="02020603050405020304" pitchFamily="18" charset="0"/>
-              </a:rPr>
-              <a:t>Красноярск 2022</a:t>
+              <a:t>Руководитель: Валиханов Марат Музагитович</a:t>
             </a:r>
           </a:p>
           <a:p>
@@ -3957,12 +3926,41 @@
           </a:p>
         </p:txBody>
       </p:sp>
+      <p:sp>
+        <p:nvSpPr>
+          <p:cNvPr id="5" name="Номер слайда 4">
+            <a:extLst>
+              <a:ext uri="{FF2B5EF4-FFF2-40B4-BE49-F238E27FC236}">
+                <a16:creationId xmlns:a16="http://schemas.microsoft.com/office/drawing/2014/main" id="{3C7D7681-9F06-9B46-911D-522C21ED1E33}"/>
+              </a:ext>
+            </a:extLst>
+          </p:cNvPr>
+          <p:cNvSpPr>
+            <a:spLocks noGrp="1"/>
+          </p:cNvSpPr>
+          <p:nvPr>
+            <p:ph type="sldNum" sz="quarter" idx="12"/>
+          </p:nvPr>
+        </p:nvSpPr>
+        <p:spPr/>
+        <p:txBody>
+          <a:bodyPr/>
+          <a:lstStyle/>
+          <a:p>
+            <a:fld id="{4543C90C-5965-437A-AC23-DD0CF0A0A167}" type="slidenum">
+              <a:rPr lang="ru-RU" smtClean="0"/>
+              <a:t>10</a:t>
+            </a:fld>
+            <a:endParaRPr lang="ru-RU"/>
+          </a:p>
+        </p:txBody>
+      </p:sp>
       <p:pic>
         <p:nvPicPr>
-          <p:cNvPr id="4" name="Рисунок 3">
-            <a:extLst>
-              <a:ext uri="{FF2B5EF4-FFF2-40B4-BE49-F238E27FC236}">
-                <a16:creationId xmlns:a16="http://schemas.microsoft.com/office/drawing/2014/main" id="{CE0F0AD5-CA4A-4CC3-9506-5A51DABF7033}"/>
+          <p:cNvPr id="6" name="Рисунок 5">
+            <a:extLst>
+              <a:ext uri="{FF2B5EF4-FFF2-40B4-BE49-F238E27FC236}">
+                <a16:creationId xmlns:a16="http://schemas.microsoft.com/office/drawing/2014/main" id="{3CC27B93-5368-DDFB-E79E-AE940D5449AE}"/>
               </a:ext>
             </a:extLst>
           </p:cNvPr>
@@ -3979,140 +3977,18 @@
         </p:blipFill>
         <p:spPr>
           <a:xfrm>
-            <a:off x="1268482" y="1268657"/>
-            <a:ext cx="9655036" cy="5224218"/>
+            <a:off x="1391954" y="1537036"/>
+            <a:ext cx="9408091" cy="4819314"/>
           </a:xfrm>
           <a:prstGeom prst="rect">
             <a:avLst/>
           </a:prstGeom>
         </p:spPr>
       </p:pic>
-      <p:sp>
-        <p:nvSpPr>
-          <p:cNvPr id="5" name="Номер слайда 4">
-            <a:extLst>
-              <a:ext uri="{FF2B5EF4-FFF2-40B4-BE49-F238E27FC236}">
-                <a16:creationId xmlns:a16="http://schemas.microsoft.com/office/drawing/2014/main" id="{3C7D7681-9F06-9B46-911D-522C21ED1E33}"/>
-              </a:ext>
-            </a:extLst>
-          </p:cNvPr>
-          <p:cNvSpPr>
-            <a:spLocks noGrp="1"/>
-          </p:cNvSpPr>
-          <p:nvPr>
-            <p:ph type="sldNum" sz="quarter" idx="12"/>
-          </p:nvPr>
-        </p:nvSpPr>
-        <p:spPr/>
-        <p:txBody>
-          <a:bodyPr/>
-          <a:lstStyle/>
-          <a:p>
-            <a:fld id="{4543C90C-5965-437A-AC23-DD0CF0A0A167}" type="slidenum">
-              <a:rPr lang="ru-RU" smtClean="0"/>
-              <a:t>10</a:t>
-            </a:fld>
-            <a:endParaRPr lang="ru-RU"/>
-          </a:p>
-        </p:txBody>
-      </p:sp>
     </p:spTree>
     <p:extLst>
       <p:ext uri="{BB962C8B-B14F-4D97-AF65-F5344CB8AC3E}">
         <p14:creationId xmlns:p14="http://schemas.microsoft.com/office/powerpoint/2010/main" val="3886534466"/>
-      </p:ext>
-    </p:extLst>
-  </p:cSld>
-  <p:clrMapOvr>
-    <a:masterClrMapping/>
-  </p:clrMapOvr>
-</p:sld>
-</file>
-
-<file path=ppt/slides/slide11.xml><?xml version="1.0" encoding="utf-8"?>
-<p:sld xmlns:a="http://schemas.openxmlformats.org/drawingml/2006/main" xmlns:r="http://schemas.openxmlformats.org/officeDocument/2006/relationships" xmlns:p="http://schemas.openxmlformats.org/presentationml/2006/main">
-  <p:cSld>
-    <p:spTree>
-      <p:nvGrpSpPr>
-        <p:cNvPr id="1" name=""/>
-        <p:cNvGrpSpPr/>
-        <p:nvPr/>
-      </p:nvGrpSpPr>
-      <p:grpSpPr>
-        <a:xfrm>
-          <a:off x="0" y="0"/>
-          <a:ext cx="0" cy="0"/>
-          <a:chOff x="0" y="0"/>
-          <a:chExt cx="0" cy="0"/>
-        </a:xfrm>
-      </p:grpSpPr>
-      <p:sp>
-        <p:nvSpPr>
-          <p:cNvPr id="2" name="Заголовок 1">
-            <a:extLst>
-              <a:ext uri="{FF2B5EF4-FFF2-40B4-BE49-F238E27FC236}">
-                <a16:creationId xmlns:a16="http://schemas.microsoft.com/office/drawing/2014/main" id="{B22F2EAC-507F-84EE-7B08-EDD258EBC1D5}"/>
-              </a:ext>
-            </a:extLst>
-          </p:cNvPr>
-          <p:cNvSpPr>
-            <a:spLocks noGrp="1"/>
-          </p:cNvSpPr>
-          <p:nvPr>
-            <p:ph type="title"/>
-          </p:nvPr>
-        </p:nvSpPr>
-        <p:spPr>
-          <a:xfrm>
-            <a:off x="838200" y="2766218"/>
-            <a:ext cx="10515600" cy="1325563"/>
-          </a:xfrm>
-        </p:spPr>
-        <p:txBody>
-          <a:bodyPr/>
-          <a:lstStyle/>
-          <a:p>
-            <a:pPr algn="ctr"/>
-            <a:r>
-              <a:rPr lang="ru-RU" dirty="0"/>
-              <a:t>Спасибо за внимание</a:t>
-            </a:r>
-          </a:p>
-        </p:txBody>
-      </p:sp>
-      <p:sp>
-        <p:nvSpPr>
-          <p:cNvPr id="4" name="Номер слайда 3">
-            <a:extLst>
-              <a:ext uri="{FF2B5EF4-FFF2-40B4-BE49-F238E27FC236}">
-                <a16:creationId xmlns:a16="http://schemas.microsoft.com/office/drawing/2014/main" id="{819373BB-7E72-7126-BEE0-103C47ED6A80}"/>
-              </a:ext>
-            </a:extLst>
-          </p:cNvPr>
-          <p:cNvSpPr>
-            <a:spLocks noGrp="1"/>
-          </p:cNvSpPr>
-          <p:nvPr>
-            <p:ph type="sldNum" sz="quarter" idx="12"/>
-          </p:nvPr>
-        </p:nvSpPr>
-        <p:spPr/>
-        <p:txBody>
-          <a:bodyPr/>
-          <a:lstStyle/>
-          <a:p>
-            <a:fld id="{4543C90C-5965-437A-AC23-DD0CF0A0A167}" type="slidenum">
-              <a:rPr lang="ru-RU" smtClean="0"/>
-              <a:t>11</a:t>
-            </a:fld>
-            <a:endParaRPr lang="ru-RU"/>
-          </a:p>
-        </p:txBody>
-      </p:sp>
-    </p:spTree>
-    <p:extLst>
-      <p:ext uri="{BB962C8B-B14F-4D97-AF65-F5344CB8AC3E}">
-        <p14:creationId xmlns:p14="http://schemas.microsoft.com/office/powerpoint/2010/main" val="2695260135"/>
       </p:ext>
     </p:extLst>
   </p:cSld>
@@ -4167,17 +4043,46 @@
           </a:p>
         </p:txBody>
       </p:sp>
+      <p:sp>
+        <p:nvSpPr>
+          <p:cNvPr id="5" name="Номер слайда 4">
+            <a:extLst>
+              <a:ext uri="{FF2B5EF4-FFF2-40B4-BE49-F238E27FC236}">
+                <a16:creationId xmlns:a16="http://schemas.microsoft.com/office/drawing/2014/main" id="{9DD048F3-DC30-2397-0079-C6AB86D46D34}"/>
+              </a:ext>
+            </a:extLst>
+          </p:cNvPr>
+          <p:cNvSpPr>
+            <a:spLocks noGrp="1"/>
+          </p:cNvSpPr>
+          <p:nvPr>
+            <p:ph type="sldNum" sz="quarter" idx="12"/>
+          </p:nvPr>
+        </p:nvSpPr>
+        <p:spPr/>
+        <p:txBody>
+          <a:bodyPr/>
+          <a:lstStyle/>
+          <a:p>
+            <a:fld id="{4543C90C-5965-437A-AC23-DD0CF0A0A167}" type="slidenum">
+              <a:rPr lang="ru-RU" smtClean="0"/>
+              <a:t>2</a:t>
+            </a:fld>
+            <a:endParaRPr lang="ru-RU"/>
+          </a:p>
+        </p:txBody>
+      </p:sp>
       <p:pic>
         <p:nvPicPr>
-          <p:cNvPr id="4" name="Рисунок 3">
-            <a:extLst>
-              <a:ext uri="{FF2B5EF4-FFF2-40B4-BE49-F238E27FC236}">
-                <a16:creationId xmlns:a16="http://schemas.microsoft.com/office/drawing/2014/main" id="{47932C8A-49F4-C9D2-8CED-62B50AFCDAEE}"/>
+          <p:cNvPr id="1026" name="Picture 2">
+            <a:extLst>
+              <a:ext uri="{FF2B5EF4-FFF2-40B4-BE49-F238E27FC236}">
+                <a16:creationId xmlns:a16="http://schemas.microsoft.com/office/drawing/2014/main" id="{54118147-8B28-D0E8-0772-96645FD3D607}"/>
               </a:ext>
             </a:extLst>
           </p:cNvPr>
           <p:cNvPicPr>
-            <a:picLocks noChangeAspect="1"/>
+            <a:picLocks noChangeAspect="1" noChangeArrowheads="1"/>
           </p:cNvPicPr>
           <p:nvPr/>
         </p:nvPicPr>
@@ -4189,49 +4094,31 @@
               </a:ext>
             </a:extLst>
           </a:blip>
+          <a:srcRect/>
           <a:stretch>
             <a:fillRect/>
           </a:stretch>
         </p:blipFill>
-        <p:spPr>
+        <p:spPr bwMode="auto">
           <a:xfrm>
-            <a:off x="2023330" y="1211566"/>
-            <a:ext cx="8145340" cy="5430226"/>
+            <a:off x="2078708" y="1345324"/>
+            <a:ext cx="8034584" cy="5356390"/>
           </a:xfrm>
           <a:prstGeom prst="rect">
             <a:avLst/>
           </a:prstGeom>
+          <a:noFill/>
+          <a:extLst>
+            <a:ext uri="{909E8E84-426E-40DD-AFC4-6F175D3DCCD1}">
+              <a14:hiddenFill xmlns:a14="http://schemas.microsoft.com/office/drawing/2010/main">
+                <a:solidFill>
+                  <a:srgbClr val="FFFFFF"/>
+                </a:solidFill>
+              </a14:hiddenFill>
+            </a:ext>
+          </a:extLst>
         </p:spPr>
       </p:pic>
-      <p:sp>
-        <p:nvSpPr>
-          <p:cNvPr id="5" name="Номер слайда 4">
-            <a:extLst>
-              <a:ext uri="{FF2B5EF4-FFF2-40B4-BE49-F238E27FC236}">
-                <a16:creationId xmlns:a16="http://schemas.microsoft.com/office/drawing/2014/main" id="{9DD048F3-DC30-2397-0079-C6AB86D46D34}"/>
-              </a:ext>
-            </a:extLst>
-          </p:cNvPr>
-          <p:cNvSpPr>
-            <a:spLocks noGrp="1"/>
-          </p:cNvSpPr>
-          <p:nvPr>
-            <p:ph type="sldNum" sz="quarter" idx="12"/>
-          </p:nvPr>
-        </p:nvSpPr>
-        <p:spPr/>
-        <p:txBody>
-          <a:bodyPr/>
-          <a:lstStyle/>
-          <a:p>
-            <a:fld id="{4543C90C-5965-437A-AC23-DD0CF0A0A167}" type="slidenum">
-              <a:rPr lang="ru-RU" smtClean="0"/>
-              <a:t>2</a:t>
-            </a:fld>
-            <a:endParaRPr lang="ru-RU"/>
-          </a:p>
-        </p:txBody>
-      </p:sp>
     </p:spTree>
     <p:extLst>
       <p:ext uri="{BB962C8B-B14F-4D97-AF65-F5344CB8AC3E}">
@@ -4383,7 +4270,7 @@
                 <a:latin typeface="Times New Roman" panose="02020603050405020304" pitchFamily="18" charset="0"/>
                 <a:cs typeface="Times New Roman" panose="02020603050405020304" pitchFamily="18" charset="0"/>
               </a:rPr>
-              <a:t>Получить аналогичные зависимости с </a:t>
+              <a:t>Рассчитать ионосферную задержку</a:t>
             </a:r>
           </a:p>
           <a:p>
@@ -4395,19 +4282,8 @@
                 <a:latin typeface="Times New Roman" panose="02020603050405020304" pitchFamily="18" charset="0"/>
                 <a:cs typeface="Times New Roman" panose="02020603050405020304" pitchFamily="18" charset="0"/>
               </a:rPr>
-              <a:t>помощью измерений </a:t>
-            </a:r>
-            <a:r>
-              <a:rPr lang="ru-RU" dirty="0" err="1">
-                <a:latin typeface="Times New Roman" panose="02020603050405020304" pitchFamily="18" charset="0"/>
-                <a:cs typeface="Times New Roman" panose="02020603050405020304" pitchFamily="18" charset="0"/>
-              </a:rPr>
-              <a:t>псевдодальности</a:t>
-            </a:r>
-            <a:endParaRPr lang="ru-RU" dirty="0">
-              <a:latin typeface="Times New Roman" panose="02020603050405020304" pitchFamily="18" charset="0"/>
-              <a:cs typeface="Times New Roman" panose="02020603050405020304" pitchFamily="18" charset="0"/>
-            </a:endParaRPr>
+              <a:t>по 2х частотным измерениям</a:t>
+            </a:r>
           </a:p>
           <a:p>
             <a:r>
@@ -5170,17 +5046,68 @@
                 <a:latin typeface="Times New Roman" panose="02020603050405020304" pitchFamily="18" charset="0"/>
                 <a:cs typeface="Times New Roman" panose="02020603050405020304" pitchFamily="18" charset="0"/>
               </a:rPr>
-              <a:t>Сан-Паулу, Бразилия (-22,7, -45)</a:t>
-            </a:r>
+              <a:t>Сан-Паулу, Бразилия (-22.7</a:t>
+            </a:r>
+            <a:r>
+              <a:rPr lang="ru-RU" dirty="0"/>
+              <a:t>°</a:t>
+            </a:r>
+            <a:r>
+              <a:rPr lang="ru-RU" dirty="0">
+                <a:latin typeface="Times New Roman" panose="02020603050405020304" pitchFamily="18" charset="0"/>
+                <a:cs typeface="Times New Roman" panose="02020603050405020304" pitchFamily="18" charset="0"/>
+              </a:rPr>
+              <a:t>, -45</a:t>
+            </a:r>
+            <a:r>
+              <a:rPr lang="ru-RU" dirty="0"/>
+              <a:t>°</a:t>
+            </a:r>
+            <a:r>
+              <a:rPr lang="ru-RU" dirty="0">
+                <a:latin typeface="Times New Roman" panose="02020603050405020304" pitchFamily="18" charset="0"/>
+                <a:cs typeface="Times New Roman" panose="02020603050405020304" pitchFamily="18" charset="0"/>
+              </a:rPr>
+              <a:t>)</a:t>
+            </a:r>
+          </a:p>
+        </p:txBody>
+      </p:sp>
+      <p:sp>
+        <p:nvSpPr>
+          <p:cNvPr id="6" name="Номер слайда 5">
+            <a:extLst>
+              <a:ext uri="{FF2B5EF4-FFF2-40B4-BE49-F238E27FC236}">
+                <a16:creationId xmlns:a16="http://schemas.microsoft.com/office/drawing/2014/main" id="{E3048F24-0A96-1FC5-6327-1932CF9F53D2}"/>
+              </a:ext>
+            </a:extLst>
+          </p:cNvPr>
+          <p:cNvSpPr>
+            <a:spLocks noGrp="1"/>
+          </p:cNvSpPr>
+          <p:nvPr>
+            <p:ph type="sldNum" sz="quarter" idx="12"/>
+          </p:nvPr>
+        </p:nvSpPr>
+        <p:spPr/>
+        <p:txBody>
+          <a:bodyPr/>
+          <a:lstStyle/>
+          <a:p>
+            <a:fld id="{4543C90C-5965-437A-AC23-DD0CF0A0A167}" type="slidenum">
+              <a:rPr lang="ru-RU" smtClean="0"/>
+              <a:t>7</a:t>
+            </a:fld>
+            <a:endParaRPr lang="ru-RU"/>
           </a:p>
         </p:txBody>
       </p:sp>
       <p:pic>
         <p:nvPicPr>
-          <p:cNvPr id="5" name="Рисунок 4">
-            <a:extLst>
-              <a:ext uri="{FF2B5EF4-FFF2-40B4-BE49-F238E27FC236}">
-                <a16:creationId xmlns:a16="http://schemas.microsoft.com/office/drawing/2014/main" id="{BB0C930D-585F-7284-F74A-D5F9A8C76C44}"/>
+          <p:cNvPr id="7" name="Рисунок 6">
+            <a:extLst>
+              <a:ext uri="{FF2B5EF4-FFF2-40B4-BE49-F238E27FC236}">
+                <a16:creationId xmlns:a16="http://schemas.microsoft.com/office/drawing/2014/main" id="{1F798134-FC98-822F-FA52-C9DE2B370E4A}"/>
               </a:ext>
             </a:extLst>
           </p:cNvPr>
@@ -5197,43 +5124,14 @@
         </p:blipFill>
         <p:spPr>
           <a:xfrm>
-            <a:off x="1525979" y="1690688"/>
-            <a:ext cx="8409329" cy="4301837"/>
+            <a:off x="1450254" y="1415709"/>
+            <a:ext cx="8560778" cy="4487970"/>
           </a:xfrm>
           <a:prstGeom prst="rect">
             <a:avLst/>
           </a:prstGeom>
         </p:spPr>
       </p:pic>
-      <p:sp>
-        <p:nvSpPr>
-          <p:cNvPr id="6" name="Номер слайда 5">
-            <a:extLst>
-              <a:ext uri="{FF2B5EF4-FFF2-40B4-BE49-F238E27FC236}">
-                <a16:creationId xmlns:a16="http://schemas.microsoft.com/office/drawing/2014/main" id="{E3048F24-0A96-1FC5-6327-1932CF9F53D2}"/>
-              </a:ext>
-            </a:extLst>
-          </p:cNvPr>
-          <p:cNvSpPr>
-            <a:spLocks noGrp="1"/>
-          </p:cNvSpPr>
-          <p:nvPr>
-            <p:ph type="sldNum" sz="quarter" idx="12"/>
-          </p:nvPr>
-        </p:nvSpPr>
-        <p:spPr/>
-        <p:txBody>
-          <a:bodyPr/>
-          <a:lstStyle/>
-          <a:p>
-            <a:fld id="{4543C90C-5965-437A-AC23-DD0CF0A0A167}" type="slidenum">
-              <a:rPr lang="ru-RU" smtClean="0"/>
-              <a:t>7</a:t>
-            </a:fld>
-            <a:endParaRPr lang="ru-RU"/>
-          </a:p>
-        </p:txBody>
-      </p:sp>
     </p:spTree>
     <p:extLst>
       <p:ext uri="{BB962C8B-B14F-4D97-AF65-F5344CB8AC3E}">
